--- a/Lectures/Lecture 3.pptx
+++ b/Lectures/Lecture 3.pptx
@@ -17978,8 +17978,8 @@
           </a:p>
         </p:txBody>
       </p:sp>
-      <mc:AlternateContent xmlns:mc="http://schemas.openxmlformats.org/markup-compatibility/2006">
-        <mc:Choice xmlns:a14="http://schemas.microsoft.com/office/drawing/2010/main" Requires="a14">
+      <mc:AlternateContent xmlns:mc="http://schemas.openxmlformats.org/markup-compatibility/2006" xmlns:a14="http://schemas.microsoft.com/office/drawing/2010/main">
+        <mc:Choice Requires="a14">
           <p:sp>
             <p:nvSpPr>
               <p:cNvPr id="3" name="Content Placeholder 2"/>
@@ -18339,7 +18339,7 @@
             </p:txBody>
           </p:sp>
         </mc:Choice>
-        <mc:Fallback>
+        <mc:Fallback xmlns="">
           <p:sp>
             <p:nvSpPr>
               <p:cNvPr id="3" name="Content Placeholder 2"/>
@@ -21090,8 +21090,8 @@
           </a:p>
         </p:txBody>
       </p:sp>
-      <mc:AlternateContent xmlns:mc="http://schemas.openxmlformats.org/markup-compatibility/2006">
-        <mc:Choice xmlns:a14="http://schemas.microsoft.com/office/drawing/2010/main" Requires="a14">
+      <mc:AlternateContent xmlns:mc="http://schemas.openxmlformats.org/markup-compatibility/2006" xmlns:a14="http://schemas.microsoft.com/office/drawing/2010/main">
+        <mc:Choice Requires="a14">
           <p:sp>
             <p:nvSpPr>
               <p:cNvPr id="3" name="Content Placeholder 2">
@@ -21520,7 +21520,7 @@
             </p:txBody>
           </p:sp>
         </mc:Choice>
-        <mc:Fallback>
+        <mc:Fallback xmlns="">
           <p:sp>
             <p:nvSpPr>
               <p:cNvPr id="3" name="Content Placeholder 2">
@@ -21622,8 +21622,8 @@
           </a:p>
         </p:txBody>
       </p:sp>
-      <mc:AlternateContent xmlns:mc="http://schemas.openxmlformats.org/markup-compatibility/2006">
-        <mc:Choice xmlns:a14="http://schemas.microsoft.com/office/drawing/2010/main" Requires="a14">
+      <mc:AlternateContent xmlns:mc="http://schemas.openxmlformats.org/markup-compatibility/2006" xmlns:a14="http://schemas.microsoft.com/office/drawing/2010/main">
+        <mc:Choice Requires="a14">
           <p:sp>
             <p:nvSpPr>
               <p:cNvPr id="7" name="Content Placeholder 6">
@@ -21789,7 +21789,7 @@
             </p:txBody>
           </p:sp>
         </mc:Choice>
-        <mc:Fallback>
+        <mc:Fallback xmlns="">
           <p:sp>
             <p:nvSpPr>
               <p:cNvPr id="7" name="Content Placeholder 6">
@@ -21927,8 +21927,8 @@
           </a:p>
         </p:txBody>
       </p:sp>
-      <mc:AlternateContent xmlns:mc="http://schemas.openxmlformats.org/markup-compatibility/2006">
-        <mc:Choice xmlns:a14="http://schemas.microsoft.com/office/drawing/2010/main" Requires="a14">
+      <mc:AlternateContent xmlns:mc="http://schemas.openxmlformats.org/markup-compatibility/2006" xmlns:a14="http://schemas.microsoft.com/office/drawing/2010/main">
+        <mc:Choice Requires="a14">
           <p:sp>
             <p:nvSpPr>
               <p:cNvPr id="3" name="Content Placeholder 2">
@@ -22209,7 +22209,7 @@
             </p:txBody>
           </p:sp>
         </mc:Choice>
-        <mc:Fallback>
+        <mc:Fallback xmlns="">
           <p:sp>
             <p:nvSpPr>
               <p:cNvPr id="3" name="Content Placeholder 2">
@@ -22492,8 +22492,8 @@
           </a:p>
         </p:txBody>
       </p:sp>
-      <mc:AlternateContent xmlns:mc="http://schemas.openxmlformats.org/markup-compatibility/2006">
-        <mc:Choice xmlns:a14="http://schemas.microsoft.com/office/drawing/2010/main" Requires="a14">
+      <mc:AlternateContent xmlns:mc="http://schemas.openxmlformats.org/markup-compatibility/2006" xmlns:a14="http://schemas.microsoft.com/office/drawing/2010/main">
+        <mc:Choice Requires="a14">
           <p:sp>
             <p:nvSpPr>
               <p:cNvPr id="3" name="Content Placeholder 2">
@@ -22703,7 +22703,7 @@
             </p:txBody>
           </p:sp>
         </mc:Choice>
-        <mc:Fallback>
+        <mc:Fallback xmlns="">
           <p:sp>
             <p:nvSpPr>
               <p:cNvPr id="3" name="Content Placeholder 2">
@@ -22783,8 +22783,8 @@
           </a:prstGeom>
         </p:spPr>
       </p:pic>
-      <mc:AlternateContent xmlns:mc="http://schemas.openxmlformats.org/markup-compatibility/2006">
-        <mc:Choice xmlns:a14="http://schemas.microsoft.com/office/drawing/2010/main" Requires="a14">
+      <mc:AlternateContent xmlns:mc="http://schemas.openxmlformats.org/markup-compatibility/2006" xmlns:a14="http://schemas.microsoft.com/office/drawing/2010/main">
+        <mc:Choice Requires="a14">
           <p:sp>
             <p:nvSpPr>
               <p:cNvPr id="6" name="TextBox 5">
@@ -23012,7 +23012,7 @@
             </p:txBody>
           </p:sp>
         </mc:Choice>
-        <mc:Fallback>
+        <mc:Fallback xmlns="">
           <p:sp>
             <p:nvSpPr>
               <p:cNvPr id="6" name="TextBox 5">
@@ -23057,8 +23057,8 @@
           </p:sp>
         </mc:Fallback>
       </mc:AlternateContent>
-      <mc:AlternateContent xmlns:mc="http://schemas.openxmlformats.org/markup-compatibility/2006">
-        <mc:Choice xmlns:a14="http://schemas.microsoft.com/office/drawing/2010/main" Requires="a14">
+      <mc:AlternateContent xmlns:mc="http://schemas.openxmlformats.org/markup-compatibility/2006" xmlns:a14="http://schemas.microsoft.com/office/drawing/2010/main">
+        <mc:Choice Requires="a14">
           <p:sp>
             <p:nvSpPr>
               <p:cNvPr id="7" name="TextBox 6">
@@ -23161,7 +23161,7 @@
             </p:txBody>
           </p:sp>
         </mc:Choice>
-        <mc:Fallback>
+        <mc:Fallback xmlns="">
           <p:sp>
             <p:nvSpPr>
               <p:cNvPr id="7" name="TextBox 6">
@@ -23268,8 +23268,8 @@
           </a:p>
         </p:txBody>
       </p:sp>
-      <mc:AlternateContent xmlns:mc="http://schemas.openxmlformats.org/markup-compatibility/2006">
-        <mc:Choice xmlns:a14="http://schemas.microsoft.com/office/drawing/2010/main" Requires="a14">
+      <mc:AlternateContent xmlns:mc="http://schemas.openxmlformats.org/markup-compatibility/2006" xmlns:a14="http://schemas.microsoft.com/office/drawing/2010/main">
+        <mc:Choice Requires="a14">
           <p:sp>
             <p:nvSpPr>
               <p:cNvPr id="3" name="Content Placeholder 2">
@@ -23355,7 +23355,7 @@
             </p:txBody>
           </p:sp>
         </mc:Choice>
-        <mc:Fallback>
+        <mc:Fallback xmlns="">
           <p:sp>
             <p:nvSpPr>
               <p:cNvPr id="3" name="Content Placeholder 2">
@@ -23443,7 +23443,7 @@
                       <a:srgbClr val="FF0000"/>
                     </a:solidFill>
                   </a:rPr>
-                  <a:t>(Line 1)</a:t>
+                  <a:t>(Line 2)</a:t>
                 </a:r>
               </a:p>
               <a:p>
@@ -23496,7 +23496,7 @@
                       <a:srgbClr val="FF0000"/>
                     </a:solidFill>
                   </a:rPr>
-                  <a:t>(Line 2)</a:t>
+                  <a:t>(Line 3)</a:t>
                 </a:r>
               </a:p>
               <a:p>
@@ -23562,7 +23562,7 @@
                       <a:srgbClr val="FF0000"/>
                     </a:solidFill>
                   </a:rPr>
-                  <a:t>(Line 3) </a:t>
+                  <a:t>(Line 4) </a:t>
                 </a:r>
               </a:p>
               <a:p>
@@ -23652,8 +23652,8 @@
           </a:prstGeom>
         </p:spPr>
       </p:pic>
-      <mc:AlternateContent xmlns:mc="http://schemas.openxmlformats.org/markup-compatibility/2006">
-        <mc:Choice xmlns:a14="http://schemas.microsoft.com/office/drawing/2010/main" Requires="a14">
+      <mc:AlternateContent xmlns:mc="http://schemas.openxmlformats.org/markup-compatibility/2006" xmlns:a14="http://schemas.microsoft.com/office/drawing/2010/main">
+        <mc:Choice Requires="a14">
           <p:sp>
             <p:nvSpPr>
               <p:cNvPr id="7" name="TextBox 6">
@@ -23884,7 +23884,7 @@
             </p:txBody>
           </p:sp>
         </mc:Choice>
-        <mc:Fallback>
+        <mc:Fallback xmlns="">
           <p:sp>
             <p:nvSpPr>
               <p:cNvPr id="7" name="TextBox 6">
@@ -24710,8 +24710,8 @@
           </a:p>
         </p:txBody>
       </p:sp>
-      <mc:AlternateContent xmlns:mc="http://schemas.openxmlformats.org/markup-compatibility/2006">
-        <mc:Choice xmlns:a14="http://schemas.microsoft.com/office/drawing/2010/main" Requires="a14">
+      <mc:AlternateContent xmlns:mc="http://schemas.openxmlformats.org/markup-compatibility/2006" xmlns:a14="http://schemas.microsoft.com/office/drawing/2010/main">
+        <mc:Choice Requires="a14">
           <p:sp>
             <p:nvSpPr>
               <p:cNvPr id="3" name="Content Placeholder 2">
@@ -25248,7 +25248,7 @@
             </p:txBody>
           </p:sp>
         </mc:Choice>
-        <mc:Fallback>
+        <mc:Fallback xmlns="">
           <p:sp>
             <p:nvSpPr>
               <p:cNvPr id="3" name="Content Placeholder 2">

--- a/Lectures/Lecture 3.pptx
+++ b/Lectures/Lecture 3.pptx
@@ -20756,8 +20756,8 @@
           </a:p>
         </p:txBody>
       </p:sp>
-      <mc:AlternateContent xmlns:mc="http://schemas.openxmlformats.org/markup-compatibility/2006" xmlns:a14="http://schemas.microsoft.com/office/drawing/2010/main">
-        <mc:Choice Requires="a14">
+      <mc:AlternateContent xmlns:mc="http://schemas.openxmlformats.org/markup-compatibility/2006">
+        <mc:Choice xmlns:a14="http://schemas.microsoft.com/office/drawing/2010/main" Requires="a14">
           <p:sp>
             <p:nvSpPr>
               <p:cNvPr id="3" name="Content Placeholder 2">
@@ -20903,7 +20903,7 @@
                       <a:schemeClr val="accent1"/>
                     </a:solidFill>
                   </a:rPr>
-                  <a:t>A priority queues comes into </a:t>
+                  <a:t>Priority queues come into </a:t>
                 </a:r>
                 <a:r>
                   <a:rPr lang="en-US" b="1" i="1" dirty="0">
@@ -20988,7 +20988,7 @@
             </p:txBody>
           </p:sp>
         </mc:Choice>
-        <mc:Fallback xmlns="">
+        <mc:Fallback>
           <p:sp>
             <p:nvSpPr>
               <p:cNvPr id="3" name="Content Placeholder 2">

--- a/Lectures/Lecture 3.pptx
+++ b/Lectures/Lecture 3.pptx
@@ -4043,7 +4043,7 @@
                   <a:srgbClr val="C00000"/>
                 </a:solidFill>
               </a:rPr>
-              <a:t>***Assume array indexing starts at 0.</a:t>
+              <a:t>***Assume array indexing starts at 1.</a:t>
             </a:r>
           </a:p>
         </p:txBody>
@@ -24710,8 +24710,8 @@
           </a:p>
         </p:txBody>
       </p:sp>
-      <mc:AlternateContent xmlns:mc="http://schemas.openxmlformats.org/markup-compatibility/2006" xmlns:a14="http://schemas.microsoft.com/office/drawing/2010/main">
-        <mc:Choice Requires="a14">
+      <mc:AlternateContent xmlns:mc="http://schemas.openxmlformats.org/markup-compatibility/2006">
+        <mc:Choice xmlns:a14="http://schemas.microsoft.com/office/drawing/2010/main" Requires="a14">
           <p:sp>
             <p:nvSpPr>
               <p:cNvPr id="3" name="Content Placeholder 2">
@@ -25130,125 +25130,10 @@
                   <a:t>, which means the queue is empty.</a:t>
                 </a:r>
               </a:p>
-              <a:p>
-                <a:pPr marL="457200" lvl="1" indent="0">
-                  <a:buNone/>
-                </a:pPr>
-                <a:endParaRPr lang="en-US" dirty="0">
-                  <a:solidFill>
-                    <a:schemeClr val="accent1"/>
-                  </a:solidFill>
-                </a:endParaRPr>
-              </a:p>
-              <a:p>
-                <a:pPr marL="457200" lvl="1" indent="0">
-                  <a:buNone/>
-                </a:pPr>
-                <a:r>
-                  <a:rPr lang="en-US" dirty="0">
-                    <a:solidFill>
-                      <a:schemeClr val="accent1"/>
-                    </a:solidFill>
-                  </a:rPr>
-                  <a:t>When </a:t>
-                </a:r>
-                <a14:m>
-                  <m:oMath xmlns:m="http://schemas.openxmlformats.org/officeDocument/2006/math">
-                    <m:r>
-                      <a:rPr lang="en-US" b="0" i="1" smtClean="0">
-                        <a:solidFill>
-                          <a:schemeClr val="tx1"/>
-                        </a:solidFill>
-                        <a:latin typeface="Cambria Math" panose="02040503050406030204" pitchFamily="18" charset="0"/>
-                      </a:rPr>
-                      <m:t>𝑄</m:t>
-                    </m:r>
-                    <m:r>
-                      <a:rPr lang="en-US" b="0" i="1" smtClean="0">
-                        <a:solidFill>
-                          <a:schemeClr val="tx1"/>
-                        </a:solidFill>
-                        <a:latin typeface="Cambria Math" panose="02040503050406030204" pitchFamily="18" charset="0"/>
-                      </a:rPr>
-                      <m:t>.</m:t>
-                    </m:r>
-                    <m:r>
-                      <a:rPr lang="en-US" b="0" i="1" smtClean="0">
-                        <a:solidFill>
-                          <a:schemeClr val="tx1"/>
-                        </a:solidFill>
-                        <a:latin typeface="Cambria Math" panose="02040503050406030204" pitchFamily="18" charset="0"/>
-                      </a:rPr>
-                      <m:t>h𝑒𝑎𝑑</m:t>
-                    </m:r>
-                    <m:r>
-                      <a:rPr lang="en-US" b="0" i="1" smtClean="0">
-                        <a:solidFill>
-                          <a:schemeClr val="tx1"/>
-                        </a:solidFill>
-                        <a:latin typeface="Cambria Math" panose="02040503050406030204" pitchFamily="18" charset="0"/>
-                      </a:rPr>
-                      <m:t>=</m:t>
-                    </m:r>
-                    <m:r>
-                      <a:rPr lang="en-US" b="0" i="1" smtClean="0">
-                        <a:solidFill>
-                          <a:schemeClr val="tx1"/>
-                        </a:solidFill>
-                        <a:latin typeface="Cambria Math" panose="02040503050406030204" pitchFamily="18" charset="0"/>
-                      </a:rPr>
-                      <m:t>𝑄</m:t>
-                    </m:r>
-                    <m:r>
-                      <a:rPr lang="en-US" b="0" i="1" smtClean="0">
-                        <a:solidFill>
-                          <a:schemeClr val="tx1"/>
-                        </a:solidFill>
-                        <a:latin typeface="Cambria Math" panose="02040503050406030204" pitchFamily="18" charset="0"/>
-                      </a:rPr>
-                      <m:t>.</m:t>
-                    </m:r>
-                    <m:r>
-                      <a:rPr lang="en-US" b="0" i="1" smtClean="0">
-                        <a:solidFill>
-                          <a:schemeClr val="tx1"/>
-                        </a:solidFill>
-                        <a:latin typeface="Cambria Math" panose="02040503050406030204" pitchFamily="18" charset="0"/>
-                      </a:rPr>
-                      <m:t>𝑡𝑎𝑖𝑙</m:t>
-                    </m:r>
-                    <m:r>
-                      <a:rPr lang="en-US" b="0" i="1" smtClean="0">
-                        <a:solidFill>
-                          <a:schemeClr val="tx1"/>
-                        </a:solidFill>
-                        <a:latin typeface="Cambria Math" panose="02040503050406030204" pitchFamily="18" charset="0"/>
-                      </a:rPr>
-                      <m:t>+1</m:t>
-                    </m:r>
-                  </m:oMath>
-                </a14:m>
-                <a:r>
-                  <a:rPr lang="en-US" dirty="0">
-                    <a:solidFill>
-                      <a:schemeClr val="accent1"/>
-                    </a:solidFill>
-                  </a:rPr>
-                  <a:t>, the queue is full.</a:t>
-                </a:r>
-              </a:p>
-              <a:p>
-                <a:pPr lvl="1"/>
-                <a:endParaRPr lang="en-US" dirty="0">
-                  <a:solidFill>
-                    <a:schemeClr val="tx1"/>
-                  </a:solidFill>
-                </a:endParaRPr>
-              </a:p>
             </p:txBody>
           </p:sp>
         </mc:Choice>
-        <mc:Fallback xmlns="">
+        <mc:Fallback>
           <p:sp>
             <p:nvSpPr>
               <p:cNvPr id="3" name="Content Placeholder 2">
@@ -25269,7 +25154,7 @@
               <a:blipFill>
                 <a:blip r:embed="rId2"/>
                 <a:stretch>
-                  <a:fillRect l="-1217" t="-2241" b="-1821"/>
+                  <a:fillRect l="-1217" t="-2241"/>
                 </a:stretch>
               </a:blipFill>
             </p:spPr>

--- a/Lectures/Lecture 3.pptx
+++ b/Lectures/Lecture 3.pptx
@@ -7221,41 +7221,6 @@
           </a:p>
         </p:txBody>
       </p:sp>
-      <p:pic>
-        <p:nvPicPr>
-          <p:cNvPr id="9" name="Content Placeholder 8">
-            <a:extLst>
-              <a:ext uri="{FF2B5EF4-FFF2-40B4-BE49-F238E27FC236}">
-                <a16:creationId xmlns:a16="http://schemas.microsoft.com/office/drawing/2014/main" id="{0E11C7B4-CC0C-4368-9F56-DB51842086E4}"/>
-              </a:ext>
-            </a:extLst>
-          </p:cNvPr>
-          <p:cNvPicPr>
-            <a:picLocks noGrp="1" noChangeAspect="1"/>
-          </p:cNvPicPr>
-          <p:nvPr>
-            <p:ph idx="1"/>
-          </p:nvPr>
-        </p:nvPicPr>
-        <p:blipFill>
-          <a:blip r:embed="rId2">
-            <a:extLst>
-              <a:ext uri="{28A0092B-C50C-407E-A947-70E740481C1C}">
-                <a14:useLocalDpi xmlns:a14="http://schemas.microsoft.com/office/drawing/2010/main" val="0"/>
-              </a:ext>
-            </a:extLst>
-          </a:blip>
-          <a:stretch>
-            <a:fillRect/>
-          </a:stretch>
-        </p:blipFill>
-        <p:spPr>
-          <a:xfrm>
-            <a:off x="5504890" y="1690688"/>
-            <a:ext cx="5848910" cy="3824287"/>
-          </a:xfrm>
-        </p:spPr>
-      </p:pic>
       <mc:AlternateContent xmlns:mc="http://schemas.openxmlformats.org/markup-compatibility/2006" xmlns:a14="http://schemas.microsoft.com/office/drawing/2010/main">
         <mc:Choice Requires="a14">
           <p:sp>
@@ -7561,6 +7526,41 @@
           </p:sp>
         </mc:Fallback>
       </mc:AlternateContent>
+      <p:pic>
+        <p:nvPicPr>
+          <p:cNvPr id="6" name="Content Placeholder 5">
+            <a:extLst>
+              <a:ext uri="{FF2B5EF4-FFF2-40B4-BE49-F238E27FC236}">
+                <a16:creationId xmlns:a16="http://schemas.microsoft.com/office/drawing/2014/main" id="{5C4D8FC7-6FD1-460D-BF94-B6B7C6BCFD54}"/>
+              </a:ext>
+            </a:extLst>
+          </p:cNvPr>
+          <p:cNvPicPr>
+            <a:picLocks noGrp="1" noChangeAspect="1"/>
+          </p:cNvPicPr>
+          <p:nvPr>
+            <p:ph idx="1"/>
+          </p:nvPr>
+        </p:nvPicPr>
+        <p:blipFill>
+          <a:blip r:embed="rId4">
+            <a:extLst>
+              <a:ext uri="{28A0092B-C50C-407E-A947-70E740481C1C}">
+                <a14:useLocalDpi xmlns:a14="http://schemas.microsoft.com/office/drawing/2010/main" val="0"/>
+              </a:ext>
+            </a:extLst>
+          </a:blip>
+          <a:stretch>
+            <a:fillRect/>
+          </a:stretch>
+        </p:blipFill>
+        <p:spPr>
+          <a:xfrm>
+            <a:off x="5626100" y="1934369"/>
+            <a:ext cx="5270054" cy="3178056"/>
+          </a:xfrm>
+        </p:spPr>
+      </p:pic>
     </p:spTree>
     <p:extLst>
       <p:ext uri="{BB962C8B-B14F-4D97-AF65-F5344CB8AC3E}">
@@ -7636,8 +7636,8 @@
           </a:p>
         </p:txBody>
       </p:sp>
-      <mc:AlternateContent xmlns:mc="http://schemas.openxmlformats.org/markup-compatibility/2006" xmlns:a14="http://schemas.microsoft.com/office/drawing/2010/main">
-        <mc:Choice Requires="a14">
+      <mc:AlternateContent xmlns:mc="http://schemas.openxmlformats.org/markup-compatibility/2006">
+        <mc:Choice xmlns:a14="http://schemas.microsoft.com/office/drawing/2010/main" Requires="a14">
           <p:sp>
             <p:nvSpPr>
               <p:cNvPr id="10" name="TextBox 9">
@@ -7885,7 +7885,7 @@
                       <a:schemeClr val="accent1"/>
                     </a:solidFill>
                   </a:rPr>
-                  <a:t> shown on the right.</a:t>
+                  <a:t>.</a:t>
                 </a:r>
                 <a:endParaRPr lang="en-US" i="1" dirty="0">
                   <a:solidFill>
@@ -7896,7 +7896,7 @@
             </p:txBody>
           </p:sp>
         </mc:Choice>
-        <mc:Fallback xmlns="">
+        <mc:Fallback>
           <p:sp>
             <p:nvSpPr>
               <p:cNvPr id="10" name="TextBox 9">
@@ -8364,8 +8364,8 @@
           </a:p>
         </p:txBody>
       </p:sp>
-      <mc:AlternateContent xmlns:mc="http://schemas.openxmlformats.org/markup-compatibility/2006" xmlns:a14="http://schemas.microsoft.com/office/drawing/2010/main">
-        <mc:Choice Requires="a14">
+      <mc:AlternateContent xmlns:mc="http://schemas.openxmlformats.org/markup-compatibility/2006">
+        <mc:Choice xmlns:a14="http://schemas.microsoft.com/office/drawing/2010/main" Requires="a14">
           <p:sp>
             <p:nvSpPr>
               <p:cNvPr id="3" name="Content Placeholder 2">
@@ -8462,16 +8462,24 @@
                       <a:schemeClr val="accent1"/>
                     </a:solidFill>
                   </a:rPr>
-                  <a:t>of Max-</a:t>
-                </a:r>
-                <a:r>
-                  <a:rPr lang="en-US" dirty="0" err="1">
-                    <a:solidFill>
-                      <a:schemeClr val="accent1"/>
-                    </a:solidFill>
-                  </a:rPr>
-                  <a:t>Heapify</a:t>
-                </a:r>
+                  <a:t>of </a:t>
+                </a:r>
+                <a14:m>
+                  <m:oMath xmlns:m="http://schemas.openxmlformats.org/officeDocument/2006/math">
+                    <m:r>
+                      <a:rPr lang="en-US" i="1" dirty="0" smtClean="0">
+                        <a:latin typeface="Cambria Math" panose="02040503050406030204" pitchFamily="18" charset="0"/>
+                      </a:rPr>
+                      <m:t>𝑀𝑎𝑥</m:t>
+                    </m:r>
+                    <m:r>
+                      <a:rPr lang="en-US" i="1" dirty="0" err="1">
+                        <a:latin typeface="Cambria Math" panose="02040503050406030204" pitchFamily="18" charset="0"/>
+                      </a:rPr>
+                      <m:t>𝐻𝑒𝑎𝑝𝑖𝑓𝑦</m:t>
+                    </m:r>
+                  </m:oMath>
+                </a14:m>
                 <a:r>
                   <a:rPr lang="en-US" dirty="0">
                     <a:solidFill>
@@ -8777,7 +8785,7 @@
             </p:txBody>
           </p:sp>
         </mc:Choice>
-        <mc:Fallback xmlns="">
+        <mc:Fallback>
           <p:sp>
             <p:nvSpPr>
               <p:cNvPr id="3" name="Content Placeholder 2">
@@ -8911,8 +8919,8 @@
           </a:p>
         </p:txBody>
       </p:sp>
-      <mc:AlternateContent xmlns:mc="http://schemas.openxmlformats.org/markup-compatibility/2006" xmlns:a14="http://schemas.microsoft.com/office/drawing/2010/main">
-        <mc:Choice Requires="a14">
+      <mc:AlternateContent xmlns:mc="http://schemas.openxmlformats.org/markup-compatibility/2006">
+        <mc:Choice xmlns:a14="http://schemas.microsoft.com/office/drawing/2010/main" Requires="a14">
           <p:sp>
             <p:nvSpPr>
               <p:cNvPr id="12" name="Content Placeholder 11">
@@ -8948,16 +8956,24 @@
                       <a:schemeClr val="accent1"/>
                     </a:solidFill>
                   </a:rPr>
-                  <a:t>We can use Max-</a:t>
-                </a:r>
-                <a:r>
-                  <a:rPr lang="en-US" dirty="0" err="1">
-                    <a:solidFill>
-                      <a:schemeClr val="accent1"/>
-                    </a:solidFill>
-                  </a:rPr>
-                  <a:t>Heapify</a:t>
-                </a:r>
+                  <a:t>We can use </a:t>
+                </a:r>
+                <a14:m>
+                  <m:oMath xmlns:m="http://schemas.openxmlformats.org/officeDocument/2006/math">
+                    <m:r>
+                      <a:rPr lang="en-US" i="1" dirty="0" smtClean="0">
+                        <a:latin typeface="Cambria Math" panose="02040503050406030204" pitchFamily="18" charset="0"/>
+                      </a:rPr>
+                      <m:t>𝑀𝑎𝑥</m:t>
+                    </m:r>
+                    <m:r>
+                      <a:rPr lang="en-US" i="1" dirty="0" err="1">
+                        <a:latin typeface="Cambria Math" panose="02040503050406030204" pitchFamily="18" charset="0"/>
+                      </a:rPr>
+                      <m:t>𝐻𝑒𝑎𝑝𝑖𝑓𝑦</m:t>
+                    </m:r>
+                  </m:oMath>
+                </a14:m>
                 <a:r>
                   <a:rPr lang="en-US" dirty="0">
                     <a:solidFill>
@@ -9099,7 +9115,7 @@
             </p:txBody>
           </p:sp>
         </mc:Choice>
-        <mc:Fallback xmlns="">
+        <mc:Fallback>
           <p:sp>
             <p:nvSpPr>
               <p:cNvPr id="12" name="Content Placeholder 11">
@@ -9406,8 +9422,8 @@
           </a:p>
         </p:txBody>
       </p:sp>
-      <mc:AlternateContent xmlns:mc="http://schemas.openxmlformats.org/markup-compatibility/2006" xmlns:a14="http://schemas.microsoft.com/office/drawing/2010/main">
-        <mc:Choice Requires="a14">
+      <mc:AlternateContent xmlns:mc="http://schemas.openxmlformats.org/markup-compatibility/2006">
+        <mc:Choice xmlns:a14="http://schemas.microsoft.com/office/drawing/2010/main" Requires="a14">
           <p:sp>
             <p:nvSpPr>
               <p:cNvPr id="12" name="Content Placeholder 11">
@@ -9445,16 +9461,24 @@
                       <a:schemeClr val="accent1"/>
                     </a:solidFill>
                   </a:rPr>
-                  <a:t>We can use Max-</a:t>
-                </a:r>
-                <a:r>
-                  <a:rPr lang="en-US" dirty="0" err="1">
-                    <a:solidFill>
-                      <a:schemeClr val="accent1"/>
-                    </a:solidFill>
-                  </a:rPr>
-                  <a:t>Heapify</a:t>
-                </a:r>
+                  <a:t>We can use </a:t>
+                </a:r>
+                <a14:m>
+                  <m:oMath xmlns:m="http://schemas.openxmlformats.org/officeDocument/2006/math">
+                    <m:r>
+                      <a:rPr lang="en-US" i="1" dirty="0">
+                        <a:latin typeface="Cambria Math" panose="02040503050406030204" pitchFamily="18" charset="0"/>
+                      </a:rPr>
+                      <m:t>𝑀𝑎𝑥</m:t>
+                    </m:r>
+                    <m:r>
+                      <a:rPr lang="en-US" i="1" dirty="0" err="1">
+                        <a:latin typeface="Cambria Math" panose="02040503050406030204" pitchFamily="18" charset="0"/>
+                      </a:rPr>
+                      <m:t>𝐻𝑒𝑎𝑝𝑖𝑓𝑦</m:t>
+                    </m:r>
+                  </m:oMath>
+                </a14:m>
                 <a:r>
                   <a:rPr lang="en-US" dirty="0">
                     <a:solidFill>
@@ -9746,7 +9770,7 @@
             </p:txBody>
           </p:sp>
         </mc:Choice>
-        <mc:Fallback xmlns="">
+        <mc:Fallback>
           <p:sp>
             <p:nvSpPr>
               <p:cNvPr id="12" name="Content Placeholder 11">
@@ -11641,8 +11665,8 @@
           </a:p>
         </p:txBody>
       </p:sp>
-      <mc:AlternateContent xmlns:mc="http://schemas.openxmlformats.org/markup-compatibility/2006" xmlns:a14="http://schemas.microsoft.com/office/drawing/2010/main">
-        <mc:Choice Requires="a14">
+      <mc:AlternateContent xmlns:mc="http://schemas.openxmlformats.org/markup-compatibility/2006">
+        <mc:Choice xmlns:a14="http://schemas.microsoft.com/office/drawing/2010/main" Requires="a14">
           <p:sp>
             <p:nvSpPr>
               <p:cNvPr id="3" name="Content Placeholder 2">
@@ -11672,16 +11696,24 @@
                       <a:schemeClr val="accent1"/>
                     </a:solidFill>
                   </a:rPr>
-                  <a:t>Each call to Max-</a:t>
-                </a:r>
-                <a:r>
-                  <a:rPr lang="en-US" dirty="0" err="1">
-                    <a:solidFill>
-                      <a:schemeClr val="accent1"/>
-                    </a:solidFill>
-                  </a:rPr>
-                  <a:t>Heapify</a:t>
-                </a:r>
+                  <a:t>Each call to </a:t>
+                </a:r>
+                <a14:m>
+                  <m:oMath xmlns:m="http://schemas.openxmlformats.org/officeDocument/2006/math">
+                    <m:r>
+                      <a:rPr lang="en-US" i="1" dirty="0">
+                        <a:latin typeface="Cambria Math" panose="02040503050406030204" pitchFamily="18" charset="0"/>
+                      </a:rPr>
+                      <m:t>𝑀𝑎𝑥</m:t>
+                    </m:r>
+                    <m:r>
+                      <a:rPr lang="en-US" i="1" dirty="0" err="1">
+                        <a:latin typeface="Cambria Math" panose="02040503050406030204" pitchFamily="18" charset="0"/>
+                      </a:rPr>
+                      <m:t>𝐻𝑒𝑎𝑝𝑖𝑓𝑦</m:t>
+                    </m:r>
+                  </m:oMath>
+                </a14:m>
                 <a:r>
                   <a:rPr lang="en-US" dirty="0">
                     <a:solidFill>
@@ -11768,21 +11800,35 @@
                 </a:r>
               </a:p>
               <a:p>
-                <a:r>
-                  <a:rPr lang="en-US" dirty="0" err="1">
-                    <a:solidFill>
-                      <a:schemeClr val="accent1"/>
-                    </a:solidFill>
-                  </a:rPr>
-                  <a:t>Buld</a:t>
-                </a:r>
-                <a:r>
-                  <a:rPr lang="en-US" dirty="0">
-                    <a:solidFill>
-                      <a:schemeClr val="accent1"/>
-                    </a:solidFill>
-                  </a:rPr>
-                  <a:t>-Max-Heap makes </a:t>
+                <a14:m>
+                  <m:oMath xmlns:m="http://schemas.openxmlformats.org/officeDocument/2006/math">
+                    <m:r>
+                      <a:rPr lang="en-US" i="1" dirty="0" smtClean="0">
+                        <a:solidFill>
+                          <a:schemeClr val="tx1"/>
+                        </a:solidFill>
+                        <a:latin typeface="Cambria Math" panose="02040503050406030204" pitchFamily="18" charset="0"/>
+                      </a:rPr>
+                      <m:t>𝐵𝑢𝑙𝑑</m:t>
+                    </m:r>
+                    <m:r>
+                      <a:rPr lang="en-US" i="1" dirty="0">
+                        <a:solidFill>
+                          <a:schemeClr val="tx1"/>
+                        </a:solidFill>
+                        <a:latin typeface="Cambria Math" panose="02040503050406030204" pitchFamily="18" charset="0"/>
+                      </a:rPr>
+                      <m:t>𝑀𝑎𝑥𝐻𝑒𝑎𝑝</m:t>
+                    </m:r>
+                  </m:oMath>
+                </a14:m>
+                <a:r>
+                  <a:rPr lang="en-US" dirty="0">
+                    <a:solidFill>
+                      <a:schemeClr val="accent1"/>
+                    </a:solidFill>
+                  </a:rPr>
+                  <a:t> makes </a:t>
                 </a:r>
                 <a14:m>
                   <m:oMath xmlns:m="http://schemas.openxmlformats.org/officeDocument/2006/math">
@@ -12225,7 +12271,7 @@
             </p:txBody>
           </p:sp>
         </mc:Choice>
-        <mc:Fallback xmlns="">
+        <mc:Fallback>
           <p:sp>
             <p:nvSpPr>
               <p:cNvPr id="3" name="Content Placeholder 2">
@@ -12327,8 +12373,8 @@
           </a:p>
         </p:txBody>
       </p:sp>
-      <mc:AlternateContent xmlns:mc="http://schemas.openxmlformats.org/markup-compatibility/2006" xmlns:a14="http://schemas.microsoft.com/office/drawing/2010/main">
-        <mc:Choice Requires="a14">
+      <mc:AlternateContent xmlns:mc="http://schemas.openxmlformats.org/markup-compatibility/2006">
+        <mc:Choice xmlns:a14="http://schemas.microsoft.com/office/drawing/2010/main" Requires="a14">
           <p:sp>
             <p:nvSpPr>
               <p:cNvPr id="3" name="Content Placeholder 2">
@@ -12657,7 +12703,7 @@
                       <a:schemeClr val="accent1"/>
                     </a:solidFill>
                   </a:rPr>
-                  <a:t>There are leaves </a:t>
+                  <a:t>There are </a:t>
                 </a:r>
                 <a14:m>
                   <m:oMath xmlns:m="http://schemas.openxmlformats.org/officeDocument/2006/math">
@@ -12721,7 +12767,7 @@
                       <a:schemeClr val="accent1"/>
                     </a:solidFill>
                   </a:rPr>
-                  <a:t> </a:t>
+                  <a:t> leaves</a:t>
                 </a:r>
                 <a:r>
                   <a:rPr lang="en-US" dirty="0">
@@ -12958,7 +13004,7 @@
             </p:txBody>
           </p:sp>
         </mc:Choice>
-        <mc:Fallback xmlns="">
+        <mc:Fallback>
           <p:sp>
             <p:nvSpPr>
               <p:cNvPr id="3" name="Content Placeholder 2">
@@ -15961,8 +16007,8 @@
           </a:p>
         </p:txBody>
       </p:sp>
-      <mc:AlternateContent xmlns:mc="http://schemas.openxmlformats.org/markup-compatibility/2006" xmlns:a14="http://schemas.microsoft.com/office/drawing/2010/main">
-        <mc:Choice Requires="a14">
+      <mc:AlternateContent xmlns:mc="http://schemas.openxmlformats.org/markup-compatibility/2006">
+        <mc:Choice xmlns:a14="http://schemas.microsoft.com/office/drawing/2010/main" Requires="a14">
           <p:sp>
             <p:nvSpPr>
               <p:cNvPr id="3" name="Content Placeholder 2">
@@ -16154,16 +16200,24 @@
                       <a:schemeClr val="accent1"/>
                     </a:solidFill>
                   </a:rPr>
-                  <a:t>Each Max-</a:t>
-                </a:r>
-                <a:r>
-                  <a:rPr lang="en-US" dirty="0" err="1">
-                    <a:solidFill>
-                      <a:schemeClr val="accent1"/>
-                    </a:solidFill>
-                  </a:rPr>
-                  <a:t>Heapify</a:t>
-                </a:r>
+                  <a:t>Each </a:t>
+                </a:r>
+                <a14:m>
+                  <m:oMath xmlns:m="http://schemas.openxmlformats.org/officeDocument/2006/math">
+                    <m:r>
+                      <a:rPr lang="en-US" i="1" dirty="0">
+                        <a:latin typeface="Cambria Math" panose="02040503050406030204" pitchFamily="18" charset="0"/>
+                      </a:rPr>
+                      <m:t>𝑀𝑎𝑥</m:t>
+                    </m:r>
+                    <m:r>
+                      <a:rPr lang="en-US" i="1" dirty="0" err="1">
+                        <a:latin typeface="Cambria Math" panose="02040503050406030204" pitchFamily="18" charset="0"/>
+                      </a:rPr>
+                      <m:t>𝐻𝑒𝑎𝑝𝑖𝑓𝑦</m:t>
+                    </m:r>
+                  </m:oMath>
+                </a14:m>
                 <a:r>
                   <a:rPr lang="en-US" dirty="0">
                     <a:solidFill>
@@ -16398,7 +16452,28 @@
                       <a:schemeClr val="accent1"/>
                     </a:solidFill>
                   </a:rPr>
-                  <a:t>The time complexity of Max-Build-Heap is bound from above by</a:t>
+                  <a:t>The time complexity of </a:t>
+                </a:r>
+                <a14:m>
+                  <m:oMath xmlns:m="http://schemas.openxmlformats.org/officeDocument/2006/math">
+                    <m:r>
+                      <a:rPr lang="en-US" i="1" dirty="0" smtClean="0">
+                        <a:solidFill>
+                          <a:schemeClr val="tx1"/>
+                        </a:solidFill>
+                        <a:latin typeface="Cambria Math" panose="02040503050406030204" pitchFamily="18" charset="0"/>
+                      </a:rPr>
+                      <m:t>𝑀𝑎𝑥𝐵𝑢𝑖𝑙𝑑𝐻𝑒𝑎𝑝</m:t>
+                    </m:r>
+                  </m:oMath>
+                </a14:m>
+                <a:r>
+                  <a:rPr lang="en-US" dirty="0">
+                    <a:solidFill>
+                      <a:schemeClr val="accent1"/>
+                    </a:solidFill>
+                  </a:rPr>
+                  <a:t> is bound from above by</a:t>
                 </a:r>
               </a:p>
               <a:p>
@@ -17117,7 +17192,7 @@
             </p:txBody>
           </p:sp>
         </mc:Choice>
-        <mc:Fallback xmlns="">
+        <mc:Fallback>
           <p:sp>
             <p:nvSpPr>
               <p:cNvPr id="3" name="Content Placeholder 2">
@@ -18676,7 +18751,23 @@
                       <a:schemeClr val="accent1"/>
                     </a:solidFill>
                   </a:rPr>
-                  <a:t>We fix up the potentially violation at the root </a:t>
+                  <a:t>We fix up </a:t>
+                </a:r>
+                <a:r>
+                  <a:rPr lang="en-US" sz="2000">
+                    <a:solidFill>
+                      <a:schemeClr val="accent1"/>
+                    </a:solidFill>
+                  </a:rPr>
+                  <a:t>the potential violation </a:t>
+                </a:r>
+                <a:r>
+                  <a:rPr lang="en-US" sz="2000" dirty="0">
+                    <a:solidFill>
+                      <a:schemeClr val="accent1"/>
+                    </a:solidFill>
+                  </a:rPr>
+                  <a:t>at the root </a:t>
                 </a:r>
                 <a14:m>
                   <m:oMath xmlns:m="http://schemas.openxmlformats.org/officeDocument/2006/math">
@@ -18934,8 +19025,8 @@
           </a:p>
         </p:txBody>
       </p:sp>
-      <mc:AlternateContent xmlns:mc="http://schemas.openxmlformats.org/markup-compatibility/2006" xmlns:a14="http://schemas.microsoft.com/office/drawing/2010/main">
-        <mc:Choice Requires="a14">
+      <mc:AlternateContent xmlns:mc="http://schemas.openxmlformats.org/markup-compatibility/2006">
+        <mc:Choice xmlns:a14="http://schemas.microsoft.com/office/drawing/2010/main" Requires="a14">
           <p:sp>
             <p:nvSpPr>
               <p:cNvPr id="7" name="Content Placeholder 6">
@@ -18983,13 +19074,23 @@
                 <a:pPr marL="0" indent="0">
                   <a:buNone/>
                 </a:pPr>
+                <a14:m>
+                  <m:oMath xmlns:m="http://schemas.openxmlformats.org/officeDocument/2006/math">
+                    <m:r>
+                      <a:rPr lang="en-US" sz="2000" i="1" dirty="0" smtClean="0">
+                        <a:latin typeface="Cambria Math" panose="02040503050406030204" pitchFamily="18" charset="0"/>
+                      </a:rPr>
+                      <m:t>𝐵𝑢𝑖𝑙𝑑𝑀𝑎𝑥𝐻𝑒𝑎𝑝</m:t>
+                    </m:r>
+                  </m:oMath>
+                </a14:m>
                 <a:r>
                   <a:rPr lang="en-US" sz="2000" dirty="0">
                     <a:solidFill>
                       <a:schemeClr val="accent1"/>
                     </a:solidFill>
                   </a:rPr>
-                  <a:t>Build-Max-Heap costs </a:t>
+                  <a:t> costs </a:t>
                 </a:r>
                 <a14:m>
                   <m:oMath xmlns:m="http://schemas.openxmlformats.org/officeDocument/2006/math">
@@ -19111,16 +19212,24 @@
                       <a:schemeClr val="accent1"/>
                     </a:solidFill>
                   </a:rPr>
-                  <a:t>Each call to Max-</a:t>
-                </a:r>
-                <a:r>
-                  <a:rPr lang="en-US" sz="2000" dirty="0" err="1">
-                    <a:solidFill>
-                      <a:schemeClr val="accent1"/>
-                    </a:solidFill>
-                  </a:rPr>
-                  <a:t>Heapify</a:t>
-                </a:r>
+                  <a:t>Each call to </a:t>
+                </a:r>
+                <a14:m>
+                  <m:oMath xmlns:m="http://schemas.openxmlformats.org/officeDocument/2006/math">
+                    <m:r>
+                      <a:rPr lang="en-US" sz="2000" i="1" dirty="0">
+                        <a:latin typeface="Cambria Math" panose="02040503050406030204" pitchFamily="18" charset="0"/>
+                      </a:rPr>
+                      <m:t>𝑀𝑎𝑥</m:t>
+                    </m:r>
+                    <m:r>
+                      <a:rPr lang="en-US" sz="2000" i="1" dirty="0" err="1">
+                        <a:latin typeface="Cambria Math" panose="02040503050406030204" pitchFamily="18" charset="0"/>
+                      </a:rPr>
+                      <m:t>𝐻𝑒𝑎𝑝𝑖𝑓𝑦</m:t>
+                    </m:r>
+                  </m:oMath>
+                </a14:m>
                 <a:r>
                   <a:rPr lang="en-US" sz="2000" dirty="0">
                     <a:solidFill>
@@ -19290,16 +19399,24 @@
                       <a:schemeClr val="accent1"/>
                     </a:solidFill>
                   </a:rPr>
-                  <a:t>The total cost of Max-</a:t>
-                </a:r>
-                <a:r>
-                  <a:rPr lang="en-US" sz="2000" dirty="0" err="1">
-                    <a:solidFill>
-                      <a:schemeClr val="accent1"/>
-                    </a:solidFill>
-                  </a:rPr>
-                  <a:t>Heapify</a:t>
-                </a:r>
+                  <a:t>The total cost of </a:t>
+                </a:r>
+                <a14:m>
+                  <m:oMath xmlns:m="http://schemas.openxmlformats.org/officeDocument/2006/math">
+                    <m:r>
+                      <a:rPr lang="en-US" sz="2000" i="1" dirty="0">
+                        <a:latin typeface="Cambria Math" panose="02040503050406030204" pitchFamily="18" charset="0"/>
+                      </a:rPr>
+                      <m:t>𝑀𝑎𝑥</m:t>
+                    </m:r>
+                    <m:r>
+                      <a:rPr lang="en-US" sz="2000" i="1" dirty="0" err="1">
+                        <a:latin typeface="Cambria Math" panose="02040503050406030204" pitchFamily="18" charset="0"/>
+                      </a:rPr>
+                      <m:t>𝐻𝑒𝑎𝑝𝑖𝑓𝑦</m:t>
+                    </m:r>
+                  </m:oMath>
+                </a14:m>
                 <a:r>
                   <a:rPr lang="en-US" sz="2000" dirty="0">
                     <a:solidFill>
@@ -19825,7 +19942,7 @@
             </p:txBody>
           </p:sp>
         </mc:Choice>
-        <mc:Fallback xmlns="">
+        <mc:Fallback>
           <p:sp>
             <p:nvSpPr>
               <p:cNvPr id="7" name="Content Placeholder 6">
@@ -20756,8 +20873,8 @@
           </a:p>
         </p:txBody>
       </p:sp>
-      <mc:AlternateContent xmlns:mc="http://schemas.openxmlformats.org/markup-compatibility/2006">
-        <mc:Choice xmlns:a14="http://schemas.microsoft.com/office/drawing/2010/main" Requires="a14">
+      <mc:AlternateContent xmlns:mc="http://schemas.openxmlformats.org/markup-compatibility/2006" xmlns:a14="http://schemas.microsoft.com/office/drawing/2010/main">
+        <mc:Choice Requires="a14">
           <p:sp>
             <p:nvSpPr>
               <p:cNvPr id="3" name="Content Placeholder 2">
@@ -20988,7 +21105,7 @@
             </p:txBody>
           </p:sp>
         </mc:Choice>
-        <mc:Fallback>
+        <mc:Fallback xmlns="">
           <p:sp>
             <p:nvSpPr>
               <p:cNvPr id="3" name="Content Placeholder 2">
@@ -22747,44 +22864,8 @@
           </p:sp>
         </mc:Fallback>
       </mc:AlternateContent>
-      <p:pic>
-        <p:nvPicPr>
-          <p:cNvPr id="5" name="Picture 4">
-            <a:extLst>
-              <a:ext uri="{FF2B5EF4-FFF2-40B4-BE49-F238E27FC236}">
-                <a16:creationId xmlns:a16="http://schemas.microsoft.com/office/drawing/2014/main" id="{DE1A0B3C-EDBE-4D97-AC4C-39D59B5B54C5}"/>
-              </a:ext>
-            </a:extLst>
-          </p:cNvPr>
-          <p:cNvPicPr>
-            <a:picLocks noChangeAspect="1"/>
-          </p:cNvPicPr>
-          <p:nvPr/>
-        </p:nvPicPr>
-        <p:blipFill>
-          <a:blip r:embed="rId3">
-            <a:extLst>
-              <a:ext uri="{28A0092B-C50C-407E-A947-70E740481C1C}">
-                <a14:useLocalDpi xmlns:a14="http://schemas.microsoft.com/office/drawing/2010/main" val="0"/>
-              </a:ext>
-            </a:extLst>
-          </a:blip>
-          <a:stretch>
-            <a:fillRect/>
-          </a:stretch>
-        </p:blipFill>
-        <p:spPr>
-          <a:xfrm>
-            <a:off x="6096000" y="3429000"/>
-            <a:ext cx="4943341" cy="2144464"/>
-          </a:xfrm>
-          <a:prstGeom prst="rect">
-            <a:avLst/>
-          </a:prstGeom>
-        </p:spPr>
-      </p:pic>
-      <mc:AlternateContent xmlns:mc="http://schemas.openxmlformats.org/markup-compatibility/2006" xmlns:a14="http://schemas.microsoft.com/office/drawing/2010/main">
-        <mc:Choice Requires="a14">
+      <mc:AlternateContent xmlns:mc="http://schemas.openxmlformats.org/markup-compatibility/2006">
+        <mc:Choice xmlns:a14="http://schemas.microsoft.com/office/drawing/2010/main" Requires="a14">
           <p:sp>
             <p:nvSpPr>
               <p:cNvPr id="6" name="TextBox 5">
@@ -22921,7 +23002,7 @@
                       <a:srgbClr val="FF0000"/>
                     </a:solidFill>
                   </a:rPr>
-                  <a:t>***At this point the max heap property might have been violated.</a:t>
+                  <a:t>***At this point, the max heap property might have been violated.</a:t>
                 </a:r>
               </a:p>
               <a:p>
@@ -23012,7 +23093,7 @@
             </p:txBody>
           </p:sp>
         </mc:Choice>
-        <mc:Fallback xmlns="">
+        <mc:Fallback>
           <p:sp>
             <p:nvSpPr>
               <p:cNvPr id="6" name="TextBox 5">
@@ -23036,7 +23117,7 @@
                 <a:avLst/>
               </a:prstGeom>
               <a:blipFill>
-                <a:blip r:embed="rId4"/>
+                <a:blip r:embed="rId3"/>
                 <a:stretch>
                   <a:fillRect l="-1094" t="-891" r="-1944"/>
                 </a:stretch>
@@ -23206,6 +23287,42 @@
           </p:sp>
         </mc:Fallback>
       </mc:AlternateContent>
+      <p:pic>
+        <p:nvPicPr>
+          <p:cNvPr id="8" name="Picture 7">
+            <a:extLst>
+              <a:ext uri="{FF2B5EF4-FFF2-40B4-BE49-F238E27FC236}">
+                <a16:creationId xmlns:a16="http://schemas.microsoft.com/office/drawing/2014/main" id="{F483CC9F-6405-4019-B8A3-323BA33C16DB}"/>
+              </a:ext>
+            </a:extLst>
+          </p:cNvPr>
+          <p:cNvPicPr>
+            <a:picLocks noChangeAspect="1"/>
+          </p:cNvPicPr>
+          <p:nvPr/>
+        </p:nvPicPr>
+        <p:blipFill>
+          <a:blip r:embed="rId6">
+            <a:extLst>
+              <a:ext uri="{28A0092B-C50C-407E-A947-70E740481C1C}">
+                <a14:useLocalDpi xmlns:a14="http://schemas.microsoft.com/office/drawing/2010/main" val="0"/>
+              </a:ext>
+            </a:extLst>
+          </a:blip>
+          <a:stretch>
+            <a:fillRect/>
+          </a:stretch>
+        </p:blipFill>
+        <p:spPr>
+          <a:xfrm>
+            <a:off x="6224587" y="3429000"/>
+            <a:ext cx="4693071" cy="1870104"/>
+          </a:xfrm>
+          <a:prstGeom prst="rect">
+            <a:avLst/>
+          </a:prstGeom>
+        </p:spPr>
+      </p:pic>
     </p:spTree>
     <p:extLst>
       <p:ext uri="{BB962C8B-B14F-4D97-AF65-F5344CB8AC3E}">
@@ -23395,8 +23512,8 @@
           </p:sp>
         </mc:Fallback>
       </mc:AlternateContent>
-      <mc:AlternateContent xmlns:mc="http://schemas.openxmlformats.org/markup-compatibility/2006">
-        <mc:Choice xmlns:a14="http://schemas.microsoft.com/office/drawing/2010/main" Requires="a14">
+      <mc:AlternateContent xmlns:mc="http://schemas.openxmlformats.org/markup-compatibility/2006" xmlns:a14="http://schemas.microsoft.com/office/drawing/2010/main">
+        <mc:Choice Requires="a14">
           <p:sp>
             <p:nvSpPr>
               <p:cNvPr id="4" name="TextBox 3">
@@ -23571,7 +23688,7 @@
             </p:txBody>
           </p:sp>
         </mc:Choice>
-        <mc:Fallback>
+        <mc:Fallback xmlns="">
           <p:sp>
             <p:nvSpPr>
               <p:cNvPr id="4" name="TextBox 3">
@@ -23616,42 +23733,6 @@
           </p:sp>
         </mc:Fallback>
       </mc:AlternateContent>
-      <p:pic>
-        <p:nvPicPr>
-          <p:cNvPr id="6" name="Picture 5">
-            <a:extLst>
-              <a:ext uri="{FF2B5EF4-FFF2-40B4-BE49-F238E27FC236}">
-                <a16:creationId xmlns:a16="http://schemas.microsoft.com/office/drawing/2014/main" id="{DEEA2D67-CD24-4539-81C3-A50FBC70CD43}"/>
-              </a:ext>
-            </a:extLst>
-          </p:cNvPr>
-          <p:cNvPicPr>
-            <a:picLocks noChangeAspect="1"/>
-          </p:cNvPicPr>
-          <p:nvPr/>
-        </p:nvPicPr>
-        <p:blipFill>
-          <a:blip r:embed="rId4">
-            <a:extLst>
-              <a:ext uri="{28A0092B-C50C-407E-A947-70E740481C1C}">
-                <a14:useLocalDpi xmlns:a14="http://schemas.microsoft.com/office/drawing/2010/main" val="0"/>
-              </a:ext>
-            </a:extLst>
-          </a:blip>
-          <a:stretch>
-            <a:fillRect/>
-          </a:stretch>
-        </p:blipFill>
-        <p:spPr>
-          <a:xfrm>
-            <a:off x="6444090" y="3054349"/>
-            <a:ext cx="5371245" cy="1470025"/>
-          </a:xfrm>
-          <a:prstGeom prst="rect">
-            <a:avLst/>
-          </a:prstGeom>
-        </p:spPr>
-      </p:pic>
       <mc:AlternateContent xmlns:mc="http://schemas.openxmlformats.org/markup-compatibility/2006" xmlns:a14="http://schemas.microsoft.com/office/drawing/2010/main">
         <mc:Choice Requires="a14">
           <p:sp>
@@ -23929,6 +24010,42 @@
           </p:sp>
         </mc:Fallback>
       </mc:AlternateContent>
+      <p:pic>
+        <p:nvPicPr>
+          <p:cNvPr id="8" name="Picture 7">
+            <a:extLst>
+              <a:ext uri="{FF2B5EF4-FFF2-40B4-BE49-F238E27FC236}">
+                <a16:creationId xmlns:a16="http://schemas.microsoft.com/office/drawing/2014/main" id="{9BDA0EC3-2823-457C-BACE-3322FCFB582F}"/>
+              </a:ext>
+            </a:extLst>
+          </p:cNvPr>
+          <p:cNvPicPr>
+            <a:picLocks noChangeAspect="1"/>
+          </p:cNvPicPr>
+          <p:nvPr/>
+        </p:nvPicPr>
+        <p:blipFill>
+          <a:blip r:embed="rId6">
+            <a:extLst>
+              <a:ext uri="{28A0092B-C50C-407E-A947-70E740481C1C}">
+                <a14:useLocalDpi xmlns:a14="http://schemas.microsoft.com/office/drawing/2010/main" val="0"/>
+              </a:ext>
+            </a:extLst>
+          </a:blip>
+          <a:stretch>
+            <a:fillRect/>
+          </a:stretch>
+        </p:blipFill>
+        <p:spPr>
+          <a:xfrm>
+            <a:off x="6743699" y="3063874"/>
+            <a:ext cx="5071379" cy="1393825"/>
+          </a:xfrm>
+          <a:prstGeom prst="rect">
+            <a:avLst/>
+          </a:prstGeom>
+        </p:spPr>
+      </p:pic>
     </p:spTree>
     <p:extLst>
       <p:ext uri="{BB962C8B-B14F-4D97-AF65-F5344CB8AC3E}">
@@ -24710,8 +24827,8 @@
           </a:p>
         </p:txBody>
       </p:sp>
-      <mc:AlternateContent xmlns:mc="http://schemas.openxmlformats.org/markup-compatibility/2006">
-        <mc:Choice xmlns:a14="http://schemas.microsoft.com/office/drawing/2010/main" Requires="a14">
+      <mc:AlternateContent xmlns:mc="http://schemas.openxmlformats.org/markup-compatibility/2006" xmlns:a14="http://schemas.microsoft.com/office/drawing/2010/main">
+        <mc:Choice Requires="a14">
           <p:sp>
             <p:nvSpPr>
               <p:cNvPr id="3" name="Content Placeholder 2">
@@ -25133,7 +25250,7 @@
             </p:txBody>
           </p:sp>
         </mc:Choice>
-        <mc:Fallback>
+        <mc:Fallback xmlns="">
           <p:sp>
             <p:nvSpPr>
               <p:cNvPr id="3" name="Content Placeholder 2">

--- a/Lectures/Lecture 3.pptx
+++ b/Lectures/Lecture 3.pptx
@@ -7636,8 +7636,8 @@
           </a:p>
         </p:txBody>
       </p:sp>
-      <mc:AlternateContent xmlns:mc="http://schemas.openxmlformats.org/markup-compatibility/2006">
-        <mc:Choice xmlns:a14="http://schemas.microsoft.com/office/drawing/2010/main" Requires="a14">
+      <mc:AlternateContent xmlns:mc="http://schemas.openxmlformats.org/markup-compatibility/2006" xmlns:a14="http://schemas.microsoft.com/office/drawing/2010/main">
+        <mc:Choice Requires="a14">
           <p:sp>
             <p:nvSpPr>
               <p:cNvPr id="10" name="TextBox 9">
@@ -7896,7 +7896,7 @@
             </p:txBody>
           </p:sp>
         </mc:Choice>
-        <mc:Fallback>
+        <mc:Fallback xmlns="">
           <p:sp>
             <p:nvSpPr>
               <p:cNvPr id="10" name="TextBox 9">
@@ -8364,8 +8364,8 @@
           </a:p>
         </p:txBody>
       </p:sp>
-      <mc:AlternateContent xmlns:mc="http://schemas.openxmlformats.org/markup-compatibility/2006">
-        <mc:Choice xmlns:a14="http://schemas.microsoft.com/office/drawing/2010/main" Requires="a14">
+      <mc:AlternateContent xmlns:mc="http://schemas.openxmlformats.org/markup-compatibility/2006" xmlns:a14="http://schemas.microsoft.com/office/drawing/2010/main">
+        <mc:Choice Requires="a14">
           <p:sp>
             <p:nvSpPr>
               <p:cNvPr id="3" name="Content Placeholder 2">
@@ -8785,7 +8785,7 @@
             </p:txBody>
           </p:sp>
         </mc:Choice>
-        <mc:Fallback>
+        <mc:Fallback xmlns="">
           <p:sp>
             <p:nvSpPr>
               <p:cNvPr id="3" name="Content Placeholder 2">
@@ -8919,8 +8919,8 @@
           </a:p>
         </p:txBody>
       </p:sp>
-      <mc:AlternateContent xmlns:mc="http://schemas.openxmlformats.org/markup-compatibility/2006">
-        <mc:Choice xmlns:a14="http://schemas.microsoft.com/office/drawing/2010/main" Requires="a14">
+      <mc:AlternateContent xmlns:mc="http://schemas.openxmlformats.org/markup-compatibility/2006" xmlns:a14="http://schemas.microsoft.com/office/drawing/2010/main">
+        <mc:Choice Requires="a14">
           <p:sp>
             <p:nvSpPr>
               <p:cNvPr id="12" name="Content Placeholder 11">
@@ -9115,7 +9115,7 @@
             </p:txBody>
           </p:sp>
         </mc:Choice>
-        <mc:Fallback>
+        <mc:Fallback xmlns="">
           <p:sp>
             <p:nvSpPr>
               <p:cNvPr id="12" name="Content Placeholder 11">
@@ -9422,8 +9422,8 @@
           </a:p>
         </p:txBody>
       </p:sp>
-      <mc:AlternateContent xmlns:mc="http://schemas.openxmlformats.org/markup-compatibility/2006">
-        <mc:Choice xmlns:a14="http://schemas.microsoft.com/office/drawing/2010/main" Requires="a14">
+      <mc:AlternateContent xmlns:mc="http://schemas.openxmlformats.org/markup-compatibility/2006" xmlns:a14="http://schemas.microsoft.com/office/drawing/2010/main">
+        <mc:Choice Requires="a14">
           <p:sp>
             <p:nvSpPr>
               <p:cNvPr id="12" name="Content Placeholder 11">
@@ -9770,7 +9770,7 @@
             </p:txBody>
           </p:sp>
         </mc:Choice>
-        <mc:Fallback>
+        <mc:Fallback xmlns="">
           <p:sp>
             <p:nvSpPr>
               <p:cNvPr id="12" name="Content Placeholder 11">
@@ -11665,8 +11665,8 @@
           </a:p>
         </p:txBody>
       </p:sp>
-      <mc:AlternateContent xmlns:mc="http://schemas.openxmlformats.org/markup-compatibility/2006">
-        <mc:Choice xmlns:a14="http://schemas.microsoft.com/office/drawing/2010/main" Requires="a14">
+      <mc:AlternateContent xmlns:mc="http://schemas.openxmlformats.org/markup-compatibility/2006" xmlns:a14="http://schemas.microsoft.com/office/drawing/2010/main">
+        <mc:Choice Requires="a14">
           <p:sp>
             <p:nvSpPr>
               <p:cNvPr id="3" name="Content Placeholder 2">
@@ -12271,7 +12271,7 @@
             </p:txBody>
           </p:sp>
         </mc:Choice>
-        <mc:Fallback>
+        <mc:Fallback xmlns="">
           <p:sp>
             <p:nvSpPr>
               <p:cNvPr id="3" name="Content Placeholder 2">
@@ -12373,8 +12373,8 @@
           </a:p>
         </p:txBody>
       </p:sp>
-      <mc:AlternateContent xmlns:mc="http://schemas.openxmlformats.org/markup-compatibility/2006">
-        <mc:Choice xmlns:a14="http://schemas.microsoft.com/office/drawing/2010/main" Requires="a14">
+      <mc:AlternateContent xmlns:mc="http://schemas.openxmlformats.org/markup-compatibility/2006" xmlns:a14="http://schemas.microsoft.com/office/drawing/2010/main">
+        <mc:Choice Requires="a14">
           <p:sp>
             <p:nvSpPr>
               <p:cNvPr id="3" name="Content Placeholder 2">
@@ -13004,7 +13004,7 @@
             </p:txBody>
           </p:sp>
         </mc:Choice>
-        <mc:Fallback>
+        <mc:Fallback xmlns="">
           <p:sp>
             <p:nvSpPr>
               <p:cNvPr id="3" name="Content Placeholder 2">
@@ -16921,10 +16921,10 @@
                               </m:fPr>
                               <m:num>
                                 <m:r>
-                                  <a:rPr lang="en-US" i="1">
+                                  <a:rPr lang="en-US" b="0" i="1" smtClean="0">
                                     <a:latin typeface="Cambria Math" panose="02040503050406030204" pitchFamily="18" charset="0"/>
                                   </a:rPr>
-                                  <m:t>𝑛</m:t>
+                                  <m:t>h</m:t>
                                 </m:r>
                               </m:num>
                               <m:den>
@@ -17130,7 +17130,7 @@
                                 </a:solidFill>
                                 <a:latin typeface="Cambria Math" panose="02040503050406030204" pitchFamily="18" charset="0"/>
                               </a:rPr>
-                              <m:t>𝑛</m:t>
+                              <m:t>h</m:t>
                             </m:r>
                           </m:num>
                           <m:den>
@@ -17294,8 +17294,8 @@
           </a:p>
         </p:txBody>
       </p:sp>
-      <mc:AlternateContent xmlns:mc="http://schemas.openxmlformats.org/markup-compatibility/2006" xmlns:a14="http://schemas.microsoft.com/office/drawing/2010/main">
-        <mc:Choice Requires="a14">
+      <mc:AlternateContent xmlns:mc="http://schemas.openxmlformats.org/markup-compatibility/2006">
+        <mc:Choice xmlns:a14="http://schemas.microsoft.com/office/drawing/2010/main" Requires="a14">
           <p:sp>
             <p:nvSpPr>
               <p:cNvPr id="3" name="Content Placeholder 2">
@@ -17863,6 +17863,23 @@
                     </m:d>
                   </m:oMath>
                 </a14:m>
+                <a:r>
+                  <a:rPr lang="en-US" dirty="0">
+                    <a:ea typeface="Cambria Math" panose="02040503050406030204" pitchFamily="18" charset="0"/>
+                  </a:rPr>
+                  <a:t> </a:t>
+                </a:r>
+                <a14:m>
+                  <m:oMath xmlns:m="http://schemas.openxmlformats.org/officeDocument/2006/math">
+                    <m:r>
+                      <a:rPr lang="en-US" i="1" dirty="0">
+                        <a:latin typeface="Cambria Math" panose="02040503050406030204" pitchFamily="18" charset="0"/>
+                        <a:ea typeface="Cambria Math" panose="02040503050406030204" pitchFamily="18" charset="0"/>
+                      </a:rPr>
+                      <m:t>∎</m:t>
+                    </m:r>
+                  </m:oMath>
+                </a14:m>
                 <a:endParaRPr lang="en-US" dirty="0">
                   <a:solidFill>
                     <a:schemeClr val="accent1"/>
@@ -17957,7 +17974,7 @@
             </p:txBody>
           </p:sp>
         </mc:Choice>
-        <mc:Fallback xmlns="">
+        <mc:Fallback>
           <p:sp>
             <p:nvSpPr>
               <p:cNvPr id="3" name="Content Placeholder 2">
@@ -18510,8 +18527,8 @@
           </a:p>
         </p:txBody>
       </p:sp>
-      <mc:AlternateContent xmlns:mc="http://schemas.openxmlformats.org/markup-compatibility/2006" xmlns:a14="http://schemas.microsoft.com/office/drawing/2010/main">
-        <mc:Choice Requires="a14">
+      <mc:AlternateContent xmlns:mc="http://schemas.openxmlformats.org/markup-compatibility/2006">
+        <mc:Choice xmlns:a14="http://schemas.microsoft.com/office/drawing/2010/main" Requires="a14">
           <p:sp>
             <p:nvSpPr>
               <p:cNvPr id="7" name="Content Placeholder 6">
@@ -18691,7 +18708,7 @@
                       <a:rPr lang="en-US" sz="2000" b="0" i="1" smtClean="0">
                         <a:latin typeface="Cambria Math" panose="02040503050406030204" pitchFamily="18" charset="0"/>
                       </a:rPr>
-                      <m:t>𝑛</m:t>
+                      <m:t>𝑖</m:t>
                     </m:r>
                     <m:r>
                       <a:rPr lang="en-US" sz="2000" i="1">
@@ -18707,7 +18724,25 @@
                       <a:schemeClr val="accent1"/>
                     </a:solidFill>
                   </a:rPr>
-                  <a:t> </a:t>
+                  <a:t> , where </a:t>
+                </a:r>
+                <a14:m>
+                  <m:oMath xmlns:m="http://schemas.openxmlformats.org/officeDocument/2006/math">
+                    <m:r>
+                      <a:rPr lang="en-US" sz="2000" i="1">
+                        <a:latin typeface="Cambria Math" panose="02040503050406030204" pitchFamily="18" charset="0"/>
+                      </a:rPr>
+                      <m:t>𝑖</m:t>
+                    </m:r>
+                  </m:oMath>
+                </a14:m>
+                <a:r>
+                  <a:rPr lang="en-US" sz="2000" dirty="0">
+                    <a:solidFill>
+                      <a:schemeClr val="accent1"/>
+                    </a:solidFill>
+                  </a:rPr>
+                  <a:t> points to the last element of the heap in the current iteration </a:t>
                 </a:r>
                 <a:r>
                   <a:rPr lang="en-US" sz="2000" dirty="0">
@@ -18751,23 +18786,7 @@
                       <a:schemeClr val="accent1"/>
                     </a:solidFill>
                   </a:rPr>
-                  <a:t>We fix up </a:t>
-                </a:r>
-                <a:r>
-                  <a:rPr lang="en-US" sz="2000">
-                    <a:solidFill>
-                      <a:schemeClr val="accent1"/>
-                    </a:solidFill>
-                  </a:rPr>
-                  <a:t>the potential violation </a:t>
-                </a:r>
-                <a:r>
-                  <a:rPr lang="en-US" sz="2000" dirty="0">
-                    <a:solidFill>
-                      <a:schemeClr val="accent1"/>
-                    </a:solidFill>
-                  </a:rPr>
-                  <a:t>at the root </a:t>
+                  <a:t>We fix up the potential violation at the root </a:t>
                 </a:r>
                 <a14:m>
                   <m:oMath xmlns:m="http://schemas.openxmlformats.org/officeDocument/2006/math">
@@ -18791,16 +18810,30 @@
                       <a:schemeClr val="accent1"/>
                     </a:solidFill>
                   </a:rPr>
-                  <a:t> with Max-</a:t>
-                </a:r>
-                <a:r>
-                  <a:rPr lang="en-US" sz="2000" dirty="0" err="1">
-                    <a:solidFill>
-                      <a:schemeClr val="accent1"/>
-                    </a:solidFill>
-                  </a:rPr>
-                  <a:t>Heapify</a:t>
-                </a:r>
+                  <a:t> with </a:t>
+                </a:r>
+                <a14:m>
+                  <m:oMath xmlns:m="http://schemas.openxmlformats.org/officeDocument/2006/math">
+                    <m:r>
+                      <a:rPr lang="en-US" sz="2000" i="1" dirty="0" smtClean="0">
+                        <a:solidFill>
+                          <a:schemeClr val="tx1"/>
+                        </a:solidFill>
+                        <a:latin typeface="Cambria Math" panose="02040503050406030204" pitchFamily="18" charset="0"/>
+                      </a:rPr>
+                      <m:t>𝑀𝑎𝑥</m:t>
+                    </m:r>
+                    <m:r>
+                      <a:rPr lang="en-US" sz="2000" i="1" dirty="0" err="1">
+                        <a:solidFill>
+                          <a:schemeClr val="tx1"/>
+                        </a:solidFill>
+                        <a:latin typeface="Cambria Math" panose="02040503050406030204" pitchFamily="18" charset="0"/>
+                      </a:rPr>
+                      <m:t>𝐻𝑒𝑎𝑝𝑖𝑓𝑦</m:t>
+                    </m:r>
+                  </m:oMath>
+                </a14:m>
                 <a:r>
                   <a:rPr lang="en-US" sz="2000" dirty="0">
                     <a:solidFill>
@@ -18887,7 +18920,7 @@
             </p:txBody>
           </p:sp>
         </mc:Choice>
-        <mc:Fallback xmlns="">
+        <mc:Fallback>
           <p:sp>
             <p:nvSpPr>
               <p:cNvPr id="7" name="Content Placeholder 6">
@@ -18908,7 +18941,7 @@
               <a:blipFill>
                 <a:blip r:embed="rId2"/>
                 <a:stretch>
-                  <a:fillRect l="-522" t="-1401"/>
+                  <a:fillRect l="-522" t="-1401" r="-464"/>
                 </a:stretch>
               </a:blipFill>
             </p:spPr>
@@ -18955,8 +18988,8 @@
         </p:blipFill>
         <p:spPr>
           <a:xfrm>
-            <a:off x="3127375" y="4362450"/>
-            <a:ext cx="5541676" cy="2228850"/>
+            <a:off x="2822575" y="4533900"/>
+            <a:ext cx="5187950" cy="2086582"/>
           </a:xfrm>
           <a:prstGeom prst="rect">
             <a:avLst/>
@@ -19025,8 +19058,8 @@
           </a:p>
         </p:txBody>
       </p:sp>
-      <mc:AlternateContent xmlns:mc="http://schemas.openxmlformats.org/markup-compatibility/2006">
-        <mc:Choice xmlns:a14="http://schemas.microsoft.com/office/drawing/2010/main" Requires="a14">
+      <mc:AlternateContent xmlns:mc="http://schemas.openxmlformats.org/markup-compatibility/2006" xmlns:a14="http://schemas.microsoft.com/office/drawing/2010/main">
+        <mc:Choice Requires="a14">
           <p:sp>
             <p:nvSpPr>
               <p:cNvPr id="7" name="Content Placeholder 6">
@@ -19942,7 +19975,7 @@
             </p:txBody>
           </p:sp>
         </mc:Choice>
-        <mc:Fallback>
+        <mc:Fallback xmlns="">
           <p:sp>
             <p:nvSpPr>
               <p:cNvPr id="7" name="Content Placeholder 6">
@@ -22864,8 +22897,8 @@
           </p:sp>
         </mc:Fallback>
       </mc:AlternateContent>
-      <mc:AlternateContent xmlns:mc="http://schemas.openxmlformats.org/markup-compatibility/2006">
-        <mc:Choice xmlns:a14="http://schemas.microsoft.com/office/drawing/2010/main" Requires="a14">
+      <mc:AlternateContent xmlns:mc="http://schemas.openxmlformats.org/markup-compatibility/2006" xmlns:a14="http://schemas.microsoft.com/office/drawing/2010/main">
+        <mc:Choice Requires="a14">
           <p:sp>
             <p:nvSpPr>
               <p:cNvPr id="6" name="TextBox 5">
@@ -23093,7 +23126,7 @@
             </p:txBody>
           </p:sp>
         </mc:Choice>
-        <mc:Fallback>
+        <mc:Fallback xmlns="">
           <p:sp>
             <p:nvSpPr>
               <p:cNvPr id="6" name="TextBox 5">
@@ -23733,8 +23766,8 @@
           </p:sp>
         </mc:Fallback>
       </mc:AlternateContent>
-      <mc:AlternateContent xmlns:mc="http://schemas.openxmlformats.org/markup-compatibility/2006" xmlns:a14="http://schemas.microsoft.com/office/drawing/2010/main">
-        <mc:Choice Requires="a14">
+      <mc:AlternateContent xmlns:mc="http://schemas.openxmlformats.org/markup-compatibility/2006">
+        <mc:Choice xmlns:a14="http://schemas.microsoft.com/office/drawing/2010/main" Requires="a14">
           <p:sp>
             <p:nvSpPr>
               <p:cNvPr id="7" name="TextBox 6">
@@ -23897,7 +23930,7 @@
                       <a:schemeClr val="accent1"/>
                     </a:solidFill>
                   </a:rPr>
-                  <a:t>, which runs in is </a:t>
+                  <a:t>, which runs in </a:t>
                 </a:r>
                 <a14:m>
                   <m:oMath xmlns:m="http://schemas.openxmlformats.org/officeDocument/2006/math">
@@ -23965,7 +23998,7 @@
             </p:txBody>
           </p:sp>
         </mc:Choice>
-        <mc:Fallback xmlns="">
+        <mc:Fallback>
           <p:sp>
             <p:nvSpPr>
               <p:cNvPr id="7" name="TextBox 6">
@@ -23989,7 +24022,7 @@
                 <a:avLst/>
               </a:prstGeom>
               <a:blipFill>
-                <a:blip r:embed="rId5"/>
+                <a:blip r:embed="rId4"/>
                 <a:stretch>
                   <a:fillRect l="-689" t="-4310" b="-14655"/>
                 </a:stretch>
@@ -24025,7 +24058,7 @@
           <p:nvPr/>
         </p:nvPicPr>
         <p:blipFill>
-          <a:blip r:embed="rId6">
+          <a:blip r:embed="rId5">
             <a:extLst>
               <a:ext uri="{28A0092B-C50C-407E-A947-70E740481C1C}">
                 <a14:useLocalDpi xmlns:a14="http://schemas.microsoft.com/office/drawing/2010/main" val="0"/>

--- a/Lectures/Lecture 3.pptx
+++ b/Lectures/Lecture 3.pptx
@@ -16007,8 +16007,8 @@
           </a:p>
         </p:txBody>
       </p:sp>
-      <mc:AlternateContent xmlns:mc="http://schemas.openxmlformats.org/markup-compatibility/2006">
-        <mc:Choice xmlns:a14="http://schemas.microsoft.com/office/drawing/2010/main" Requires="a14">
+      <mc:AlternateContent xmlns:mc="http://schemas.openxmlformats.org/markup-compatibility/2006" xmlns:a14="http://schemas.microsoft.com/office/drawing/2010/main">
+        <mc:Choice Requires="a14">
           <p:sp>
             <p:nvSpPr>
               <p:cNvPr id="3" name="Content Placeholder 2">
@@ -17192,7 +17192,7 @@
             </p:txBody>
           </p:sp>
         </mc:Choice>
-        <mc:Fallback>
+        <mc:Fallback xmlns="">
           <p:sp>
             <p:nvSpPr>
               <p:cNvPr id="3" name="Content Placeholder 2">
@@ -17294,8 +17294,8 @@
           </a:p>
         </p:txBody>
       </p:sp>
-      <mc:AlternateContent xmlns:mc="http://schemas.openxmlformats.org/markup-compatibility/2006">
-        <mc:Choice xmlns:a14="http://schemas.microsoft.com/office/drawing/2010/main" Requires="a14">
+      <mc:AlternateContent xmlns:mc="http://schemas.openxmlformats.org/markup-compatibility/2006" xmlns:a14="http://schemas.microsoft.com/office/drawing/2010/main">
+        <mc:Choice Requires="a14">
           <p:sp>
             <p:nvSpPr>
               <p:cNvPr id="3" name="Content Placeholder 2">
@@ -17974,7 +17974,7 @@
             </p:txBody>
           </p:sp>
         </mc:Choice>
-        <mc:Fallback>
+        <mc:Fallback xmlns="">
           <p:sp>
             <p:nvSpPr>
               <p:cNvPr id="3" name="Content Placeholder 2">
@@ -18527,8 +18527,8 @@
           </a:p>
         </p:txBody>
       </p:sp>
-      <mc:AlternateContent xmlns:mc="http://schemas.openxmlformats.org/markup-compatibility/2006">
-        <mc:Choice xmlns:a14="http://schemas.microsoft.com/office/drawing/2010/main" Requires="a14">
+      <mc:AlternateContent xmlns:mc="http://schemas.openxmlformats.org/markup-compatibility/2006" xmlns:a14="http://schemas.microsoft.com/office/drawing/2010/main">
+        <mc:Choice Requires="a14">
           <p:sp>
             <p:nvSpPr>
               <p:cNvPr id="7" name="Content Placeholder 6">
@@ -18920,7 +18920,7 @@
             </p:txBody>
           </p:sp>
         </mc:Choice>
-        <mc:Fallback>
+        <mc:Fallback xmlns="">
           <p:sp>
             <p:nvSpPr>
               <p:cNvPr id="7" name="Content Placeholder 6">
@@ -22435,151 +22435,213 @@
           </a:prstGeom>
         </p:spPr>
       </p:pic>
-      <p:sp>
-        <p:nvSpPr>
-          <p:cNvPr id="8" name="TextBox 7">
-            <a:extLst>
-              <a:ext uri="{FF2B5EF4-FFF2-40B4-BE49-F238E27FC236}">
-                <a16:creationId xmlns:a16="http://schemas.microsoft.com/office/drawing/2014/main" id="{B1F44C99-7490-4BFB-8549-E3B7FB9E12BB}"/>
-              </a:ext>
-            </a:extLst>
-          </p:cNvPr>
-          <p:cNvSpPr txBox="1"/>
-          <p:nvPr/>
-        </p:nvSpPr>
-        <p:spPr>
-          <a:xfrm>
-            <a:off x="679450" y="3265626"/>
-            <a:ext cx="5911850" cy="3477875"/>
-          </a:xfrm>
-          <a:prstGeom prst="rect">
-            <a:avLst/>
-          </a:prstGeom>
-          <a:noFill/>
-        </p:spPr>
-        <p:txBody>
-          <a:bodyPr wrap="square" rtlCol="0">
-            <a:spAutoFit/>
-          </a:bodyPr>
-          <a:lstStyle/>
-          <a:p>
-            <a:r>
-              <a:rPr lang="en-US" sz="2000" dirty="0">
-                <a:solidFill>
-                  <a:schemeClr val="accent1"/>
-                </a:solidFill>
-              </a:rPr>
-              <a:t>1) Save the value of the root element </a:t>
-            </a:r>
-            <a:r>
-              <a:rPr lang="en-US" sz="2000" b="1" i="1" dirty="0">
-                <a:solidFill>
-                  <a:srgbClr val="FF0000"/>
-                </a:solidFill>
-              </a:rPr>
-              <a:t>(Line 4)</a:t>
-            </a:r>
-          </a:p>
-          <a:p>
-            <a:r>
-              <a:rPr lang="en-US" sz="2000" dirty="0">
-                <a:solidFill>
-                  <a:schemeClr val="accent1"/>
-                </a:solidFill>
-              </a:rPr>
-              <a:t>2) Swap the element at the root with the last leaf element. </a:t>
-            </a:r>
-            <a:r>
-              <a:rPr lang="en-US" sz="2000" b="1" i="1" dirty="0">
-                <a:solidFill>
-                  <a:srgbClr val="FF0000"/>
-                </a:solidFill>
-              </a:rPr>
-              <a:t>(Line 5)</a:t>
-            </a:r>
-          </a:p>
-          <a:p>
-            <a:r>
-              <a:rPr lang="en-US" sz="2000" b="1" i="1" dirty="0">
-                <a:solidFill>
-                  <a:srgbClr val="FF0000"/>
-                </a:solidFill>
-              </a:rPr>
-              <a:t>***At this point, the max heap property might have been violated.</a:t>
-            </a:r>
-          </a:p>
-          <a:p>
-            <a:r>
-              <a:rPr lang="en-US" sz="2000" dirty="0">
-                <a:solidFill>
-                  <a:schemeClr val="accent1"/>
-                </a:solidFill>
-              </a:rPr>
-              <a:t>3) Decrease the size of the heap by one, which effectively discards the extracted max element </a:t>
-            </a:r>
-            <a:r>
-              <a:rPr lang="en-US" sz="2000" b="1" i="1" dirty="0">
-                <a:solidFill>
-                  <a:srgbClr val="FF0000"/>
-                </a:solidFill>
-              </a:rPr>
-              <a:t>(Line 6)</a:t>
-            </a:r>
-          </a:p>
-          <a:p>
-            <a:r>
-              <a:rPr lang="en-US" sz="2000" dirty="0">
-                <a:solidFill>
-                  <a:schemeClr val="accent1"/>
-                </a:solidFill>
-              </a:rPr>
-              <a:t>4) Fix up the heap by calling Max-</a:t>
-            </a:r>
-            <a:r>
-              <a:rPr lang="en-US" sz="2000" dirty="0" err="1">
-                <a:solidFill>
-                  <a:schemeClr val="accent1"/>
-                </a:solidFill>
-              </a:rPr>
-              <a:t>Heapify</a:t>
-            </a:r>
-            <a:r>
-              <a:rPr lang="en-US" sz="2000" dirty="0">
-                <a:solidFill>
-                  <a:schemeClr val="accent1"/>
-                </a:solidFill>
-              </a:rPr>
-              <a:t> on the root </a:t>
-            </a:r>
-            <a:r>
-              <a:rPr lang="en-US" sz="2000" b="1" i="1" dirty="0">
-                <a:solidFill>
-                  <a:srgbClr val="FF0000"/>
-                </a:solidFill>
-              </a:rPr>
-              <a:t>(Line 7)</a:t>
-            </a:r>
-          </a:p>
-          <a:p>
-            <a:r>
-              <a:rPr lang="en-US" sz="2000" dirty="0">
-                <a:solidFill>
-                  <a:schemeClr val="accent1"/>
-                </a:solidFill>
-              </a:rPr>
-              <a:t>5) Return the extracted element with the largest value </a:t>
-            </a:r>
-            <a:r>
-              <a:rPr lang="en-US" sz="2000" b="1" i="1" dirty="0">
-                <a:solidFill>
-                  <a:srgbClr val="FF0000"/>
-                </a:solidFill>
-              </a:rPr>
-              <a:t>(Line 8)</a:t>
-            </a:r>
-          </a:p>
-        </p:txBody>
-      </p:sp>
+      <mc:AlternateContent xmlns:mc="http://schemas.openxmlformats.org/markup-compatibility/2006">
+        <mc:Choice xmlns:a14="http://schemas.microsoft.com/office/drawing/2010/main" Requires="a14">
+          <p:sp>
+            <p:nvSpPr>
+              <p:cNvPr id="8" name="TextBox 7">
+                <a:extLst>
+                  <a:ext uri="{FF2B5EF4-FFF2-40B4-BE49-F238E27FC236}">
+                    <a16:creationId xmlns:a16="http://schemas.microsoft.com/office/drawing/2014/main" id="{B1F44C99-7490-4BFB-8549-E3B7FB9E12BB}"/>
+                  </a:ext>
+                </a:extLst>
+              </p:cNvPr>
+              <p:cNvSpPr txBox="1"/>
+              <p:nvPr/>
+            </p:nvSpPr>
+            <p:spPr>
+              <a:xfrm>
+                <a:off x="679450" y="3265626"/>
+                <a:ext cx="5911850" cy="3477875"/>
+              </a:xfrm>
+              <a:prstGeom prst="rect">
+                <a:avLst/>
+              </a:prstGeom>
+              <a:noFill/>
+            </p:spPr>
+            <p:txBody>
+              <a:bodyPr wrap="square" rtlCol="0">
+                <a:spAutoFit/>
+              </a:bodyPr>
+              <a:lstStyle/>
+              <a:p>
+                <a:r>
+                  <a:rPr lang="en-US" sz="2000" dirty="0">
+                    <a:solidFill>
+                      <a:schemeClr val="accent1"/>
+                    </a:solidFill>
+                  </a:rPr>
+                  <a:t>1) Save the value of the root element </a:t>
+                </a:r>
+                <a:r>
+                  <a:rPr lang="en-US" sz="2000" b="1" i="1" dirty="0">
+                    <a:solidFill>
+                      <a:srgbClr val="FF0000"/>
+                    </a:solidFill>
+                  </a:rPr>
+                  <a:t>(Line 4)</a:t>
+                </a:r>
+              </a:p>
+              <a:p>
+                <a:r>
+                  <a:rPr lang="en-US" sz="2000" dirty="0">
+                    <a:solidFill>
+                      <a:schemeClr val="accent1"/>
+                    </a:solidFill>
+                  </a:rPr>
+                  <a:t>2) Swap the element at the root with the last leaf element. </a:t>
+                </a:r>
+                <a:r>
+                  <a:rPr lang="en-US" sz="2000" b="1" i="1" dirty="0">
+                    <a:solidFill>
+                      <a:srgbClr val="FF0000"/>
+                    </a:solidFill>
+                  </a:rPr>
+                  <a:t>(Line 5)</a:t>
+                </a:r>
+              </a:p>
+              <a:p>
+                <a:r>
+                  <a:rPr lang="en-US" sz="2000" b="1" i="1" dirty="0">
+                    <a:solidFill>
+                      <a:srgbClr val="FF0000"/>
+                    </a:solidFill>
+                  </a:rPr>
+                  <a:t>***At this point, the max heap property might have been violated.</a:t>
+                </a:r>
+              </a:p>
+              <a:p>
+                <a:r>
+                  <a:rPr lang="en-US" sz="2000" dirty="0">
+                    <a:solidFill>
+                      <a:schemeClr val="accent1"/>
+                    </a:solidFill>
+                  </a:rPr>
+                  <a:t>3) Decrease the size of the heap by one, which effectively discards the extracted max element </a:t>
+                </a:r>
+                <a:r>
+                  <a:rPr lang="en-US" sz="2000" b="1" i="1" dirty="0">
+                    <a:solidFill>
+                      <a:srgbClr val="FF0000"/>
+                    </a:solidFill>
+                  </a:rPr>
+                  <a:t>(Line 6)</a:t>
+                </a:r>
+              </a:p>
+              <a:p>
+                <a:r>
+                  <a:rPr lang="en-US" sz="2000" dirty="0">
+                    <a:solidFill>
+                      <a:schemeClr val="accent1"/>
+                    </a:solidFill>
+                  </a:rPr>
+                  <a:t>4) Fix up the heap by calling </a:t>
+                </a:r>
+                <a14:m>
+                  <m:oMath xmlns:m="http://schemas.openxmlformats.org/officeDocument/2006/math">
+                    <m:r>
+                      <a:rPr lang="en-US" sz="2000" i="1" dirty="0" smtClean="0">
+                        <a:solidFill>
+                          <a:schemeClr val="tx1"/>
+                        </a:solidFill>
+                        <a:latin typeface="Cambria Math" panose="02040503050406030204" pitchFamily="18" charset="0"/>
+                      </a:rPr>
+                      <m:t>𝑀𝑎𝑥</m:t>
+                    </m:r>
+                    <m:r>
+                      <a:rPr lang="en-US" sz="2000" i="1" dirty="0" err="1">
+                        <a:solidFill>
+                          <a:schemeClr val="tx1"/>
+                        </a:solidFill>
+                        <a:latin typeface="Cambria Math" panose="02040503050406030204" pitchFamily="18" charset="0"/>
+                      </a:rPr>
+                      <m:t>𝐻𝑒𝑎𝑝𝑖𝑓𝑦</m:t>
+                    </m:r>
+                  </m:oMath>
+                </a14:m>
+                <a:r>
+                  <a:rPr lang="en-US" sz="2000" dirty="0">
+                    <a:solidFill>
+                      <a:schemeClr val="accent1"/>
+                    </a:solidFill>
+                  </a:rPr>
+                  <a:t> on the root </a:t>
+                </a:r>
+                <a:r>
+                  <a:rPr lang="en-US" sz="2000" b="1" i="1" dirty="0">
+                    <a:solidFill>
+                      <a:srgbClr val="FF0000"/>
+                    </a:solidFill>
+                  </a:rPr>
+                  <a:t>(Line 7)</a:t>
+                </a:r>
+              </a:p>
+              <a:p>
+                <a:r>
+                  <a:rPr lang="en-US" sz="2000" dirty="0">
+                    <a:solidFill>
+                      <a:schemeClr val="accent1"/>
+                    </a:solidFill>
+                  </a:rPr>
+                  <a:t>5) Return the extracted element with the largest value </a:t>
+                </a:r>
+                <a:r>
+                  <a:rPr lang="en-US" sz="2000" b="1" i="1" dirty="0">
+                    <a:solidFill>
+                      <a:srgbClr val="FF0000"/>
+                    </a:solidFill>
+                  </a:rPr>
+                  <a:t>(Line 8)</a:t>
+                </a:r>
+              </a:p>
+            </p:txBody>
+          </p:sp>
+        </mc:Choice>
+        <mc:Fallback>
+          <p:sp>
+            <p:nvSpPr>
+              <p:cNvPr id="8" name="TextBox 7">
+                <a:extLst>
+                  <a:ext uri="{FF2B5EF4-FFF2-40B4-BE49-F238E27FC236}">
+                    <a16:creationId xmlns:a16="http://schemas.microsoft.com/office/drawing/2014/main" id="{B1F44C99-7490-4BFB-8549-E3B7FB9E12BB}"/>
+                  </a:ext>
+                </a:extLst>
+              </p:cNvPr>
+              <p:cNvSpPr txBox="1">
+                <a:spLocks noRot="1" noChangeAspect="1" noMove="1" noResize="1" noEditPoints="1" noAdjustHandles="1" noChangeArrowheads="1" noChangeShapeType="1" noTextEdit="1"/>
+              </p:cNvSpPr>
+              <p:nvPr/>
+            </p:nvSpPr>
+            <p:spPr>
+              <a:xfrm>
+                <a:off x="679450" y="3265626"/>
+                <a:ext cx="5911850" cy="3477875"/>
+              </a:xfrm>
+              <a:prstGeom prst="rect">
+                <a:avLst/>
+              </a:prstGeom>
+              <a:blipFill>
+                <a:blip r:embed="rId4"/>
+                <a:stretch>
+                  <a:fillRect l="-1031" t="-1053" b="-2281"/>
+                </a:stretch>
+              </a:blipFill>
+            </p:spPr>
+            <p:txBody>
+              <a:bodyPr/>
+              <a:lstStyle/>
+              <a:p>
+                <a:r>
+                  <a:rPr lang="en-US">
+                    <a:noFill/>
+                  </a:rPr>
+                  <a:t> </a:t>
+                </a:r>
+              </a:p>
+            </p:txBody>
+          </p:sp>
+        </mc:Fallback>
+      </mc:AlternateContent>
     </p:spTree>
     <p:extLst>
       <p:ext uri="{BB962C8B-B14F-4D97-AF65-F5344CB8AC3E}">
@@ -23766,8 +23828,8 @@
           </p:sp>
         </mc:Fallback>
       </mc:AlternateContent>
-      <mc:AlternateContent xmlns:mc="http://schemas.openxmlformats.org/markup-compatibility/2006">
-        <mc:Choice xmlns:a14="http://schemas.microsoft.com/office/drawing/2010/main" Requires="a14">
+      <mc:AlternateContent xmlns:mc="http://schemas.openxmlformats.org/markup-compatibility/2006" xmlns:a14="http://schemas.microsoft.com/office/drawing/2010/main">
+        <mc:Choice Requires="a14">
           <p:sp>
             <p:nvSpPr>
               <p:cNvPr id="7" name="TextBox 6">
@@ -23998,7 +24060,7 @@
             </p:txBody>
           </p:sp>
         </mc:Choice>
-        <mc:Fallback>
+        <mc:Fallback xmlns="">
           <p:sp>
             <p:nvSpPr>
               <p:cNvPr id="7" name="TextBox 6">

--- a/Lectures/Lecture 3.pptx
+++ b/Lectures/Lecture 3.pptx
@@ -11216,8 +11216,8 @@
           </a:p>
         </p:txBody>
       </p:sp>
-      <mc:AlternateContent xmlns:mc="http://schemas.openxmlformats.org/markup-compatibility/2006" xmlns:a14="http://schemas.microsoft.com/office/drawing/2010/main">
-        <mc:Choice Requires="a14">
+      <mc:AlternateContent xmlns:mc="http://schemas.openxmlformats.org/markup-compatibility/2006">
+        <mc:Choice xmlns:a14="http://schemas.microsoft.com/office/drawing/2010/main" Requires="a14">
           <p:sp>
             <p:nvSpPr>
               <p:cNvPr id="3" name="Content Placeholder 2">
@@ -11435,7 +11435,7 @@
                       <a:schemeClr val="accent1"/>
                     </a:solidFill>
                   </a:rPr>
-                  <a:t>how do we confirm that the node with index </a:t>
+                  <a:t>How do we confirm that the node with index </a:t>
                 </a:r>
                 <a14:m>
                   <m:oMath xmlns:m="http://schemas.openxmlformats.org/officeDocument/2006/math">
@@ -11563,7 +11563,7 @@
             </p:txBody>
           </p:sp>
         </mc:Choice>
-        <mc:Fallback xmlns="">
+        <mc:Fallback>
           <p:sp>
             <p:nvSpPr>
               <p:cNvPr id="3" name="Content Placeholder 2">

--- a/Lectures/Lecture 3.pptx
+++ b/Lectures/Lecture 3.pptx
@@ -7221,8 +7221,8 @@
           </a:p>
         </p:txBody>
       </p:sp>
-      <mc:AlternateContent xmlns:mc="http://schemas.openxmlformats.org/markup-compatibility/2006" xmlns:a14="http://schemas.microsoft.com/office/drawing/2010/main">
-        <mc:Choice Requires="a14">
+      <mc:AlternateContent xmlns:mc="http://schemas.openxmlformats.org/markup-compatibility/2006">
+        <mc:Choice xmlns:a14="http://schemas.microsoft.com/office/drawing/2010/main" Requires="a14">
           <p:sp>
             <p:nvSpPr>
               <p:cNvPr id="10" name="TextBox 9">
@@ -7238,7 +7238,7 @@
             <p:spPr>
               <a:xfrm>
                 <a:off x="838200" y="1848505"/>
-                <a:ext cx="3981450" cy="3416320"/>
+                <a:ext cx="3981450" cy="4524315"/>
               </a:xfrm>
               <a:prstGeom prst="rect">
                 <a:avLst/>
@@ -7287,20 +7287,83 @@
               </a:p>
               <a:p>
                 <a:r>
+                  <a:rPr lang="en-US" dirty="0">
+                    <a:solidFill>
+                      <a:schemeClr val="accent1"/>
+                    </a:solidFill>
+                  </a:rPr>
+                  <a:t>Before </a:t>
+                </a:r>
+                <a14:m>
+                  <m:oMath xmlns:m="http://schemas.openxmlformats.org/officeDocument/2006/math">
+                    <m:r>
+                      <a:rPr lang="en-US" b="0" i="1" dirty="0" smtClean="0">
+                        <a:latin typeface="Cambria Math" panose="02040503050406030204" pitchFamily="18" charset="0"/>
+                      </a:rPr>
+                      <m:t>𝑀𝑎𝑥</m:t>
+                    </m:r>
+                    <m:r>
+                      <a:rPr lang="en-US" b="0" i="1" dirty="0" err="1">
+                        <a:latin typeface="Cambria Math" panose="02040503050406030204" pitchFamily="18" charset="0"/>
+                      </a:rPr>
+                      <m:t>𝐻𝑒𝑎𝑝𝑖𝑓𝑦</m:t>
+                    </m:r>
+                  </m:oMath>
+                </a14:m>
+                <a:r>
+                  <a:rPr lang="en-US" dirty="0">
+                    <a:solidFill>
+                      <a:schemeClr val="accent1"/>
+                    </a:solidFill>
+                  </a:rPr>
+                  <a:t> is called on the tree rooted at node</a:t>
+                </a:r>
+                <a:r>
+                  <a:rPr lang="en-US" dirty="0"/>
+                  <a:t> </a:t>
+                </a:r>
+                <a14:m>
+                  <m:oMath xmlns:m="http://schemas.openxmlformats.org/officeDocument/2006/math">
+                    <m:r>
+                      <a:rPr lang="en-US" i="1">
+                        <a:latin typeface="Cambria Math" panose="02040503050406030204" pitchFamily="18" charset="0"/>
+                      </a:rPr>
+                      <m:t>𝑖</m:t>
+                    </m:r>
+                  </m:oMath>
+                </a14:m>
+                <a:r>
+                  <a:rPr lang="en-US" dirty="0">
+                    <a:solidFill>
+                      <a:schemeClr val="accent1"/>
+                    </a:solidFill>
+                  </a:rPr>
+                  <a:t>, the following precondition needs to be met.</a:t>
+                </a:r>
+              </a:p>
+              <a:p>
+                <a:endParaRPr lang="en-US" dirty="0">
+                  <a:solidFill>
+                    <a:schemeClr val="accent1"/>
+                  </a:solidFill>
+                </a:endParaRPr>
+              </a:p>
+              <a:p>
+                <a:r>
                   <a:rPr lang="en-US" b="1" i="1" dirty="0">
                     <a:solidFill>
                       <a:srgbClr val="C00000"/>
                     </a:solidFill>
                   </a:rPr>
-                  <a:t>Assumption</a:t>
-                </a:r>
-                <a:r>
-                  <a:rPr lang="en-US" dirty="0">
-                    <a:solidFill>
-                      <a:schemeClr val="accent1"/>
-                    </a:solidFill>
-                  </a:rPr>
-                  <a:t>: If there will be a violation of the max heap property within this tree, it can only happen at node </a:t>
+                  <a:t>Precondition</a:t>
+                </a:r>
+                <a:r>
+                  <a:rPr lang="en-US" dirty="0">
+                    <a:solidFill>
+                      <a:schemeClr val="accent1"/>
+                    </a:solidFill>
+                  </a:rPr>
+                  <a:t>: If there will be a violation on the max heap property within this tree, it can only happen at node </a:t>
                 </a:r>
                 <a14:m>
                   <m:oMath xmlns:m="http://schemas.openxmlformats.org/officeDocument/2006/math">
@@ -7446,24 +7509,24 @@
                       <a:schemeClr val="accent1"/>
                     </a:solidFill>
                   </a:rPr>
-                  <a:t>We can fix this violation using </a:t>
-                </a:r>
-                <a:r>
-                  <a:rPr lang="en-US" b="1" i="1" dirty="0">
-                    <a:solidFill>
-                      <a:srgbClr val="C00000"/>
-                    </a:solidFill>
-                  </a:rPr>
-                  <a:t>Max-</a:t>
-                </a:r>
-                <a:r>
-                  <a:rPr lang="en-US" b="1" i="1" dirty="0" err="1">
-                    <a:solidFill>
-                      <a:srgbClr val="C00000"/>
-                    </a:solidFill>
-                  </a:rPr>
-                  <a:t>Heapify</a:t>
-                </a:r>
+                  <a:t>We can fix up this violation using </a:t>
+                </a:r>
+                <a14:m>
+                  <m:oMath xmlns:m="http://schemas.openxmlformats.org/officeDocument/2006/math">
+                    <m:r>
+                      <a:rPr lang="en-US" b="0" i="1" dirty="0">
+                        <a:latin typeface="Cambria Math" panose="02040503050406030204" pitchFamily="18" charset="0"/>
+                      </a:rPr>
+                      <m:t>𝑀𝑎𝑥</m:t>
+                    </m:r>
+                    <m:r>
+                      <a:rPr lang="en-US" b="0" i="1" dirty="0" err="1">
+                        <a:latin typeface="Cambria Math" panose="02040503050406030204" pitchFamily="18" charset="0"/>
+                      </a:rPr>
+                      <m:t>𝐻𝑒𝑎𝑝𝑖𝑓𝑦</m:t>
+                    </m:r>
+                  </m:oMath>
+                </a14:m>
                 <a:r>
                   <a:rPr lang="en-US" dirty="0">
                     <a:solidFill>
@@ -7481,7 +7544,7 @@
             </p:txBody>
           </p:sp>
         </mc:Choice>
-        <mc:Fallback xmlns="">
+        <mc:Fallback>
           <p:sp>
             <p:nvSpPr>
               <p:cNvPr id="10" name="TextBox 9">
@@ -7499,15 +7562,15 @@
             <p:spPr>
               <a:xfrm>
                 <a:off x="838200" y="1848505"/>
-                <a:ext cx="3981450" cy="3416320"/>
+                <a:ext cx="3981450" cy="4524315"/>
               </a:xfrm>
               <a:prstGeom prst="rect">
                 <a:avLst/>
               </a:prstGeom>
               <a:blipFill>
-                <a:blip r:embed="rId3"/>
+                <a:blip r:embed="rId2"/>
                 <a:stretch>
-                  <a:fillRect l="-1378" t="-891" r="-1838" b="-1783"/>
+                  <a:fillRect l="-1378" t="-674" r="-1838" b="-1213"/>
                 </a:stretch>
               </a:blipFill>
             </p:spPr>
@@ -7543,7 +7606,7 @@
           </p:nvPr>
         </p:nvPicPr>
         <p:blipFill>
-          <a:blip r:embed="rId4">
+          <a:blip r:embed="rId3">
             <a:extLst>
               <a:ext uri="{28A0092B-C50C-407E-A947-70E740481C1C}">
                 <a14:useLocalDpi xmlns:a14="http://schemas.microsoft.com/office/drawing/2010/main" val="0"/>
@@ -7636,8 +7699,8 @@
           </a:p>
         </p:txBody>
       </p:sp>
-      <mc:AlternateContent xmlns:mc="http://schemas.openxmlformats.org/markup-compatibility/2006" xmlns:a14="http://schemas.microsoft.com/office/drawing/2010/main">
-        <mc:Choice Requires="a14">
+      <mc:AlternateContent xmlns:mc="http://schemas.openxmlformats.org/markup-compatibility/2006">
+        <mc:Choice xmlns:a14="http://schemas.microsoft.com/office/drawing/2010/main" Requires="a14">
           <p:sp>
             <p:nvSpPr>
               <p:cNvPr id="10" name="TextBox 9">
@@ -7653,7 +7716,7 @@
             <p:spPr>
               <a:xfrm>
                 <a:off x="838200" y="1848505"/>
-                <a:ext cx="3981450" cy="3416320"/>
+                <a:ext cx="3981450" cy="4524315"/>
               </a:xfrm>
               <a:prstGeom prst="rect">
                 <a:avLst/>
@@ -7702,20 +7765,83 @@
               </a:p>
               <a:p>
                 <a:r>
+                  <a:rPr lang="en-US" dirty="0">
+                    <a:solidFill>
+                      <a:schemeClr val="accent1"/>
+                    </a:solidFill>
+                  </a:rPr>
+                  <a:t>Before </a:t>
+                </a:r>
+                <a14:m>
+                  <m:oMath xmlns:m="http://schemas.openxmlformats.org/officeDocument/2006/math">
+                    <m:r>
+                      <a:rPr lang="en-US" b="0" i="1" dirty="0" smtClean="0">
+                        <a:latin typeface="Cambria Math" panose="02040503050406030204" pitchFamily="18" charset="0"/>
+                      </a:rPr>
+                      <m:t>𝑀𝑎𝑥</m:t>
+                    </m:r>
+                    <m:r>
+                      <a:rPr lang="en-US" b="0" i="1" dirty="0" err="1">
+                        <a:latin typeface="Cambria Math" panose="02040503050406030204" pitchFamily="18" charset="0"/>
+                      </a:rPr>
+                      <m:t>𝐻𝑒𝑎𝑝𝑖𝑓𝑦</m:t>
+                    </m:r>
+                  </m:oMath>
+                </a14:m>
+                <a:r>
+                  <a:rPr lang="en-US" dirty="0">
+                    <a:solidFill>
+                      <a:schemeClr val="accent1"/>
+                    </a:solidFill>
+                  </a:rPr>
+                  <a:t> is called on the tree rooted at node</a:t>
+                </a:r>
+                <a:r>
+                  <a:rPr lang="en-US" dirty="0"/>
+                  <a:t> </a:t>
+                </a:r>
+                <a14:m>
+                  <m:oMath xmlns:m="http://schemas.openxmlformats.org/officeDocument/2006/math">
+                    <m:r>
+                      <a:rPr lang="en-US" i="1">
+                        <a:latin typeface="Cambria Math" panose="02040503050406030204" pitchFamily="18" charset="0"/>
+                      </a:rPr>
+                      <m:t>𝑖</m:t>
+                    </m:r>
+                  </m:oMath>
+                </a14:m>
+                <a:r>
+                  <a:rPr lang="en-US" dirty="0">
+                    <a:solidFill>
+                      <a:schemeClr val="accent1"/>
+                    </a:solidFill>
+                  </a:rPr>
+                  <a:t>, the following precondition needs to be met.</a:t>
+                </a:r>
+              </a:p>
+              <a:p>
+                <a:endParaRPr lang="en-US" dirty="0">
+                  <a:solidFill>
+                    <a:schemeClr val="accent1"/>
+                  </a:solidFill>
+                </a:endParaRPr>
+              </a:p>
+              <a:p>
+                <a:r>
                   <a:rPr lang="en-US" b="1" i="1" dirty="0">
                     <a:solidFill>
                       <a:srgbClr val="C00000"/>
                     </a:solidFill>
                   </a:rPr>
-                  <a:t>Assumption</a:t>
-                </a:r>
-                <a:r>
-                  <a:rPr lang="en-US" dirty="0">
-                    <a:solidFill>
-                      <a:schemeClr val="accent1"/>
-                    </a:solidFill>
-                  </a:rPr>
-                  <a:t>: If there will be a violation of the max heap property within this tree, it can only happen at node </a:t>
+                  <a:t>Precondition</a:t>
+                </a:r>
+                <a:r>
+                  <a:rPr lang="en-US" dirty="0">
+                    <a:solidFill>
+                      <a:schemeClr val="accent1"/>
+                    </a:solidFill>
+                  </a:rPr>
+                  <a:t>: If there will be a violation on the max heap property within this tree, it can only happen at node </a:t>
                 </a:r>
                 <a14:m>
                   <m:oMath xmlns:m="http://schemas.openxmlformats.org/officeDocument/2006/math">
@@ -7861,24 +7987,24 @@
                       <a:schemeClr val="accent1"/>
                     </a:solidFill>
                   </a:rPr>
-                  <a:t>We can fix this violation using </a:t>
-                </a:r>
-                <a:r>
-                  <a:rPr lang="en-US" b="1" i="1" dirty="0">
-                    <a:solidFill>
-                      <a:srgbClr val="C00000"/>
-                    </a:solidFill>
-                  </a:rPr>
-                  <a:t>Max-</a:t>
-                </a:r>
-                <a:r>
-                  <a:rPr lang="en-US" b="1" i="1" dirty="0" err="1">
-                    <a:solidFill>
-                      <a:srgbClr val="C00000"/>
-                    </a:solidFill>
-                  </a:rPr>
-                  <a:t>Heapify</a:t>
-                </a:r>
+                  <a:t>We can fix up this violation using </a:t>
+                </a:r>
+                <a14:m>
+                  <m:oMath xmlns:m="http://schemas.openxmlformats.org/officeDocument/2006/math">
+                    <m:r>
+                      <a:rPr lang="en-US" b="0" i="1" dirty="0" smtClean="0">
+                        <a:latin typeface="Cambria Math" panose="02040503050406030204" pitchFamily="18" charset="0"/>
+                      </a:rPr>
+                      <m:t>𝑀𝑎𝑥</m:t>
+                    </m:r>
+                    <m:r>
+                      <a:rPr lang="en-US" b="0" i="1" dirty="0" err="1">
+                        <a:latin typeface="Cambria Math" panose="02040503050406030204" pitchFamily="18" charset="0"/>
+                      </a:rPr>
+                      <m:t>𝐻𝑒𝑎𝑝𝑖𝑓𝑦</m:t>
+                    </m:r>
+                  </m:oMath>
+                </a14:m>
                 <a:r>
                   <a:rPr lang="en-US" dirty="0">
                     <a:solidFill>
@@ -7896,7 +8022,7 @@
             </p:txBody>
           </p:sp>
         </mc:Choice>
-        <mc:Fallback xmlns="">
+        <mc:Fallback>
           <p:sp>
             <p:nvSpPr>
               <p:cNvPr id="10" name="TextBox 9">
@@ -7914,7 +8040,7 @@
             <p:spPr>
               <a:xfrm>
                 <a:off x="838200" y="1848505"/>
-                <a:ext cx="3981450" cy="3416320"/>
+                <a:ext cx="3981450" cy="4524315"/>
               </a:xfrm>
               <a:prstGeom prst="rect">
                 <a:avLst/>
@@ -7922,7 +8048,7 @@
               <a:blipFill>
                 <a:blip r:embed="rId2"/>
                 <a:stretch>
-                  <a:fillRect l="-1378" t="-891" r="-1838" b="-1783"/>
+                  <a:fillRect l="-1378" t="-674" r="-1838" b="-1213"/>
                 </a:stretch>
               </a:blipFill>
             </p:spPr>

--- a/Lectures/Lecture 3.pptx
+++ b/Lectures/Lecture 3.pptx
@@ -5,7 +5,7 @@
     <p:sldMasterId id="2147483648" r:id="rId1"/>
   </p:sldMasterIdLst>
   <p:notesMasterIdLst>
-    <p:notesMasterId r:id="rId40"/>
+    <p:notesMasterId r:id="rId41"/>
   </p:notesMasterIdLst>
   <p:sldIdLst>
     <p:sldId id="256" r:id="rId2"/>
@@ -20,32 +20,33 @@
     <p:sldId id="307" r:id="rId11"/>
     <p:sldId id="311" r:id="rId12"/>
     <p:sldId id="314" r:id="rId13"/>
-    <p:sldId id="310" r:id="rId14"/>
-    <p:sldId id="312" r:id="rId15"/>
-    <p:sldId id="313" r:id="rId16"/>
-    <p:sldId id="315" r:id="rId17"/>
-    <p:sldId id="316" r:id="rId18"/>
-    <p:sldId id="317" r:id="rId19"/>
-    <p:sldId id="318" r:id="rId20"/>
-    <p:sldId id="322" r:id="rId21"/>
-    <p:sldId id="321" r:id="rId22"/>
-    <p:sldId id="319" r:id="rId23"/>
-    <p:sldId id="320" r:id="rId24"/>
-    <p:sldId id="323" r:id="rId25"/>
-    <p:sldId id="326" r:id="rId26"/>
-    <p:sldId id="327" r:id="rId27"/>
-    <p:sldId id="328" r:id="rId28"/>
-    <p:sldId id="324" r:id="rId29"/>
-    <p:sldId id="325" r:id="rId30"/>
-    <p:sldId id="329" r:id="rId31"/>
-    <p:sldId id="330" r:id="rId32"/>
-    <p:sldId id="335" r:id="rId33"/>
-    <p:sldId id="336" r:id="rId34"/>
-    <p:sldId id="337" r:id="rId35"/>
-    <p:sldId id="338" r:id="rId36"/>
-    <p:sldId id="339" r:id="rId37"/>
-    <p:sldId id="340" r:id="rId38"/>
-    <p:sldId id="341" r:id="rId39"/>
+    <p:sldId id="342" r:id="rId14"/>
+    <p:sldId id="310" r:id="rId15"/>
+    <p:sldId id="312" r:id="rId16"/>
+    <p:sldId id="313" r:id="rId17"/>
+    <p:sldId id="315" r:id="rId18"/>
+    <p:sldId id="316" r:id="rId19"/>
+    <p:sldId id="317" r:id="rId20"/>
+    <p:sldId id="318" r:id="rId21"/>
+    <p:sldId id="322" r:id="rId22"/>
+    <p:sldId id="321" r:id="rId23"/>
+    <p:sldId id="319" r:id="rId24"/>
+    <p:sldId id="320" r:id="rId25"/>
+    <p:sldId id="323" r:id="rId26"/>
+    <p:sldId id="326" r:id="rId27"/>
+    <p:sldId id="327" r:id="rId28"/>
+    <p:sldId id="328" r:id="rId29"/>
+    <p:sldId id="324" r:id="rId30"/>
+    <p:sldId id="325" r:id="rId31"/>
+    <p:sldId id="329" r:id="rId32"/>
+    <p:sldId id="330" r:id="rId33"/>
+    <p:sldId id="335" r:id="rId34"/>
+    <p:sldId id="336" r:id="rId35"/>
+    <p:sldId id="337" r:id="rId36"/>
+    <p:sldId id="338" r:id="rId37"/>
+    <p:sldId id="339" r:id="rId38"/>
+    <p:sldId id="340" r:id="rId39"/>
+    <p:sldId id="341" r:id="rId40"/>
   </p:sldIdLst>
   <p:sldSz cx="12192000" cy="6858000"/>
   <p:notesSz cx="6858000" cy="9144000"/>
@@ -5490,6 +5491,45 @@
           </a:fontRef>
         </p:style>
       </p:cxnSp>
+      <p:sp>
+        <p:nvSpPr>
+          <p:cNvPr id="22" name="TextBox 21">
+            <a:extLst>
+              <a:ext uri="{FF2B5EF4-FFF2-40B4-BE49-F238E27FC236}">
+                <a16:creationId xmlns:a16="http://schemas.microsoft.com/office/drawing/2014/main" id="{7DD9957E-DCA8-4F74-983D-3FB86B5CE5B5}"/>
+              </a:ext>
+            </a:extLst>
+          </p:cNvPr>
+          <p:cNvSpPr txBox="1"/>
+          <p:nvPr/>
+        </p:nvSpPr>
+        <p:spPr>
+          <a:xfrm>
+            <a:off x="5727739" y="5913477"/>
+            <a:ext cx="6096000" cy="369332"/>
+          </a:xfrm>
+          <a:prstGeom prst="rect">
+            <a:avLst/>
+          </a:prstGeom>
+          <a:noFill/>
+        </p:spPr>
+        <p:txBody>
+          <a:bodyPr wrap="square">
+            <a:spAutoFit/>
+          </a:bodyPr>
+          <a:lstStyle/>
+          <a:p>
+            <a:r>
+              <a:rPr lang="en-US" b="1" i="1" dirty="0">
+                <a:solidFill>
+                  <a:srgbClr val="FF0000"/>
+                </a:solidFill>
+              </a:rPr>
+              <a:t>Check if the max heap property is satisfied at every node.</a:t>
+            </a:r>
+          </a:p>
+        </p:txBody>
+      </p:sp>
     </p:spTree>
     <p:extLst>
       <p:ext uri="{BB962C8B-B14F-4D97-AF65-F5344CB8AC3E}">
@@ -5504,6 +5544,941 @@
 </file>
 
 <file path=ppt/slides/slide13.xml><?xml version="1.0" encoding="utf-8"?>
+<p:sld xmlns:a="http://schemas.openxmlformats.org/drawingml/2006/main" xmlns:r="http://schemas.openxmlformats.org/officeDocument/2006/relationships" xmlns:p="http://schemas.openxmlformats.org/presentationml/2006/main">
+  <p:cSld>
+    <p:spTree>
+      <p:nvGrpSpPr>
+        <p:cNvPr id="1" name=""/>
+        <p:cNvGrpSpPr/>
+        <p:nvPr/>
+      </p:nvGrpSpPr>
+      <p:grpSpPr>
+        <a:xfrm>
+          <a:off x="0" y="0"/>
+          <a:ext cx="0" cy="0"/>
+          <a:chOff x="0" y="0"/>
+          <a:chExt cx="0" cy="0"/>
+        </a:xfrm>
+      </p:grpSpPr>
+      <p:sp>
+        <p:nvSpPr>
+          <p:cNvPr id="2" name="Title 1"/>
+          <p:cNvSpPr>
+            <a:spLocks noGrp="1"/>
+          </p:cNvSpPr>
+          <p:nvPr>
+            <p:ph type="title"/>
+          </p:nvPr>
+        </p:nvSpPr>
+        <p:spPr/>
+        <p:txBody>
+          <a:bodyPr/>
+          <a:lstStyle/>
+          <a:p>
+            <a:r>
+              <a:rPr lang="en-US" dirty="0">
+                <a:solidFill>
+                  <a:schemeClr val="accent1"/>
+                </a:solidFill>
+              </a:rPr>
+              <a:t>The Max Heap Property</a:t>
+            </a:r>
+          </a:p>
+        </p:txBody>
+      </p:sp>
+      <p:sp>
+        <p:nvSpPr>
+          <p:cNvPr id="4" name="Content Placeholder 3">
+            <a:extLst>
+              <a:ext uri="{FF2B5EF4-FFF2-40B4-BE49-F238E27FC236}">
+                <a16:creationId xmlns:a16="http://schemas.microsoft.com/office/drawing/2014/main" id="{8E0CE285-C842-470A-A1F8-C375C9707019}"/>
+              </a:ext>
+            </a:extLst>
+          </p:cNvPr>
+          <p:cNvSpPr>
+            <a:spLocks noGrp="1"/>
+          </p:cNvSpPr>
+          <p:nvPr>
+            <p:ph idx="1"/>
+          </p:nvPr>
+        </p:nvSpPr>
+        <p:spPr/>
+        <p:txBody>
+          <a:bodyPr>
+            <a:normAutofit/>
+          </a:bodyPr>
+          <a:lstStyle/>
+          <a:p>
+            <a:pPr marL="0" indent="0">
+              <a:buNone/>
+            </a:pPr>
+            <a:r>
+              <a:rPr lang="en-US" dirty="0">
+                <a:solidFill>
+                  <a:schemeClr val="accent1"/>
+                </a:solidFill>
+              </a:rPr>
+              <a:t>Is this array a max heap </a:t>
+            </a:r>
+            <a:r>
+              <a:rPr lang="en-US" b="1" i="1" dirty="0">
+                <a:solidFill>
+                  <a:srgbClr val="C00000"/>
+                </a:solidFill>
+              </a:rPr>
+              <a:t>[29,22,19,16,20,15,9,7,10]?  YES !!!</a:t>
+            </a:r>
+          </a:p>
+        </p:txBody>
+      </p:sp>
+      <p:sp>
+        <p:nvSpPr>
+          <p:cNvPr id="3" name="Flowchart: Connector 2">
+            <a:extLst>
+              <a:ext uri="{FF2B5EF4-FFF2-40B4-BE49-F238E27FC236}">
+                <a16:creationId xmlns:a16="http://schemas.microsoft.com/office/drawing/2014/main" id="{FB68447C-5C00-46FA-A5F6-0680C6EB678E}"/>
+              </a:ext>
+            </a:extLst>
+          </p:cNvPr>
+          <p:cNvSpPr/>
+          <p:nvPr/>
+        </p:nvSpPr>
+        <p:spPr>
+          <a:xfrm>
+            <a:off x="6096000" y="2713723"/>
+            <a:ext cx="628650" cy="581025"/>
+          </a:xfrm>
+          <a:prstGeom prst="flowChartConnector">
+            <a:avLst/>
+          </a:prstGeom>
+          <a:solidFill>
+            <a:srgbClr val="FFFF00"/>
+          </a:solidFill>
+        </p:spPr>
+        <p:style>
+          <a:lnRef idx="2">
+            <a:schemeClr val="accent6"/>
+          </a:lnRef>
+          <a:fillRef idx="1">
+            <a:schemeClr val="lt1"/>
+          </a:fillRef>
+          <a:effectRef idx="0">
+            <a:schemeClr val="accent6"/>
+          </a:effectRef>
+          <a:fontRef idx="minor">
+            <a:schemeClr val="dk1"/>
+          </a:fontRef>
+        </p:style>
+        <p:txBody>
+          <a:bodyPr rtlCol="0" anchor="ctr"/>
+          <a:lstStyle/>
+          <a:p>
+            <a:pPr algn="ctr"/>
+            <a:r>
+              <a:rPr lang="en-US" dirty="0">
+                <a:solidFill>
+                  <a:srgbClr val="C00000"/>
+                </a:solidFill>
+              </a:rPr>
+              <a:t>29</a:t>
+            </a:r>
+          </a:p>
+        </p:txBody>
+      </p:sp>
+      <p:sp>
+        <p:nvSpPr>
+          <p:cNvPr id="11" name="Flowchart: Connector 10">
+            <a:extLst>
+              <a:ext uri="{FF2B5EF4-FFF2-40B4-BE49-F238E27FC236}">
+                <a16:creationId xmlns:a16="http://schemas.microsoft.com/office/drawing/2014/main" id="{8696441F-AE26-4EC7-AAE1-1C46748542B4}"/>
+              </a:ext>
+            </a:extLst>
+          </p:cNvPr>
+          <p:cNvSpPr/>
+          <p:nvPr/>
+        </p:nvSpPr>
+        <p:spPr>
+          <a:xfrm>
+            <a:off x="4591050" y="3622567"/>
+            <a:ext cx="628650" cy="581025"/>
+          </a:xfrm>
+          <a:prstGeom prst="flowChartConnector">
+            <a:avLst/>
+          </a:prstGeom>
+          <a:solidFill>
+            <a:srgbClr val="FFFF00"/>
+          </a:solidFill>
+        </p:spPr>
+        <p:style>
+          <a:lnRef idx="2">
+            <a:schemeClr val="accent6"/>
+          </a:lnRef>
+          <a:fillRef idx="1">
+            <a:schemeClr val="lt1"/>
+          </a:fillRef>
+          <a:effectRef idx="0">
+            <a:schemeClr val="accent6"/>
+          </a:effectRef>
+          <a:fontRef idx="minor">
+            <a:schemeClr val="dk1"/>
+          </a:fontRef>
+        </p:style>
+        <p:txBody>
+          <a:bodyPr rtlCol="0" anchor="ctr"/>
+          <a:lstStyle/>
+          <a:p>
+            <a:pPr algn="ctr"/>
+            <a:r>
+              <a:rPr lang="en-US" dirty="0">
+                <a:solidFill>
+                  <a:srgbClr val="C00000"/>
+                </a:solidFill>
+              </a:rPr>
+              <a:t>22</a:t>
+            </a:r>
+          </a:p>
+        </p:txBody>
+      </p:sp>
+      <p:sp>
+        <p:nvSpPr>
+          <p:cNvPr id="13" name="Flowchart: Connector 12">
+            <a:extLst>
+              <a:ext uri="{FF2B5EF4-FFF2-40B4-BE49-F238E27FC236}">
+                <a16:creationId xmlns:a16="http://schemas.microsoft.com/office/drawing/2014/main" id="{C0AC2589-70F6-47E4-B13B-6FBFEE04450C}"/>
+              </a:ext>
+            </a:extLst>
+          </p:cNvPr>
+          <p:cNvSpPr/>
+          <p:nvPr/>
+        </p:nvSpPr>
+        <p:spPr>
+          <a:xfrm>
+            <a:off x="7647035" y="3403757"/>
+            <a:ext cx="628650" cy="581025"/>
+          </a:xfrm>
+          <a:prstGeom prst="flowChartConnector">
+            <a:avLst/>
+          </a:prstGeom>
+          <a:solidFill>
+            <a:srgbClr val="FFFF00"/>
+          </a:solidFill>
+        </p:spPr>
+        <p:style>
+          <a:lnRef idx="2">
+            <a:schemeClr val="accent6"/>
+          </a:lnRef>
+          <a:fillRef idx="1">
+            <a:schemeClr val="lt1"/>
+          </a:fillRef>
+          <a:effectRef idx="0">
+            <a:schemeClr val="accent6"/>
+          </a:effectRef>
+          <a:fontRef idx="minor">
+            <a:schemeClr val="dk1"/>
+          </a:fontRef>
+        </p:style>
+        <p:txBody>
+          <a:bodyPr rtlCol="0" anchor="ctr"/>
+          <a:lstStyle/>
+          <a:p>
+            <a:pPr algn="ctr"/>
+            <a:r>
+              <a:rPr lang="en-US" dirty="0">
+                <a:solidFill>
+                  <a:srgbClr val="C00000"/>
+                </a:solidFill>
+              </a:rPr>
+              <a:t>19</a:t>
+            </a:r>
+          </a:p>
+        </p:txBody>
+      </p:sp>
+      <p:sp>
+        <p:nvSpPr>
+          <p:cNvPr id="15" name="Flowchart: Connector 14">
+            <a:extLst>
+              <a:ext uri="{FF2B5EF4-FFF2-40B4-BE49-F238E27FC236}">
+                <a16:creationId xmlns:a16="http://schemas.microsoft.com/office/drawing/2014/main" id="{A18B9CA2-40B9-4EA9-A462-89C38051F057}"/>
+              </a:ext>
+            </a:extLst>
+          </p:cNvPr>
+          <p:cNvSpPr/>
+          <p:nvPr/>
+        </p:nvSpPr>
+        <p:spPr>
+          <a:xfrm>
+            <a:off x="3113091" y="4579030"/>
+            <a:ext cx="628650" cy="581025"/>
+          </a:xfrm>
+          <a:prstGeom prst="flowChartConnector">
+            <a:avLst/>
+          </a:prstGeom>
+          <a:solidFill>
+            <a:srgbClr val="FFFF00"/>
+          </a:solidFill>
+        </p:spPr>
+        <p:style>
+          <a:lnRef idx="2">
+            <a:schemeClr val="accent6"/>
+          </a:lnRef>
+          <a:fillRef idx="1">
+            <a:schemeClr val="lt1"/>
+          </a:fillRef>
+          <a:effectRef idx="0">
+            <a:schemeClr val="accent6"/>
+          </a:effectRef>
+          <a:fontRef idx="minor">
+            <a:schemeClr val="dk1"/>
+          </a:fontRef>
+        </p:style>
+        <p:txBody>
+          <a:bodyPr rtlCol="0" anchor="ctr"/>
+          <a:lstStyle/>
+          <a:p>
+            <a:pPr algn="ctr"/>
+            <a:r>
+              <a:rPr lang="en-US" u="sng" dirty="0">
+                <a:solidFill>
+                  <a:srgbClr val="C00000"/>
+                </a:solidFill>
+              </a:rPr>
+              <a:t>1</a:t>
+            </a:r>
+            <a:r>
+              <a:rPr lang="en-US" dirty="0">
+                <a:solidFill>
+                  <a:srgbClr val="C00000"/>
+                </a:solidFill>
+              </a:rPr>
+              <a:t>6</a:t>
+            </a:r>
+          </a:p>
+        </p:txBody>
+      </p:sp>
+      <p:sp>
+        <p:nvSpPr>
+          <p:cNvPr id="21" name="Flowchart: Connector 20">
+            <a:extLst>
+              <a:ext uri="{FF2B5EF4-FFF2-40B4-BE49-F238E27FC236}">
+                <a16:creationId xmlns:a16="http://schemas.microsoft.com/office/drawing/2014/main" id="{679702FA-966D-4251-8E20-11A5A20713BB}"/>
+              </a:ext>
+            </a:extLst>
+          </p:cNvPr>
+          <p:cNvSpPr/>
+          <p:nvPr/>
+        </p:nvSpPr>
+        <p:spPr>
+          <a:xfrm>
+            <a:off x="5727739" y="4736304"/>
+            <a:ext cx="628650" cy="581025"/>
+          </a:xfrm>
+          <a:prstGeom prst="flowChartConnector">
+            <a:avLst/>
+          </a:prstGeom>
+          <a:solidFill>
+            <a:srgbClr val="FFFF00"/>
+          </a:solidFill>
+        </p:spPr>
+        <p:style>
+          <a:lnRef idx="2">
+            <a:schemeClr val="accent6"/>
+          </a:lnRef>
+          <a:fillRef idx="1">
+            <a:schemeClr val="lt1"/>
+          </a:fillRef>
+          <a:effectRef idx="0">
+            <a:schemeClr val="accent6"/>
+          </a:effectRef>
+          <a:fontRef idx="minor">
+            <a:schemeClr val="dk1"/>
+          </a:fontRef>
+        </p:style>
+        <p:txBody>
+          <a:bodyPr rtlCol="0" anchor="ctr"/>
+          <a:lstStyle/>
+          <a:p>
+            <a:pPr algn="ctr"/>
+            <a:r>
+              <a:rPr lang="en-US" dirty="0">
+                <a:solidFill>
+                  <a:srgbClr val="C00000"/>
+                </a:solidFill>
+              </a:rPr>
+              <a:t>20</a:t>
+            </a:r>
+          </a:p>
+        </p:txBody>
+      </p:sp>
+      <p:sp>
+        <p:nvSpPr>
+          <p:cNvPr id="23" name="Flowchart: Connector 22">
+            <a:extLst>
+              <a:ext uri="{FF2B5EF4-FFF2-40B4-BE49-F238E27FC236}">
+                <a16:creationId xmlns:a16="http://schemas.microsoft.com/office/drawing/2014/main" id="{0C623E47-0898-4493-9C97-3FA76DA027A8}"/>
+              </a:ext>
+            </a:extLst>
+          </p:cNvPr>
+          <p:cNvSpPr/>
+          <p:nvPr/>
+        </p:nvSpPr>
+        <p:spPr>
+          <a:xfrm>
+            <a:off x="6592903" y="4729840"/>
+            <a:ext cx="628650" cy="581025"/>
+          </a:xfrm>
+          <a:prstGeom prst="flowChartConnector">
+            <a:avLst/>
+          </a:prstGeom>
+          <a:solidFill>
+            <a:srgbClr val="FFFF00"/>
+          </a:solidFill>
+        </p:spPr>
+        <p:style>
+          <a:lnRef idx="2">
+            <a:schemeClr val="accent6"/>
+          </a:lnRef>
+          <a:fillRef idx="1">
+            <a:schemeClr val="lt1"/>
+          </a:fillRef>
+          <a:effectRef idx="0">
+            <a:schemeClr val="accent6"/>
+          </a:effectRef>
+          <a:fontRef idx="minor">
+            <a:schemeClr val="dk1"/>
+          </a:fontRef>
+        </p:style>
+        <p:txBody>
+          <a:bodyPr rtlCol="0" anchor="ctr"/>
+          <a:lstStyle/>
+          <a:p>
+            <a:pPr algn="ctr"/>
+            <a:r>
+              <a:rPr lang="en-US" dirty="0">
+                <a:solidFill>
+                  <a:srgbClr val="C00000"/>
+                </a:solidFill>
+              </a:rPr>
+              <a:t>15</a:t>
+            </a:r>
+          </a:p>
+        </p:txBody>
+      </p:sp>
+      <p:sp>
+        <p:nvSpPr>
+          <p:cNvPr id="27" name="Flowchart: Connector 26">
+            <a:extLst>
+              <a:ext uri="{FF2B5EF4-FFF2-40B4-BE49-F238E27FC236}">
+                <a16:creationId xmlns:a16="http://schemas.microsoft.com/office/drawing/2014/main" id="{554F64B8-0BAA-4088-88D2-E766751DB114}"/>
+              </a:ext>
+            </a:extLst>
+          </p:cNvPr>
+          <p:cNvSpPr/>
+          <p:nvPr/>
+        </p:nvSpPr>
+        <p:spPr>
+          <a:xfrm>
+            <a:off x="9852109" y="4823965"/>
+            <a:ext cx="628650" cy="581025"/>
+          </a:xfrm>
+          <a:prstGeom prst="flowChartConnector">
+            <a:avLst/>
+          </a:prstGeom>
+          <a:solidFill>
+            <a:srgbClr val="FFFF00"/>
+          </a:solidFill>
+        </p:spPr>
+        <p:style>
+          <a:lnRef idx="2">
+            <a:schemeClr val="accent6"/>
+          </a:lnRef>
+          <a:fillRef idx="1">
+            <a:schemeClr val="lt1"/>
+          </a:fillRef>
+          <a:effectRef idx="0">
+            <a:schemeClr val="accent6"/>
+          </a:effectRef>
+          <a:fontRef idx="minor">
+            <a:schemeClr val="dk1"/>
+          </a:fontRef>
+        </p:style>
+        <p:txBody>
+          <a:bodyPr rtlCol="0" anchor="ctr"/>
+          <a:lstStyle/>
+          <a:p>
+            <a:pPr algn="ctr"/>
+            <a:r>
+              <a:rPr lang="en-US" dirty="0">
+                <a:solidFill>
+                  <a:srgbClr val="C00000"/>
+                </a:solidFill>
+              </a:rPr>
+              <a:t>9</a:t>
+            </a:r>
+          </a:p>
+        </p:txBody>
+      </p:sp>
+      <p:sp>
+        <p:nvSpPr>
+          <p:cNvPr id="31" name="Flowchart: Connector 30">
+            <a:extLst>
+              <a:ext uri="{FF2B5EF4-FFF2-40B4-BE49-F238E27FC236}">
+                <a16:creationId xmlns:a16="http://schemas.microsoft.com/office/drawing/2014/main" id="{74E1AE0C-AC97-40C2-AD4A-8F994EE74344}"/>
+              </a:ext>
+            </a:extLst>
+          </p:cNvPr>
+          <p:cNvSpPr/>
+          <p:nvPr/>
+        </p:nvSpPr>
+        <p:spPr>
+          <a:xfrm>
+            <a:off x="1927262" y="5310864"/>
+            <a:ext cx="628650" cy="581025"/>
+          </a:xfrm>
+          <a:prstGeom prst="flowChartConnector">
+            <a:avLst/>
+          </a:prstGeom>
+          <a:solidFill>
+            <a:srgbClr val="FFFF00"/>
+          </a:solidFill>
+        </p:spPr>
+        <p:style>
+          <a:lnRef idx="2">
+            <a:schemeClr val="accent6"/>
+          </a:lnRef>
+          <a:fillRef idx="1">
+            <a:schemeClr val="lt1"/>
+          </a:fillRef>
+          <a:effectRef idx="0">
+            <a:schemeClr val="accent6"/>
+          </a:effectRef>
+          <a:fontRef idx="minor">
+            <a:schemeClr val="dk1"/>
+          </a:fontRef>
+        </p:style>
+        <p:txBody>
+          <a:bodyPr rtlCol="0" anchor="ctr"/>
+          <a:lstStyle/>
+          <a:p>
+            <a:pPr algn="ctr"/>
+            <a:r>
+              <a:rPr lang="en-US" dirty="0">
+                <a:solidFill>
+                  <a:srgbClr val="C00000"/>
+                </a:solidFill>
+              </a:rPr>
+              <a:t>7</a:t>
+            </a:r>
+          </a:p>
+        </p:txBody>
+      </p:sp>
+      <p:sp>
+        <p:nvSpPr>
+          <p:cNvPr id="33" name="Flowchart: Connector 32">
+            <a:extLst>
+              <a:ext uri="{FF2B5EF4-FFF2-40B4-BE49-F238E27FC236}">
+                <a16:creationId xmlns:a16="http://schemas.microsoft.com/office/drawing/2014/main" id="{B50843C5-0E95-4FB8-A66D-205C224AF0A0}"/>
+              </a:ext>
+            </a:extLst>
+          </p:cNvPr>
+          <p:cNvSpPr/>
+          <p:nvPr/>
+        </p:nvSpPr>
+        <p:spPr>
+          <a:xfrm>
+            <a:off x="4318037" y="5310865"/>
+            <a:ext cx="628650" cy="581025"/>
+          </a:xfrm>
+          <a:prstGeom prst="flowChartConnector">
+            <a:avLst/>
+          </a:prstGeom>
+          <a:solidFill>
+            <a:srgbClr val="FFFF00"/>
+          </a:solidFill>
+        </p:spPr>
+        <p:style>
+          <a:lnRef idx="2">
+            <a:schemeClr val="accent6"/>
+          </a:lnRef>
+          <a:fillRef idx="1">
+            <a:schemeClr val="lt1"/>
+          </a:fillRef>
+          <a:effectRef idx="0">
+            <a:schemeClr val="accent6"/>
+          </a:effectRef>
+          <a:fontRef idx="minor">
+            <a:schemeClr val="dk1"/>
+          </a:fontRef>
+        </p:style>
+        <p:txBody>
+          <a:bodyPr rtlCol="0" anchor="ctr"/>
+          <a:lstStyle/>
+          <a:p>
+            <a:pPr algn="ctr"/>
+            <a:r>
+              <a:rPr lang="en-US" dirty="0">
+                <a:solidFill>
+                  <a:srgbClr val="C00000"/>
+                </a:solidFill>
+              </a:rPr>
+              <a:t>10</a:t>
+            </a:r>
+          </a:p>
+        </p:txBody>
+      </p:sp>
+      <p:cxnSp>
+        <p:nvCxnSpPr>
+          <p:cNvPr id="37" name="Straight Arrow Connector 36">
+            <a:extLst>
+              <a:ext uri="{FF2B5EF4-FFF2-40B4-BE49-F238E27FC236}">
+                <a16:creationId xmlns:a16="http://schemas.microsoft.com/office/drawing/2014/main" id="{C5D0AD13-3A6A-4545-8F4F-7BEA2ED1BC06}"/>
+              </a:ext>
+            </a:extLst>
+          </p:cNvPr>
+          <p:cNvCxnSpPr>
+            <a:cxnSpLocks/>
+            <a:endCxn id="11" idx="7"/>
+          </p:cNvCxnSpPr>
+          <p:nvPr/>
+        </p:nvCxnSpPr>
+        <p:spPr>
+          <a:xfrm flipH="1">
+            <a:off x="5127636" y="3011230"/>
+            <a:ext cx="968364" cy="696426"/>
+          </a:xfrm>
+          <a:prstGeom prst="straightConnector1">
+            <a:avLst/>
+          </a:prstGeom>
+          <a:ln>
+            <a:tailEnd type="triangle"/>
+          </a:ln>
+        </p:spPr>
+        <p:style>
+          <a:lnRef idx="1">
+            <a:schemeClr val="accent1"/>
+          </a:lnRef>
+          <a:fillRef idx="0">
+            <a:schemeClr val="accent1"/>
+          </a:fillRef>
+          <a:effectRef idx="0">
+            <a:schemeClr val="accent1"/>
+          </a:effectRef>
+          <a:fontRef idx="minor">
+            <a:schemeClr val="tx1"/>
+          </a:fontRef>
+        </p:style>
+      </p:cxnSp>
+      <p:cxnSp>
+        <p:nvCxnSpPr>
+          <p:cNvPr id="40" name="Straight Arrow Connector 39">
+            <a:extLst>
+              <a:ext uri="{FF2B5EF4-FFF2-40B4-BE49-F238E27FC236}">
+                <a16:creationId xmlns:a16="http://schemas.microsoft.com/office/drawing/2014/main" id="{98F43D3D-53C2-4B98-8262-04DD64EB9D5A}"/>
+              </a:ext>
+            </a:extLst>
+          </p:cNvPr>
+          <p:cNvCxnSpPr>
+            <a:cxnSpLocks/>
+            <a:endCxn id="13" idx="1"/>
+          </p:cNvCxnSpPr>
+          <p:nvPr/>
+        </p:nvCxnSpPr>
+        <p:spPr>
+          <a:xfrm>
+            <a:off x="6719923" y="2945456"/>
+            <a:ext cx="1019176" cy="543390"/>
+          </a:xfrm>
+          <a:prstGeom prst="straightConnector1">
+            <a:avLst/>
+          </a:prstGeom>
+          <a:ln>
+            <a:tailEnd type="triangle"/>
+          </a:ln>
+        </p:spPr>
+        <p:style>
+          <a:lnRef idx="1">
+            <a:schemeClr val="accent1"/>
+          </a:lnRef>
+          <a:fillRef idx="0">
+            <a:schemeClr val="accent1"/>
+          </a:fillRef>
+          <a:effectRef idx="0">
+            <a:schemeClr val="accent1"/>
+          </a:effectRef>
+          <a:fontRef idx="minor">
+            <a:schemeClr val="tx1"/>
+          </a:fontRef>
+        </p:style>
+      </p:cxnSp>
+      <p:cxnSp>
+        <p:nvCxnSpPr>
+          <p:cNvPr id="43" name="Straight Arrow Connector 42">
+            <a:extLst>
+              <a:ext uri="{FF2B5EF4-FFF2-40B4-BE49-F238E27FC236}">
+                <a16:creationId xmlns:a16="http://schemas.microsoft.com/office/drawing/2014/main" id="{1122AC89-4854-49E0-8C75-36603ED7A5E9}"/>
+              </a:ext>
+            </a:extLst>
+          </p:cNvPr>
+          <p:cNvCxnSpPr>
+            <a:cxnSpLocks/>
+            <a:endCxn id="15" idx="7"/>
+          </p:cNvCxnSpPr>
+          <p:nvPr/>
+        </p:nvCxnSpPr>
+        <p:spPr>
+          <a:xfrm flipH="1">
+            <a:off x="3649677" y="4037699"/>
+            <a:ext cx="941374" cy="626420"/>
+          </a:xfrm>
+          <a:prstGeom prst="straightConnector1">
+            <a:avLst/>
+          </a:prstGeom>
+          <a:ln>
+            <a:tailEnd type="triangle"/>
+          </a:ln>
+        </p:spPr>
+        <p:style>
+          <a:lnRef idx="1">
+            <a:schemeClr val="accent1"/>
+          </a:lnRef>
+          <a:fillRef idx="0">
+            <a:schemeClr val="accent1"/>
+          </a:fillRef>
+          <a:effectRef idx="0">
+            <a:schemeClr val="accent1"/>
+          </a:effectRef>
+          <a:fontRef idx="minor">
+            <a:schemeClr val="tx1"/>
+          </a:fontRef>
+        </p:style>
+      </p:cxnSp>
+      <p:cxnSp>
+        <p:nvCxnSpPr>
+          <p:cNvPr id="48" name="Straight Arrow Connector 47">
+            <a:extLst>
+              <a:ext uri="{FF2B5EF4-FFF2-40B4-BE49-F238E27FC236}">
+                <a16:creationId xmlns:a16="http://schemas.microsoft.com/office/drawing/2014/main" id="{2664D050-7BF0-4A67-B0F1-098F20A0F08A}"/>
+              </a:ext>
+            </a:extLst>
+          </p:cNvPr>
+          <p:cNvCxnSpPr>
+            <a:cxnSpLocks/>
+            <a:endCxn id="31" idx="7"/>
+          </p:cNvCxnSpPr>
+          <p:nvPr/>
+        </p:nvCxnSpPr>
+        <p:spPr>
+          <a:xfrm flipH="1">
+            <a:off x="2463848" y="5026691"/>
+            <a:ext cx="727054" cy="369262"/>
+          </a:xfrm>
+          <a:prstGeom prst="straightConnector1">
+            <a:avLst/>
+          </a:prstGeom>
+          <a:ln>
+            <a:tailEnd type="triangle"/>
+          </a:ln>
+        </p:spPr>
+        <p:style>
+          <a:lnRef idx="1">
+            <a:schemeClr val="accent1"/>
+          </a:lnRef>
+          <a:fillRef idx="0">
+            <a:schemeClr val="accent1"/>
+          </a:fillRef>
+          <a:effectRef idx="0">
+            <a:schemeClr val="accent1"/>
+          </a:effectRef>
+          <a:fontRef idx="minor">
+            <a:schemeClr val="tx1"/>
+          </a:fontRef>
+        </p:style>
+      </p:cxnSp>
+      <p:cxnSp>
+        <p:nvCxnSpPr>
+          <p:cNvPr id="50" name="Straight Arrow Connector 49">
+            <a:extLst>
+              <a:ext uri="{FF2B5EF4-FFF2-40B4-BE49-F238E27FC236}">
+                <a16:creationId xmlns:a16="http://schemas.microsoft.com/office/drawing/2014/main" id="{D699F4BD-37D8-4DDE-9B82-4FABCA4957D5}"/>
+              </a:ext>
+            </a:extLst>
+          </p:cNvPr>
+          <p:cNvCxnSpPr>
+            <a:cxnSpLocks/>
+            <a:stCxn id="15" idx="6"/>
+            <a:endCxn id="33" idx="1"/>
+          </p:cNvCxnSpPr>
+          <p:nvPr/>
+        </p:nvCxnSpPr>
+        <p:spPr>
+          <a:xfrm>
+            <a:off x="3741741" y="4869543"/>
+            <a:ext cx="668360" cy="526411"/>
+          </a:xfrm>
+          <a:prstGeom prst="straightConnector1">
+            <a:avLst/>
+          </a:prstGeom>
+          <a:ln>
+            <a:tailEnd type="triangle"/>
+          </a:ln>
+        </p:spPr>
+        <p:style>
+          <a:lnRef idx="1">
+            <a:schemeClr val="accent1"/>
+          </a:lnRef>
+          <a:fillRef idx="0">
+            <a:schemeClr val="accent1"/>
+          </a:fillRef>
+          <a:effectRef idx="0">
+            <a:schemeClr val="accent1"/>
+          </a:effectRef>
+          <a:fontRef idx="minor">
+            <a:schemeClr val="tx1"/>
+          </a:fontRef>
+        </p:style>
+      </p:cxnSp>
+      <p:cxnSp>
+        <p:nvCxnSpPr>
+          <p:cNvPr id="54" name="Straight Arrow Connector 53">
+            <a:extLst>
+              <a:ext uri="{FF2B5EF4-FFF2-40B4-BE49-F238E27FC236}">
+                <a16:creationId xmlns:a16="http://schemas.microsoft.com/office/drawing/2014/main" id="{005C6FC6-C326-4160-994B-E2A7D60A89ED}"/>
+              </a:ext>
+            </a:extLst>
+          </p:cNvPr>
+          <p:cNvCxnSpPr>
+            <a:cxnSpLocks/>
+            <a:stCxn id="13" idx="3"/>
+            <a:endCxn id="23" idx="0"/>
+          </p:cNvCxnSpPr>
+          <p:nvPr/>
+        </p:nvCxnSpPr>
+        <p:spPr>
+          <a:xfrm flipH="1">
+            <a:off x="6907228" y="3899693"/>
+            <a:ext cx="831871" cy="830147"/>
+          </a:xfrm>
+          <a:prstGeom prst="straightConnector1">
+            <a:avLst/>
+          </a:prstGeom>
+          <a:ln>
+            <a:tailEnd type="triangle"/>
+          </a:ln>
+        </p:spPr>
+        <p:style>
+          <a:lnRef idx="1">
+            <a:schemeClr val="accent1"/>
+          </a:lnRef>
+          <a:fillRef idx="0">
+            <a:schemeClr val="accent1"/>
+          </a:fillRef>
+          <a:effectRef idx="0">
+            <a:schemeClr val="accent1"/>
+          </a:effectRef>
+          <a:fontRef idx="minor">
+            <a:schemeClr val="tx1"/>
+          </a:fontRef>
+        </p:style>
+      </p:cxnSp>
+      <p:cxnSp>
+        <p:nvCxnSpPr>
+          <p:cNvPr id="56" name="Straight Arrow Connector 55">
+            <a:extLst>
+              <a:ext uri="{FF2B5EF4-FFF2-40B4-BE49-F238E27FC236}">
+                <a16:creationId xmlns:a16="http://schemas.microsoft.com/office/drawing/2014/main" id="{6C471ACA-4168-4B7B-98F3-2CAEA907EA00}"/>
+              </a:ext>
+            </a:extLst>
+          </p:cNvPr>
+          <p:cNvCxnSpPr>
+            <a:cxnSpLocks/>
+            <a:stCxn id="13" idx="5"/>
+            <a:endCxn id="27" idx="1"/>
+          </p:cNvCxnSpPr>
+          <p:nvPr/>
+        </p:nvCxnSpPr>
+        <p:spPr>
+          <a:xfrm>
+            <a:off x="8183621" y="3899693"/>
+            <a:ext cx="1760552" cy="1009361"/>
+          </a:xfrm>
+          <a:prstGeom prst="straightConnector1">
+            <a:avLst/>
+          </a:prstGeom>
+          <a:ln>
+            <a:tailEnd type="triangle"/>
+          </a:ln>
+        </p:spPr>
+        <p:style>
+          <a:lnRef idx="1">
+            <a:schemeClr val="accent1"/>
+          </a:lnRef>
+          <a:fillRef idx="0">
+            <a:schemeClr val="accent1"/>
+          </a:fillRef>
+          <a:effectRef idx="0">
+            <a:schemeClr val="accent1"/>
+          </a:effectRef>
+          <a:fontRef idx="minor">
+            <a:schemeClr val="tx1"/>
+          </a:fontRef>
+        </p:style>
+      </p:cxnSp>
+      <p:cxnSp>
+        <p:nvCxnSpPr>
+          <p:cNvPr id="62" name="Straight Arrow Connector 61">
+            <a:extLst>
+              <a:ext uri="{FF2B5EF4-FFF2-40B4-BE49-F238E27FC236}">
+                <a16:creationId xmlns:a16="http://schemas.microsoft.com/office/drawing/2014/main" id="{7056F811-8007-40F0-84D8-96AB5DC14BF0}"/>
+              </a:ext>
+            </a:extLst>
+          </p:cNvPr>
+          <p:cNvCxnSpPr>
+            <a:cxnSpLocks/>
+            <a:stCxn id="11" idx="5"/>
+            <a:endCxn id="21" idx="1"/>
+          </p:cNvCxnSpPr>
+          <p:nvPr/>
+        </p:nvCxnSpPr>
+        <p:spPr>
+          <a:xfrm>
+            <a:off x="5127636" y="4118503"/>
+            <a:ext cx="692167" cy="702890"/>
+          </a:xfrm>
+          <a:prstGeom prst="straightConnector1">
+            <a:avLst/>
+          </a:prstGeom>
+          <a:ln>
+            <a:tailEnd type="triangle"/>
+          </a:ln>
+        </p:spPr>
+        <p:style>
+          <a:lnRef idx="1">
+            <a:schemeClr val="accent1"/>
+          </a:lnRef>
+          <a:fillRef idx="0">
+            <a:schemeClr val="accent1"/>
+          </a:fillRef>
+          <a:effectRef idx="0">
+            <a:schemeClr val="accent1"/>
+          </a:effectRef>
+          <a:fontRef idx="minor">
+            <a:schemeClr val="tx1"/>
+          </a:fontRef>
+        </p:style>
+      </p:cxnSp>
+    </p:spTree>
+    <p:extLst>
+      <p:ext uri="{BB962C8B-B14F-4D97-AF65-F5344CB8AC3E}">
+        <p14:creationId xmlns:p14="http://schemas.microsoft.com/office/powerpoint/2010/main" val="1776864089"/>
+      </p:ext>
+    </p:extLst>
+  </p:cSld>
+  <p:clrMapOvr>
+    <a:masterClrMapping/>
+  </p:clrMapOvr>
+</p:sld>
+</file>
+
+<file path=ppt/slides/slide14.xml><?xml version="1.0" encoding="utf-8"?>
 <p:sld xmlns:a="http://schemas.openxmlformats.org/drawingml/2006/main" xmlns:r="http://schemas.openxmlformats.org/officeDocument/2006/relationships" xmlns:p="http://schemas.openxmlformats.org/presentationml/2006/main">
   <p:cSld>
     <p:spTree>
@@ -5689,7 +6664,7 @@
 </p:sld>
 </file>
 
-<file path=ppt/slides/slide14.xml><?xml version="1.0" encoding="utf-8"?>
+<file path=ppt/slides/slide15.xml><?xml version="1.0" encoding="utf-8"?>
 <p:sld xmlns:a="http://schemas.openxmlformats.org/drawingml/2006/main" xmlns:r="http://schemas.openxmlformats.org/officeDocument/2006/relationships" xmlns:p="http://schemas.openxmlformats.org/presentationml/2006/main">
   <p:cSld>
     <p:spTree>
@@ -6342,7 +7317,7 @@
 </p:sld>
 </file>
 
-<file path=ppt/slides/slide15.xml><?xml version="1.0" encoding="utf-8"?>
+<file path=ppt/slides/slide16.xml><?xml version="1.0" encoding="utf-8"?>
 <p:sld xmlns:a="http://schemas.openxmlformats.org/drawingml/2006/main" xmlns:r="http://schemas.openxmlformats.org/officeDocument/2006/relationships" xmlns:p="http://schemas.openxmlformats.org/presentationml/2006/main">
   <p:cSld>
     <p:spTree>
@@ -7159,484 +8134,6 @@
 </p:sld>
 </file>
 
-<file path=ppt/slides/slide16.xml><?xml version="1.0" encoding="utf-8"?>
-<p:sld xmlns:a="http://schemas.openxmlformats.org/drawingml/2006/main" xmlns:r="http://schemas.openxmlformats.org/officeDocument/2006/relationships" xmlns:p="http://schemas.openxmlformats.org/presentationml/2006/main">
-  <p:cSld>
-    <p:spTree>
-      <p:nvGrpSpPr>
-        <p:cNvPr id="1" name=""/>
-        <p:cNvGrpSpPr/>
-        <p:nvPr/>
-      </p:nvGrpSpPr>
-      <p:grpSpPr>
-        <a:xfrm>
-          <a:off x="0" y="0"/>
-          <a:ext cx="0" cy="0"/>
-          <a:chOff x="0" y="0"/>
-          <a:chExt cx="0" cy="0"/>
-        </a:xfrm>
-      </p:grpSpPr>
-      <p:sp>
-        <p:nvSpPr>
-          <p:cNvPr id="2" name="Title 1">
-            <a:extLst>
-              <a:ext uri="{FF2B5EF4-FFF2-40B4-BE49-F238E27FC236}">
-                <a16:creationId xmlns:a16="http://schemas.microsoft.com/office/drawing/2014/main" id="{D6FA5A47-9489-47B1-B4EA-34594CEEEFDE}"/>
-              </a:ext>
-            </a:extLst>
-          </p:cNvPr>
-          <p:cNvSpPr>
-            <a:spLocks noGrp="1"/>
-          </p:cNvSpPr>
-          <p:nvPr>
-            <p:ph type="title"/>
-          </p:nvPr>
-        </p:nvSpPr>
-        <p:spPr/>
-        <p:txBody>
-          <a:bodyPr/>
-          <a:lstStyle/>
-          <a:p>
-            <a:r>
-              <a:rPr lang="en-US" dirty="0">
-                <a:solidFill>
-                  <a:schemeClr val="accent1"/>
-                </a:solidFill>
-              </a:rPr>
-              <a:t>Max-</a:t>
-            </a:r>
-            <a:r>
-              <a:rPr lang="en-US" dirty="0" err="1">
-                <a:solidFill>
-                  <a:schemeClr val="accent1"/>
-                </a:solidFill>
-              </a:rPr>
-              <a:t>Heapify</a:t>
-            </a:r>
-            <a:endParaRPr lang="en-US" dirty="0">
-              <a:solidFill>
-                <a:schemeClr val="accent1"/>
-              </a:solidFill>
-            </a:endParaRPr>
-          </a:p>
-        </p:txBody>
-      </p:sp>
-      <mc:AlternateContent xmlns:mc="http://schemas.openxmlformats.org/markup-compatibility/2006">
-        <mc:Choice xmlns:a14="http://schemas.microsoft.com/office/drawing/2010/main" Requires="a14">
-          <p:sp>
-            <p:nvSpPr>
-              <p:cNvPr id="10" name="TextBox 9">
-                <a:extLst>
-                  <a:ext uri="{FF2B5EF4-FFF2-40B4-BE49-F238E27FC236}">
-                    <a16:creationId xmlns:a16="http://schemas.microsoft.com/office/drawing/2014/main" id="{FF5D2EFC-10F4-4744-812E-4086669A0214}"/>
-                  </a:ext>
-                </a:extLst>
-              </p:cNvPr>
-              <p:cNvSpPr txBox="1"/>
-              <p:nvPr/>
-            </p:nvSpPr>
-            <p:spPr>
-              <a:xfrm>
-                <a:off x="838200" y="1848505"/>
-                <a:ext cx="3981450" cy="4524315"/>
-              </a:xfrm>
-              <a:prstGeom prst="rect">
-                <a:avLst/>
-              </a:prstGeom>
-              <a:noFill/>
-            </p:spPr>
-            <p:txBody>
-              <a:bodyPr wrap="square" rtlCol="0">
-                <a:spAutoFit/>
-              </a:bodyPr>
-              <a:lstStyle/>
-              <a:p>
-                <a:r>
-                  <a:rPr lang="en-US" dirty="0">
-                    <a:solidFill>
-                      <a:schemeClr val="accent1"/>
-                    </a:solidFill>
-                  </a:rPr>
-                  <a:t>Suppose there is a binary heap rooted at node </a:t>
-                </a:r>
-                <a14:m>
-                  <m:oMath xmlns:m="http://schemas.openxmlformats.org/officeDocument/2006/math">
-                    <m:r>
-                      <a:rPr lang="en-US" b="0" i="1" smtClean="0">
-                        <a:latin typeface="Cambria Math" panose="02040503050406030204" pitchFamily="18" charset="0"/>
-                      </a:rPr>
-                      <m:t>𝑖</m:t>
-                    </m:r>
-                  </m:oMath>
-                </a14:m>
-                <a:r>
-                  <a:rPr lang="en-US" dirty="0">
-                    <a:solidFill>
-                      <a:schemeClr val="accent1"/>
-                    </a:solidFill>
-                  </a:rPr>
-                  <a:t>.</a:t>
-                </a:r>
-              </a:p>
-              <a:p>
-                <a:endParaRPr lang="en-US" dirty="0">
-                  <a:solidFill>
-                    <a:schemeClr val="accent1"/>
-                  </a:solidFill>
-                </a:endParaRPr>
-              </a:p>
-              <a:p>
-                <a:r>
-                  <a:rPr lang="en-US" dirty="0">
-                    <a:solidFill>
-                      <a:schemeClr val="accent1"/>
-                    </a:solidFill>
-                  </a:rPr>
-                  <a:t>Before </a:t>
-                </a:r>
-                <a14:m>
-                  <m:oMath xmlns:m="http://schemas.openxmlformats.org/officeDocument/2006/math">
-                    <m:r>
-                      <a:rPr lang="en-US" b="0" i="1" dirty="0" smtClean="0">
-                        <a:latin typeface="Cambria Math" panose="02040503050406030204" pitchFamily="18" charset="0"/>
-                      </a:rPr>
-                      <m:t>𝑀𝑎𝑥</m:t>
-                    </m:r>
-                    <m:r>
-                      <a:rPr lang="en-US" b="0" i="1" dirty="0" err="1">
-                        <a:latin typeface="Cambria Math" panose="02040503050406030204" pitchFamily="18" charset="0"/>
-                      </a:rPr>
-                      <m:t>𝐻𝑒𝑎𝑝𝑖𝑓𝑦</m:t>
-                    </m:r>
-                  </m:oMath>
-                </a14:m>
-                <a:r>
-                  <a:rPr lang="en-US" dirty="0">
-                    <a:solidFill>
-                      <a:schemeClr val="accent1"/>
-                    </a:solidFill>
-                  </a:rPr>
-                  <a:t> is called on the tree rooted at node</a:t>
-                </a:r>
-                <a:r>
-                  <a:rPr lang="en-US" dirty="0"/>
-                  <a:t> </a:t>
-                </a:r>
-                <a14:m>
-                  <m:oMath xmlns:m="http://schemas.openxmlformats.org/officeDocument/2006/math">
-                    <m:r>
-                      <a:rPr lang="en-US" i="1">
-                        <a:latin typeface="Cambria Math" panose="02040503050406030204" pitchFamily="18" charset="0"/>
-                      </a:rPr>
-                      <m:t>𝑖</m:t>
-                    </m:r>
-                  </m:oMath>
-                </a14:m>
-                <a:r>
-                  <a:rPr lang="en-US" dirty="0">
-                    <a:solidFill>
-                      <a:schemeClr val="accent1"/>
-                    </a:solidFill>
-                  </a:rPr>
-                  <a:t>, the following precondition needs to be met.</a:t>
-                </a:r>
-              </a:p>
-              <a:p>
-                <a:endParaRPr lang="en-US" dirty="0">
-                  <a:solidFill>
-                    <a:schemeClr val="accent1"/>
-                  </a:solidFill>
-                </a:endParaRPr>
-              </a:p>
-              <a:p>
-                <a:r>
-                  <a:rPr lang="en-US" b="1" i="1" dirty="0">
-                    <a:solidFill>
-                      <a:srgbClr val="C00000"/>
-                    </a:solidFill>
-                  </a:rPr>
-                  <a:t>Precondition</a:t>
-                </a:r>
-                <a:r>
-                  <a:rPr lang="en-US" dirty="0">
-                    <a:solidFill>
-                      <a:schemeClr val="accent1"/>
-                    </a:solidFill>
-                  </a:rPr>
-                  <a:t>: If there will be a violation on the max heap property within this tree, it can only happen at node </a:t>
-                </a:r>
-                <a14:m>
-                  <m:oMath xmlns:m="http://schemas.openxmlformats.org/officeDocument/2006/math">
-                    <m:r>
-                      <a:rPr lang="en-US" b="0" i="1" smtClean="0">
-                        <a:latin typeface="Cambria Math" panose="02040503050406030204" pitchFamily="18" charset="0"/>
-                      </a:rPr>
-                      <m:t>𝑖</m:t>
-                    </m:r>
-                  </m:oMath>
-                </a14:m>
-                <a:r>
-                  <a:rPr lang="en-US" dirty="0">
-                    <a:solidFill>
-                      <a:schemeClr val="accent1"/>
-                    </a:solidFill>
-                  </a:rPr>
-                  <a:t>. </a:t>
-                </a:r>
-              </a:p>
-              <a:p>
-                <a:r>
-                  <a:rPr lang="en-US" dirty="0">
-                    <a:solidFill>
-                      <a:schemeClr val="accent1"/>
-                    </a:solidFill>
-                  </a:rPr>
-                  <a:t>In other words, both trees rooted at </a:t>
-                </a:r>
-                <a14:m>
-                  <m:oMath xmlns:m="http://schemas.openxmlformats.org/officeDocument/2006/math">
-                    <m:r>
-                      <a:rPr lang="en-US" b="0" i="1" smtClean="0">
-                        <a:solidFill>
-                          <a:schemeClr val="tx1"/>
-                        </a:solidFill>
-                        <a:latin typeface="Cambria Math" panose="02040503050406030204" pitchFamily="18" charset="0"/>
-                      </a:rPr>
-                      <m:t>𝐿𝑒𝑓𝑡</m:t>
-                    </m:r>
-                    <m:r>
-                      <a:rPr lang="en-US" b="0" i="1" smtClean="0">
-                        <a:solidFill>
-                          <a:schemeClr val="tx1"/>
-                        </a:solidFill>
-                        <a:latin typeface="Cambria Math" panose="02040503050406030204" pitchFamily="18" charset="0"/>
-                      </a:rPr>
-                      <m:t>(</m:t>
-                    </m:r>
-                    <m:r>
-                      <a:rPr lang="en-US" b="0" i="1" smtClean="0">
-                        <a:solidFill>
-                          <a:schemeClr val="tx1"/>
-                        </a:solidFill>
-                        <a:latin typeface="Cambria Math" panose="02040503050406030204" pitchFamily="18" charset="0"/>
-                      </a:rPr>
-                      <m:t>𝑖</m:t>
-                    </m:r>
-                    <m:r>
-                      <a:rPr lang="en-US" b="0" i="1" smtClean="0">
-                        <a:solidFill>
-                          <a:schemeClr val="tx1"/>
-                        </a:solidFill>
-                        <a:latin typeface="Cambria Math" panose="02040503050406030204" pitchFamily="18" charset="0"/>
-                      </a:rPr>
-                      <m:t>)</m:t>
-                    </m:r>
-                  </m:oMath>
-                </a14:m>
-                <a:r>
-                  <a:rPr lang="en-US" dirty="0">
-                    <a:solidFill>
-                      <a:schemeClr val="tx1"/>
-                    </a:solidFill>
-                  </a:rPr>
-                  <a:t> </a:t>
-                </a:r>
-                <a:r>
-                  <a:rPr lang="en-US" dirty="0">
-                    <a:solidFill>
-                      <a:schemeClr val="accent1"/>
-                    </a:solidFill>
-                  </a:rPr>
-                  <a:t>and </a:t>
-                </a:r>
-                <a14:m>
-                  <m:oMath xmlns:m="http://schemas.openxmlformats.org/officeDocument/2006/math">
-                    <m:r>
-                      <a:rPr lang="en-US" b="0" i="1" smtClean="0">
-                        <a:latin typeface="Cambria Math" panose="02040503050406030204" pitchFamily="18" charset="0"/>
-                      </a:rPr>
-                      <m:t>𝑅𝑖𝑔h𝑡</m:t>
-                    </m:r>
-                    <m:r>
-                      <a:rPr lang="en-US" i="1">
-                        <a:latin typeface="Cambria Math" panose="02040503050406030204" pitchFamily="18" charset="0"/>
-                      </a:rPr>
-                      <m:t>(</m:t>
-                    </m:r>
-                    <m:r>
-                      <a:rPr lang="en-US" i="1">
-                        <a:latin typeface="Cambria Math" panose="02040503050406030204" pitchFamily="18" charset="0"/>
-                      </a:rPr>
-                      <m:t>𝑖</m:t>
-                    </m:r>
-                    <m:r>
-                      <a:rPr lang="en-US" i="1">
-                        <a:latin typeface="Cambria Math" panose="02040503050406030204" pitchFamily="18" charset="0"/>
-                      </a:rPr>
-                      <m:t>)</m:t>
-                    </m:r>
-                  </m:oMath>
-                </a14:m>
-                <a:r>
-                  <a:rPr lang="en-US" i="1" dirty="0"/>
-                  <a:t> </a:t>
-                </a:r>
-                <a:r>
-                  <a:rPr lang="en-US" dirty="0">
-                    <a:solidFill>
-                      <a:schemeClr val="accent1"/>
-                    </a:solidFill>
-                  </a:rPr>
-                  <a:t>obey the max heap  property.</a:t>
-                </a:r>
-                <a:br>
-                  <a:rPr lang="en-US" dirty="0">
-                    <a:solidFill>
-                      <a:schemeClr val="accent1"/>
-                    </a:solidFill>
-                  </a:rPr>
-                </a:br>
-                <a:br>
-                  <a:rPr lang="en-US" dirty="0">
-                    <a:solidFill>
-                      <a:schemeClr val="accent1"/>
-                    </a:solidFill>
-                  </a:rPr>
-                </a:br>
-                <a:r>
-                  <a:rPr lang="en-US" dirty="0">
-                    <a:solidFill>
-                      <a:schemeClr val="accent1"/>
-                    </a:solidFill>
-                  </a:rPr>
-                  <a:t>We can fix up this violation using </a:t>
-                </a:r>
-                <a14:m>
-                  <m:oMath xmlns:m="http://schemas.openxmlformats.org/officeDocument/2006/math">
-                    <m:r>
-                      <a:rPr lang="en-US" b="0" i="1" dirty="0">
-                        <a:latin typeface="Cambria Math" panose="02040503050406030204" pitchFamily="18" charset="0"/>
-                      </a:rPr>
-                      <m:t>𝑀𝑎𝑥</m:t>
-                    </m:r>
-                    <m:r>
-                      <a:rPr lang="en-US" b="0" i="1" dirty="0" err="1">
-                        <a:latin typeface="Cambria Math" panose="02040503050406030204" pitchFamily="18" charset="0"/>
-                      </a:rPr>
-                      <m:t>𝐻𝑒𝑎𝑝𝑖𝑓𝑦</m:t>
-                    </m:r>
-                  </m:oMath>
-                </a14:m>
-                <a:r>
-                  <a:rPr lang="en-US" dirty="0">
-                    <a:solidFill>
-                      <a:schemeClr val="accent1"/>
-                    </a:solidFill>
-                  </a:rPr>
-                  <a:t> shown on the right.</a:t>
-                </a:r>
-                <a:endParaRPr lang="en-US" i="1" dirty="0">
-                  <a:solidFill>
-                    <a:schemeClr val="accent1"/>
-                  </a:solidFill>
-                </a:endParaRPr>
-              </a:p>
-            </p:txBody>
-          </p:sp>
-        </mc:Choice>
-        <mc:Fallback>
-          <p:sp>
-            <p:nvSpPr>
-              <p:cNvPr id="10" name="TextBox 9">
-                <a:extLst>
-                  <a:ext uri="{FF2B5EF4-FFF2-40B4-BE49-F238E27FC236}">
-                    <a16:creationId xmlns:a16="http://schemas.microsoft.com/office/drawing/2014/main" id="{FF5D2EFC-10F4-4744-812E-4086669A0214}"/>
-                  </a:ext>
-                </a:extLst>
-              </p:cNvPr>
-              <p:cNvSpPr txBox="1">
-                <a:spLocks noRot="1" noChangeAspect="1" noMove="1" noResize="1" noEditPoints="1" noAdjustHandles="1" noChangeArrowheads="1" noChangeShapeType="1" noTextEdit="1"/>
-              </p:cNvSpPr>
-              <p:nvPr/>
-            </p:nvSpPr>
-            <p:spPr>
-              <a:xfrm>
-                <a:off x="838200" y="1848505"/>
-                <a:ext cx="3981450" cy="4524315"/>
-              </a:xfrm>
-              <a:prstGeom prst="rect">
-                <a:avLst/>
-              </a:prstGeom>
-              <a:blipFill>
-                <a:blip r:embed="rId2"/>
-                <a:stretch>
-                  <a:fillRect l="-1378" t="-674" r="-1838" b="-1213"/>
-                </a:stretch>
-              </a:blipFill>
-            </p:spPr>
-            <p:txBody>
-              <a:bodyPr/>
-              <a:lstStyle/>
-              <a:p>
-                <a:r>
-                  <a:rPr lang="en-US">
-                    <a:noFill/>
-                  </a:rPr>
-                  <a:t> </a:t>
-                </a:r>
-              </a:p>
-            </p:txBody>
-          </p:sp>
-        </mc:Fallback>
-      </mc:AlternateContent>
-      <p:pic>
-        <p:nvPicPr>
-          <p:cNvPr id="6" name="Content Placeholder 5">
-            <a:extLst>
-              <a:ext uri="{FF2B5EF4-FFF2-40B4-BE49-F238E27FC236}">
-                <a16:creationId xmlns:a16="http://schemas.microsoft.com/office/drawing/2014/main" id="{5C4D8FC7-6FD1-460D-BF94-B6B7C6BCFD54}"/>
-              </a:ext>
-            </a:extLst>
-          </p:cNvPr>
-          <p:cNvPicPr>
-            <a:picLocks noGrp="1" noChangeAspect="1"/>
-          </p:cNvPicPr>
-          <p:nvPr>
-            <p:ph idx="1"/>
-          </p:nvPr>
-        </p:nvPicPr>
-        <p:blipFill>
-          <a:blip r:embed="rId3">
-            <a:extLst>
-              <a:ext uri="{28A0092B-C50C-407E-A947-70E740481C1C}">
-                <a14:useLocalDpi xmlns:a14="http://schemas.microsoft.com/office/drawing/2010/main" val="0"/>
-              </a:ext>
-            </a:extLst>
-          </a:blip>
-          <a:stretch>
-            <a:fillRect/>
-          </a:stretch>
-        </p:blipFill>
-        <p:spPr>
-          <a:xfrm>
-            <a:off x="5626100" y="1934369"/>
-            <a:ext cx="5270054" cy="3178056"/>
-          </a:xfrm>
-        </p:spPr>
-      </p:pic>
-    </p:spTree>
-    <p:extLst>
-      <p:ext uri="{BB962C8B-B14F-4D97-AF65-F5344CB8AC3E}">
-        <p14:creationId xmlns:p14="http://schemas.microsoft.com/office/powerpoint/2010/main" val="3792457157"/>
-      </p:ext>
-    </p:extLst>
-  </p:cSld>
-  <p:clrMapOvr>
-    <a:masterClrMapping/>
-  </p:clrMapOvr>
-</p:sld>
-</file>
-
 <file path=ppt/slides/slide17.xml><?xml version="1.0" encoding="utf-8"?>
 <p:sld xmlns:a="http://schemas.openxmlformats.org/drawingml/2006/main" xmlns:r="http://schemas.openxmlformats.org/officeDocument/2006/relationships" xmlns:p="http://schemas.openxmlformats.org/presentationml/2006/main">
   <p:cSld>
@@ -7699,8 +8196,8 @@
           </a:p>
         </p:txBody>
       </p:sp>
-      <mc:AlternateContent xmlns:mc="http://schemas.openxmlformats.org/markup-compatibility/2006">
-        <mc:Choice xmlns:a14="http://schemas.microsoft.com/office/drawing/2010/main" Requires="a14">
+      <mc:AlternateContent xmlns:mc="http://schemas.openxmlformats.org/markup-compatibility/2006" xmlns:a14="http://schemas.microsoft.com/office/drawing/2010/main">
+        <mc:Choice Requires="a14">
           <p:sp>
             <p:nvSpPr>
               <p:cNvPr id="10" name="TextBox 9">
@@ -7992,7 +8489,7 @@
                 <a14:m>
                   <m:oMath xmlns:m="http://schemas.openxmlformats.org/officeDocument/2006/math">
                     <m:r>
-                      <a:rPr lang="en-US" b="0" i="1" dirty="0" smtClean="0">
+                      <a:rPr lang="en-US" b="0" i="1" dirty="0">
                         <a:latin typeface="Cambria Math" panose="02040503050406030204" pitchFamily="18" charset="0"/>
                       </a:rPr>
                       <m:t>𝑀𝑎𝑥</m:t>
@@ -8011,7 +8508,7 @@
                       <a:schemeClr val="accent1"/>
                     </a:solidFill>
                   </a:rPr>
-                  <a:t>.</a:t>
+                  <a:t> shown on the right.</a:t>
                 </a:r>
                 <a:endParaRPr lang="en-US" i="1" dirty="0">
                   <a:solidFill>
@@ -8022,7 +8519,485 @@
             </p:txBody>
           </p:sp>
         </mc:Choice>
-        <mc:Fallback>
+        <mc:Fallback xmlns="">
+          <p:sp>
+            <p:nvSpPr>
+              <p:cNvPr id="10" name="TextBox 9">
+                <a:extLst>
+                  <a:ext uri="{FF2B5EF4-FFF2-40B4-BE49-F238E27FC236}">
+                    <a16:creationId xmlns:a16="http://schemas.microsoft.com/office/drawing/2014/main" id="{FF5D2EFC-10F4-4744-812E-4086669A0214}"/>
+                  </a:ext>
+                </a:extLst>
+              </p:cNvPr>
+              <p:cNvSpPr txBox="1">
+                <a:spLocks noRot="1" noChangeAspect="1" noMove="1" noResize="1" noEditPoints="1" noAdjustHandles="1" noChangeArrowheads="1" noChangeShapeType="1" noTextEdit="1"/>
+              </p:cNvSpPr>
+              <p:nvPr/>
+            </p:nvSpPr>
+            <p:spPr>
+              <a:xfrm>
+                <a:off x="838200" y="1848505"/>
+                <a:ext cx="3981450" cy="4524315"/>
+              </a:xfrm>
+              <a:prstGeom prst="rect">
+                <a:avLst/>
+              </a:prstGeom>
+              <a:blipFill>
+                <a:blip r:embed="rId2"/>
+                <a:stretch>
+                  <a:fillRect l="-1378" t="-674" r="-1838" b="-1213"/>
+                </a:stretch>
+              </a:blipFill>
+            </p:spPr>
+            <p:txBody>
+              <a:bodyPr/>
+              <a:lstStyle/>
+              <a:p>
+                <a:r>
+                  <a:rPr lang="en-US">
+                    <a:noFill/>
+                  </a:rPr>
+                  <a:t> </a:t>
+                </a:r>
+              </a:p>
+            </p:txBody>
+          </p:sp>
+        </mc:Fallback>
+      </mc:AlternateContent>
+      <p:pic>
+        <p:nvPicPr>
+          <p:cNvPr id="6" name="Content Placeholder 5">
+            <a:extLst>
+              <a:ext uri="{FF2B5EF4-FFF2-40B4-BE49-F238E27FC236}">
+                <a16:creationId xmlns:a16="http://schemas.microsoft.com/office/drawing/2014/main" id="{5C4D8FC7-6FD1-460D-BF94-B6B7C6BCFD54}"/>
+              </a:ext>
+            </a:extLst>
+          </p:cNvPr>
+          <p:cNvPicPr>
+            <a:picLocks noGrp="1" noChangeAspect="1"/>
+          </p:cNvPicPr>
+          <p:nvPr>
+            <p:ph idx="1"/>
+          </p:nvPr>
+        </p:nvPicPr>
+        <p:blipFill>
+          <a:blip r:embed="rId3">
+            <a:extLst>
+              <a:ext uri="{28A0092B-C50C-407E-A947-70E740481C1C}">
+                <a14:useLocalDpi xmlns:a14="http://schemas.microsoft.com/office/drawing/2010/main" val="0"/>
+              </a:ext>
+            </a:extLst>
+          </a:blip>
+          <a:stretch>
+            <a:fillRect/>
+          </a:stretch>
+        </p:blipFill>
+        <p:spPr>
+          <a:xfrm>
+            <a:off x="5626100" y="1934369"/>
+            <a:ext cx="5270054" cy="3178056"/>
+          </a:xfrm>
+        </p:spPr>
+      </p:pic>
+    </p:spTree>
+    <p:extLst>
+      <p:ext uri="{BB962C8B-B14F-4D97-AF65-F5344CB8AC3E}">
+        <p14:creationId xmlns:p14="http://schemas.microsoft.com/office/powerpoint/2010/main" val="3792457157"/>
+      </p:ext>
+    </p:extLst>
+  </p:cSld>
+  <p:clrMapOvr>
+    <a:masterClrMapping/>
+  </p:clrMapOvr>
+</p:sld>
+</file>
+
+<file path=ppt/slides/slide18.xml><?xml version="1.0" encoding="utf-8"?>
+<p:sld xmlns:a="http://schemas.openxmlformats.org/drawingml/2006/main" xmlns:r="http://schemas.openxmlformats.org/officeDocument/2006/relationships" xmlns:p="http://schemas.openxmlformats.org/presentationml/2006/main">
+  <p:cSld>
+    <p:spTree>
+      <p:nvGrpSpPr>
+        <p:cNvPr id="1" name=""/>
+        <p:cNvGrpSpPr/>
+        <p:nvPr/>
+      </p:nvGrpSpPr>
+      <p:grpSpPr>
+        <a:xfrm>
+          <a:off x="0" y="0"/>
+          <a:ext cx="0" cy="0"/>
+          <a:chOff x="0" y="0"/>
+          <a:chExt cx="0" cy="0"/>
+        </a:xfrm>
+      </p:grpSpPr>
+      <p:sp>
+        <p:nvSpPr>
+          <p:cNvPr id="2" name="Title 1">
+            <a:extLst>
+              <a:ext uri="{FF2B5EF4-FFF2-40B4-BE49-F238E27FC236}">
+                <a16:creationId xmlns:a16="http://schemas.microsoft.com/office/drawing/2014/main" id="{D6FA5A47-9489-47B1-B4EA-34594CEEEFDE}"/>
+              </a:ext>
+            </a:extLst>
+          </p:cNvPr>
+          <p:cNvSpPr>
+            <a:spLocks noGrp="1"/>
+          </p:cNvSpPr>
+          <p:nvPr>
+            <p:ph type="title"/>
+          </p:nvPr>
+        </p:nvSpPr>
+        <p:spPr/>
+        <p:txBody>
+          <a:bodyPr/>
+          <a:lstStyle/>
+          <a:p>
+            <a:r>
+              <a:rPr lang="en-US" dirty="0">
+                <a:solidFill>
+                  <a:schemeClr val="accent1"/>
+                </a:solidFill>
+              </a:rPr>
+              <a:t>Max-</a:t>
+            </a:r>
+            <a:r>
+              <a:rPr lang="en-US" dirty="0" err="1">
+                <a:solidFill>
+                  <a:schemeClr val="accent1"/>
+                </a:solidFill>
+              </a:rPr>
+              <a:t>Heapify</a:t>
+            </a:r>
+            <a:endParaRPr lang="en-US" dirty="0">
+              <a:solidFill>
+                <a:schemeClr val="accent1"/>
+              </a:solidFill>
+            </a:endParaRPr>
+          </a:p>
+        </p:txBody>
+      </p:sp>
+      <mc:AlternateContent xmlns:mc="http://schemas.openxmlformats.org/markup-compatibility/2006" xmlns:a14="http://schemas.microsoft.com/office/drawing/2010/main">
+        <mc:Choice Requires="a14">
+          <p:sp>
+            <p:nvSpPr>
+              <p:cNvPr id="10" name="TextBox 9">
+                <a:extLst>
+                  <a:ext uri="{FF2B5EF4-FFF2-40B4-BE49-F238E27FC236}">
+                    <a16:creationId xmlns:a16="http://schemas.microsoft.com/office/drawing/2014/main" id="{FF5D2EFC-10F4-4744-812E-4086669A0214}"/>
+                  </a:ext>
+                </a:extLst>
+              </p:cNvPr>
+              <p:cNvSpPr txBox="1"/>
+              <p:nvPr/>
+            </p:nvSpPr>
+            <p:spPr>
+              <a:xfrm>
+                <a:off x="838200" y="1848505"/>
+                <a:ext cx="3981450" cy="4524315"/>
+              </a:xfrm>
+              <a:prstGeom prst="rect">
+                <a:avLst/>
+              </a:prstGeom>
+              <a:noFill/>
+            </p:spPr>
+            <p:txBody>
+              <a:bodyPr wrap="square" rtlCol="0">
+                <a:spAutoFit/>
+              </a:bodyPr>
+              <a:lstStyle/>
+              <a:p>
+                <a:r>
+                  <a:rPr lang="en-US" dirty="0">
+                    <a:solidFill>
+                      <a:schemeClr val="accent1"/>
+                    </a:solidFill>
+                  </a:rPr>
+                  <a:t>Suppose there is a binary heap rooted at node </a:t>
+                </a:r>
+                <a14:m>
+                  <m:oMath xmlns:m="http://schemas.openxmlformats.org/officeDocument/2006/math">
+                    <m:r>
+                      <a:rPr lang="en-US" b="0" i="1" smtClean="0">
+                        <a:latin typeface="Cambria Math" panose="02040503050406030204" pitchFamily="18" charset="0"/>
+                      </a:rPr>
+                      <m:t>𝑖</m:t>
+                    </m:r>
+                  </m:oMath>
+                </a14:m>
+                <a:r>
+                  <a:rPr lang="en-US" dirty="0">
+                    <a:solidFill>
+                      <a:schemeClr val="accent1"/>
+                    </a:solidFill>
+                  </a:rPr>
+                  <a:t>.</a:t>
+                </a:r>
+              </a:p>
+              <a:p>
+                <a:endParaRPr lang="en-US" dirty="0">
+                  <a:solidFill>
+                    <a:schemeClr val="accent1"/>
+                  </a:solidFill>
+                </a:endParaRPr>
+              </a:p>
+              <a:p>
+                <a:r>
+                  <a:rPr lang="en-US" dirty="0">
+                    <a:solidFill>
+                      <a:schemeClr val="accent1"/>
+                    </a:solidFill>
+                  </a:rPr>
+                  <a:t>Before </a:t>
+                </a:r>
+                <a14:m>
+                  <m:oMath xmlns:m="http://schemas.openxmlformats.org/officeDocument/2006/math">
+                    <m:r>
+                      <a:rPr lang="en-US" b="0" i="1" dirty="0" smtClean="0">
+                        <a:latin typeface="Cambria Math" panose="02040503050406030204" pitchFamily="18" charset="0"/>
+                      </a:rPr>
+                      <m:t>𝑀𝑎𝑥</m:t>
+                    </m:r>
+                    <m:r>
+                      <a:rPr lang="en-US" b="0" i="1" dirty="0" err="1">
+                        <a:latin typeface="Cambria Math" panose="02040503050406030204" pitchFamily="18" charset="0"/>
+                      </a:rPr>
+                      <m:t>𝐻𝑒𝑎𝑝𝑖𝑓𝑦</m:t>
+                    </m:r>
+                  </m:oMath>
+                </a14:m>
+                <a:r>
+                  <a:rPr lang="en-US" dirty="0">
+                    <a:solidFill>
+                      <a:schemeClr val="accent1"/>
+                    </a:solidFill>
+                  </a:rPr>
+                  <a:t> is called on the tree rooted at node</a:t>
+                </a:r>
+                <a:r>
+                  <a:rPr lang="en-US" dirty="0"/>
+                  <a:t> </a:t>
+                </a:r>
+                <a14:m>
+                  <m:oMath xmlns:m="http://schemas.openxmlformats.org/officeDocument/2006/math">
+                    <m:r>
+                      <a:rPr lang="en-US" i="1">
+                        <a:latin typeface="Cambria Math" panose="02040503050406030204" pitchFamily="18" charset="0"/>
+                      </a:rPr>
+                      <m:t>𝑖</m:t>
+                    </m:r>
+                  </m:oMath>
+                </a14:m>
+                <a:r>
+                  <a:rPr lang="en-US" dirty="0">
+                    <a:solidFill>
+                      <a:schemeClr val="accent1"/>
+                    </a:solidFill>
+                  </a:rPr>
+                  <a:t>, the following precondition needs to be met.</a:t>
+                </a:r>
+              </a:p>
+              <a:p>
+                <a:endParaRPr lang="en-US" dirty="0">
+                  <a:solidFill>
+                    <a:schemeClr val="accent1"/>
+                  </a:solidFill>
+                </a:endParaRPr>
+              </a:p>
+              <a:p>
+                <a:r>
+                  <a:rPr lang="en-US" b="1" i="1" dirty="0">
+                    <a:solidFill>
+                      <a:srgbClr val="C00000"/>
+                    </a:solidFill>
+                  </a:rPr>
+                  <a:t>Precondition</a:t>
+                </a:r>
+                <a:r>
+                  <a:rPr lang="en-US" dirty="0">
+                    <a:solidFill>
+                      <a:schemeClr val="accent1"/>
+                    </a:solidFill>
+                  </a:rPr>
+                  <a:t>: If there will be a violation on the max heap property within this tree, it can only happen at node </a:t>
+                </a:r>
+                <a14:m>
+                  <m:oMath xmlns:m="http://schemas.openxmlformats.org/officeDocument/2006/math">
+                    <m:r>
+                      <a:rPr lang="en-US" b="0" i="1" smtClean="0">
+                        <a:latin typeface="Cambria Math" panose="02040503050406030204" pitchFamily="18" charset="0"/>
+                      </a:rPr>
+                      <m:t>𝑖</m:t>
+                    </m:r>
+                  </m:oMath>
+                </a14:m>
+                <a:r>
+                  <a:rPr lang="en-US" dirty="0">
+                    <a:solidFill>
+                      <a:schemeClr val="accent1"/>
+                    </a:solidFill>
+                  </a:rPr>
+                  <a:t>. </a:t>
+                </a:r>
+              </a:p>
+              <a:p>
+                <a:r>
+                  <a:rPr lang="en-US" dirty="0">
+                    <a:solidFill>
+                      <a:schemeClr val="accent1"/>
+                    </a:solidFill>
+                  </a:rPr>
+                  <a:t>In other words, both trees rooted at </a:t>
+                </a:r>
+                <a14:m>
+                  <m:oMath xmlns:m="http://schemas.openxmlformats.org/officeDocument/2006/math">
+                    <m:r>
+                      <a:rPr lang="en-US" b="0" i="1" smtClean="0">
+                        <a:solidFill>
+                          <a:schemeClr val="tx1"/>
+                        </a:solidFill>
+                        <a:latin typeface="Cambria Math" panose="02040503050406030204" pitchFamily="18" charset="0"/>
+                      </a:rPr>
+                      <m:t>𝐿𝑒𝑓𝑡</m:t>
+                    </m:r>
+                    <m:r>
+                      <a:rPr lang="en-US" b="0" i="1" smtClean="0">
+                        <a:solidFill>
+                          <a:schemeClr val="tx1"/>
+                        </a:solidFill>
+                        <a:latin typeface="Cambria Math" panose="02040503050406030204" pitchFamily="18" charset="0"/>
+                      </a:rPr>
+                      <m:t>(</m:t>
+                    </m:r>
+                    <m:r>
+                      <a:rPr lang="en-US" b="0" i="1" smtClean="0">
+                        <a:solidFill>
+                          <a:schemeClr val="tx1"/>
+                        </a:solidFill>
+                        <a:latin typeface="Cambria Math" panose="02040503050406030204" pitchFamily="18" charset="0"/>
+                      </a:rPr>
+                      <m:t>𝑖</m:t>
+                    </m:r>
+                    <m:r>
+                      <a:rPr lang="en-US" b="0" i="1" smtClean="0">
+                        <a:solidFill>
+                          <a:schemeClr val="tx1"/>
+                        </a:solidFill>
+                        <a:latin typeface="Cambria Math" panose="02040503050406030204" pitchFamily="18" charset="0"/>
+                      </a:rPr>
+                      <m:t>)</m:t>
+                    </m:r>
+                  </m:oMath>
+                </a14:m>
+                <a:r>
+                  <a:rPr lang="en-US" dirty="0">
+                    <a:solidFill>
+                      <a:schemeClr val="tx1"/>
+                    </a:solidFill>
+                  </a:rPr>
+                  <a:t> </a:t>
+                </a:r>
+                <a:r>
+                  <a:rPr lang="en-US" dirty="0">
+                    <a:solidFill>
+                      <a:schemeClr val="accent1"/>
+                    </a:solidFill>
+                  </a:rPr>
+                  <a:t>and </a:t>
+                </a:r>
+                <a14:m>
+                  <m:oMath xmlns:m="http://schemas.openxmlformats.org/officeDocument/2006/math">
+                    <m:r>
+                      <a:rPr lang="en-US" b="0" i="1" smtClean="0">
+                        <a:latin typeface="Cambria Math" panose="02040503050406030204" pitchFamily="18" charset="0"/>
+                      </a:rPr>
+                      <m:t>𝑅𝑖𝑔h𝑡</m:t>
+                    </m:r>
+                    <m:r>
+                      <a:rPr lang="en-US" i="1">
+                        <a:latin typeface="Cambria Math" panose="02040503050406030204" pitchFamily="18" charset="0"/>
+                      </a:rPr>
+                      <m:t>(</m:t>
+                    </m:r>
+                    <m:r>
+                      <a:rPr lang="en-US" i="1">
+                        <a:latin typeface="Cambria Math" panose="02040503050406030204" pitchFamily="18" charset="0"/>
+                      </a:rPr>
+                      <m:t>𝑖</m:t>
+                    </m:r>
+                    <m:r>
+                      <a:rPr lang="en-US" i="1">
+                        <a:latin typeface="Cambria Math" panose="02040503050406030204" pitchFamily="18" charset="0"/>
+                      </a:rPr>
+                      <m:t>)</m:t>
+                    </m:r>
+                  </m:oMath>
+                </a14:m>
+                <a:r>
+                  <a:rPr lang="en-US" i="1" dirty="0"/>
+                  <a:t> </a:t>
+                </a:r>
+                <a:r>
+                  <a:rPr lang="en-US" dirty="0">
+                    <a:solidFill>
+                      <a:schemeClr val="accent1"/>
+                    </a:solidFill>
+                  </a:rPr>
+                  <a:t>obey the max heap  property.</a:t>
+                </a:r>
+                <a:br>
+                  <a:rPr lang="en-US" dirty="0">
+                    <a:solidFill>
+                      <a:schemeClr val="accent1"/>
+                    </a:solidFill>
+                  </a:rPr>
+                </a:br>
+                <a:br>
+                  <a:rPr lang="en-US" dirty="0">
+                    <a:solidFill>
+                      <a:schemeClr val="accent1"/>
+                    </a:solidFill>
+                  </a:rPr>
+                </a:br>
+                <a:r>
+                  <a:rPr lang="en-US" dirty="0">
+                    <a:solidFill>
+                      <a:schemeClr val="accent1"/>
+                    </a:solidFill>
+                  </a:rPr>
+                  <a:t>We can fix up this violation using </a:t>
+                </a:r>
+                <a14:m>
+                  <m:oMath xmlns:m="http://schemas.openxmlformats.org/officeDocument/2006/math">
+                    <m:r>
+                      <a:rPr lang="en-US" b="0" i="1" dirty="0" smtClean="0">
+                        <a:latin typeface="Cambria Math" panose="02040503050406030204" pitchFamily="18" charset="0"/>
+                      </a:rPr>
+                      <m:t>𝑀𝑎𝑥</m:t>
+                    </m:r>
+                    <m:r>
+                      <a:rPr lang="en-US" b="0" i="1" dirty="0" err="1">
+                        <a:latin typeface="Cambria Math" panose="02040503050406030204" pitchFamily="18" charset="0"/>
+                      </a:rPr>
+                      <m:t>𝐻𝑒𝑎𝑝𝑖𝑓𝑦</m:t>
+                    </m:r>
+                  </m:oMath>
+                </a14:m>
+                <a:r>
+                  <a:rPr lang="en-US" dirty="0">
+                    <a:solidFill>
+                      <a:schemeClr val="accent1"/>
+                    </a:solidFill>
+                  </a:rPr>
+                  <a:t>.</a:t>
+                </a:r>
+                <a:endParaRPr lang="en-US" i="1" dirty="0">
+                  <a:solidFill>
+                    <a:schemeClr val="accent1"/>
+                  </a:solidFill>
+                </a:endParaRPr>
+              </a:p>
+            </p:txBody>
+          </p:sp>
+        </mc:Choice>
+        <mc:Fallback xmlns="">
           <p:sp>
             <p:nvSpPr>
               <p:cNvPr id="10" name="TextBox 9">
@@ -8428,7 +9403,7 @@
 </p:sld>
 </file>
 
-<file path=ppt/slides/slide18.xml><?xml version="1.0" encoding="utf-8"?>
+<file path=ppt/slides/slide19.xml><?xml version="1.0" encoding="utf-8"?>
 <p:sld xmlns:a="http://schemas.openxmlformats.org/drawingml/2006/main" xmlns:r="http://schemas.openxmlformats.org/officeDocument/2006/relationships" xmlns:p="http://schemas.openxmlformats.org/presentationml/2006/main">
   <p:cSld>
     <p:spTree>
@@ -8955,376 +9930,6 @@
     <p:extLst>
       <p:ext uri="{BB962C8B-B14F-4D97-AF65-F5344CB8AC3E}">
         <p14:creationId xmlns:p14="http://schemas.microsoft.com/office/powerpoint/2010/main" val="3379870123"/>
-      </p:ext>
-    </p:extLst>
-  </p:cSld>
-  <p:clrMapOvr>
-    <a:masterClrMapping/>
-  </p:clrMapOvr>
-</p:sld>
-</file>
-
-<file path=ppt/slides/slide19.xml><?xml version="1.0" encoding="utf-8"?>
-<p:sld xmlns:a="http://schemas.openxmlformats.org/drawingml/2006/main" xmlns:r="http://schemas.openxmlformats.org/officeDocument/2006/relationships" xmlns:p="http://schemas.openxmlformats.org/presentationml/2006/main">
-  <p:cSld>
-    <p:spTree>
-      <p:nvGrpSpPr>
-        <p:cNvPr id="1" name=""/>
-        <p:cNvGrpSpPr/>
-        <p:nvPr/>
-      </p:nvGrpSpPr>
-      <p:grpSpPr>
-        <a:xfrm>
-          <a:off x="0" y="0"/>
-          <a:ext cx="0" cy="0"/>
-          <a:chOff x="0" y="0"/>
-          <a:chExt cx="0" cy="0"/>
-        </a:xfrm>
-      </p:grpSpPr>
-      <p:sp>
-        <p:nvSpPr>
-          <p:cNvPr id="2" name="Title 1">
-            <a:extLst>
-              <a:ext uri="{FF2B5EF4-FFF2-40B4-BE49-F238E27FC236}">
-                <a16:creationId xmlns:a16="http://schemas.microsoft.com/office/drawing/2014/main" id="{0285018D-60B7-4D63-844A-FB79D5736D01}"/>
-              </a:ext>
-            </a:extLst>
-          </p:cNvPr>
-          <p:cNvSpPr>
-            <a:spLocks noGrp="1"/>
-          </p:cNvSpPr>
-          <p:nvPr>
-            <p:ph type="title"/>
-          </p:nvPr>
-        </p:nvSpPr>
-        <p:spPr/>
-        <p:txBody>
-          <a:bodyPr/>
-          <a:lstStyle/>
-          <a:p>
-            <a:r>
-              <a:rPr lang="en-US" dirty="0">
-                <a:solidFill>
-                  <a:schemeClr val="accent1"/>
-                </a:solidFill>
-              </a:rPr>
-              <a:t>Build-Max-Heap</a:t>
-            </a:r>
-          </a:p>
-        </p:txBody>
-      </p:sp>
-      <p:sp>
-        <p:nvSpPr>
-          <p:cNvPr id="10" name="TextBox 9">
-            <a:extLst>
-              <a:ext uri="{FF2B5EF4-FFF2-40B4-BE49-F238E27FC236}">
-                <a16:creationId xmlns:a16="http://schemas.microsoft.com/office/drawing/2014/main" id="{96E3B1C5-3AE1-4B5C-9AC6-1335A3750365}"/>
-              </a:ext>
-            </a:extLst>
-          </p:cNvPr>
-          <p:cNvSpPr txBox="1"/>
-          <p:nvPr/>
-        </p:nvSpPr>
-        <p:spPr>
-          <a:xfrm>
-            <a:off x="5638800" y="2971800"/>
-            <a:ext cx="65" cy="276999"/>
-          </a:xfrm>
-          <a:prstGeom prst="rect">
-            <a:avLst/>
-          </a:prstGeom>
-          <a:noFill/>
-        </p:spPr>
-        <p:txBody>
-          <a:bodyPr wrap="none" lIns="0" tIns="0" rIns="0" bIns="0" rtlCol="0">
-            <a:spAutoFit/>
-          </a:bodyPr>
-          <a:lstStyle/>
-          <a:p>
-            <a:endParaRPr lang="en-US" dirty="0"/>
-          </a:p>
-        </p:txBody>
-      </p:sp>
-      <mc:AlternateContent xmlns:mc="http://schemas.openxmlformats.org/markup-compatibility/2006" xmlns:a14="http://schemas.microsoft.com/office/drawing/2010/main">
-        <mc:Choice Requires="a14">
-          <p:sp>
-            <p:nvSpPr>
-              <p:cNvPr id="12" name="Content Placeholder 11">
-                <a:extLst>
-                  <a:ext uri="{FF2B5EF4-FFF2-40B4-BE49-F238E27FC236}">
-                    <a16:creationId xmlns:a16="http://schemas.microsoft.com/office/drawing/2014/main" id="{58600E66-5C25-4276-A710-48E0E5ACA397}"/>
-                  </a:ext>
-                </a:extLst>
-              </p:cNvPr>
-              <p:cNvSpPr>
-                <a:spLocks noGrp="1"/>
-              </p:cNvSpPr>
-              <p:nvPr>
-                <p:ph idx="1"/>
-              </p:nvPr>
-            </p:nvSpPr>
-            <p:spPr>
-              <a:xfrm>
-                <a:off x="838200" y="1797050"/>
-                <a:ext cx="10515600" cy="4351338"/>
-              </a:xfrm>
-            </p:spPr>
-            <p:txBody>
-              <a:bodyPr/>
-              <a:lstStyle/>
-              <a:p>
-                <a:pPr marL="0" indent="0">
-                  <a:buNone/>
-                </a:pPr>
-                <a:r>
-                  <a:rPr lang="en-US" dirty="0">
-                    <a:solidFill>
-                      <a:schemeClr val="accent1"/>
-                    </a:solidFill>
-                  </a:rPr>
-                  <a:t>We can use </a:t>
-                </a:r>
-                <a14:m>
-                  <m:oMath xmlns:m="http://schemas.openxmlformats.org/officeDocument/2006/math">
-                    <m:r>
-                      <a:rPr lang="en-US" i="1" dirty="0" smtClean="0">
-                        <a:latin typeface="Cambria Math" panose="02040503050406030204" pitchFamily="18" charset="0"/>
-                      </a:rPr>
-                      <m:t>𝑀𝑎𝑥</m:t>
-                    </m:r>
-                    <m:r>
-                      <a:rPr lang="en-US" i="1" dirty="0" err="1">
-                        <a:latin typeface="Cambria Math" panose="02040503050406030204" pitchFamily="18" charset="0"/>
-                      </a:rPr>
-                      <m:t>𝐻𝑒𝑎𝑝𝑖𝑓𝑦</m:t>
-                    </m:r>
-                  </m:oMath>
-                </a14:m>
-                <a:r>
-                  <a:rPr lang="en-US" dirty="0">
-                    <a:solidFill>
-                      <a:schemeClr val="accent1"/>
-                    </a:solidFill>
-                  </a:rPr>
-                  <a:t> in a </a:t>
-                </a:r>
-                <a:r>
-                  <a:rPr lang="en-US" b="1" i="1" dirty="0">
-                    <a:solidFill>
-                      <a:srgbClr val="FF0000"/>
-                    </a:solidFill>
-                  </a:rPr>
-                  <a:t>bottom-up manner </a:t>
-                </a:r>
-                <a:r>
-                  <a:rPr lang="en-US" dirty="0">
-                    <a:solidFill>
-                      <a:schemeClr val="accent1"/>
-                    </a:solidFill>
-                  </a:rPr>
-                  <a:t>to convert an array </a:t>
-                </a:r>
-                <a14:m>
-                  <m:oMath xmlns:m="http://schemas.openxmlformats.org/officeDocument/2006/math">
-                    <m:r>
-                      <a:rPr lang="en-US" b="0" i="1" smtClean="0">
-                        <a:latin typeface="Cambria Math" panose="02040503050406030204" pitchFamily="18" charset="0"/>
-                      </a:rPr>
-                      <m:t>𝐴</m:t>
-                    </m:r>
-                    <m:r>
-                      <a:rPr lang="en-US" b="0" i="1" smtClean="0">
-                        <a:latin typeface="Cambria Math" panose="02040503050406030204" pitchFamily="18" charset="0"/>
-                      </a:rPr>
-                      <m:t>[1…</m:t>
-                    </m:r>
-                    <m:r>
-                      <a:rPr lang="en-US" b="0" i="1" smtClean="0">
-                        <a:latin typeface="Cambria Math" panose="02040503050406030204" pitchFamily="18" charset="0"/>
-                      </a:rPr>
-                      <m:t>𝑛</m:t>
-                    </m:r>
-                    <m:r>
-                      <a:rPr lang="en-US" b="0" i="1" smtClean="0">
-                        <a:latin typeface="Cambria Math" panose="02040503050406030204" pitchFamily="18" charset="0"/>
-                      </a:rPr>
-                      <m:t>]</m:t>
-                    </m:r>
-                  </m:oMath>
-                </a14:m>
-                <a:r>
-                  <a:rPr lang="en-US" dirty="0"/>
-                  <a:t> </a:t>
-                </a:r>
-                <a:r>
-                  <a:rPr lang="en-US" dirty="0">
-                    <a:solidFill>
-                      <a:schemeClr val="accent1"/>
-                    </a:solidFill>
-                  </a:rPr>
-                  <a:t>into a max heap as follows.</a:t>
-                </a:r>
-              </a:p>
-              <a:p>
-                <a:pPr marL="0" indent="0">
-                  <a:buNone/>
-                </a:pPr>
-                <a:endParaRPr lang="en-US" dirty="0">
-                  <a:solidFill>
-                    <a:schemeClr val="accent1"/>
-                  </a:solidFill>
-                </a:endParaRPr>
-              </a:p>
-              <a:p>
-                <a:pPr marL="0" indent="0">
-                  <a:buNone/>
-                </a:pPr>
-                <a:endParaRPr lang="en-US" dirty="0">
-                  <a:solidFill>
-                    <a:schemeClr val="accent1"/>
-                  </a:solidFill>
-                </a:endParaRPr>
-              </a:p>
-              <a:p>
-                <a:pPr marL="0" indent="0">
-                  <a:buNone/>
-                </a:pPr>
-                <a:endParaRPr lang="en-US" dirty="0">
-                  <a:solidFill>
-                    <a:schemeClr val="accent1"/>
-                  </a:solidFill>
-                </a:endParaRPr>
-              </a:p>
-              <a:p>
-                <a:pPr marL="0" indent="0">
-                  <a:buNone/>
-                </a:pPr>
-                <a:endParaRPr lang="en-US" dirty="0">
-                  <a:solidFill>
-                    <a:schemeClr val="accent1"/>
-                  </a:solidFill>
-                </a:endParaRPr>
-              </a:p>
-              <a:p>
-                <a:pPr marL="0" indent="0">
-                  <a:buNone/>
-                </a:pPr>
-                <a:endParaRPr lang="en-US" dirty="0">
-                  <a:solidFill>
-                    <a:schemeClr val="accent1"/>
-                  </a:solidFill>
-                </a:endParaRPr>
-              </a:p>
-              <a:p>
-                <a:pPr marL="0" indent="0">
-                  <a:buNone/>
-                </a:pPr>
-                <a:r>
-                  <a:rPr lang="en-US" dirty="0">
-                    <a:solidFill>
-                      <a:schemeClr val="accent1"/>
-                    </a:solidFill>
-                  </a:rPr>
-                  <a:t>But, can we do better?</a:t>
-                </a:r>
-              </a:p>
-              <a:p>
-                <a:pPr marL="0" indent="0">
-                  <a:buNone/>
-                </a:pPr>
-                <a:endParaRPr lang="en-US" dirty="0">
-                  <a:solidFill>
-                    <a:schemeClr val="accent1"/>
-                  </a:solidFill>
-                </a:endParaRPr>
-              </a:p>
-            </p:txBody>
-          </p:sp>
-        </mc:Choice>
-        <mc:Fallback xmlns="">
-          <p:sp>
-            <p:nvSpPr>
-              <p:cNvPr id="12" name="Content Placeholder 11">
-                <a:extLst>
-                  <a:ext uri="{FF2B5EF4-FFF2-40B4-BE49-F238E27FC236}">
-                    <a16:creationId xmlns:a16="http://schemas.microsoft.com/office/drawing/2014/main" id="{58600E66-5C25-4276-A710-48E0E5ACA397}"/>
-                  </a:ext>
-                </a:extLst>
-              </p:cNvPr>
-              <p:cNvSpPr>
-                <a:spLocks noGrp="1" noRot="1" noChangeAspect="1" noMove="1" noResize="1" noEditPoints="1" noAdjustHandles="1" noChangeArrowheads="1" noChangeShapeType="1" noTextEdit="1"/>
-              </p:cNvSpPr>
-              <p:nvPr>
-                <p:ph idx="1"/>
-              </p:nvPr>
-            </p:nvSpPr>
-            <p:spPr>
-              <a:xfrm>
-                <a:off x="838200" y="1797050"/>
-                <a:ext cx="10515600" cy="4351338"/>
-              </a:xfrm>
-              <a:blipFill>
-                <a:blip r:embed="rId2"/>
-                <a:stretch>
-                  <a:fillRect l="-1217" t="-2381"/>
-                </a:stretch>
-              </a:blipFill>
-            </p:spPr>
-            <p:txBody>
-              <a:bodyPr/>
-              <a:lstStyle/>
-              <a:p>
-                <a:r>
-                  <a:rPr lang="en-US">
-                    <a:noFill/>
-                  </a:rPr>
-                  <a:t> </a:t>
-                </a:r>
-              </a:p>
-            </p:txBody>
-          </p:sp>
-        </mc:Fallback>
-      </mc:AlternateContent>
-      <p:pic>
-        <p:nvPicPr>
-          <p:cNvPr id="14" name="Picture 13">
-            <a:extLst>
-              <a:ext uri="{FF2B5EF4-FFF2-40B4-BE49-F238E27FC236}">
-                <a16:creationId xmlns:a16="http://schemas.microsoft.com/office/drawing/2014/main" id="{E36257E0-3626-4161-A918-B55F80F68760}"/>
-              </a:ext>
-            </a:extLst>
-          </p:cNvPr>
-          <p:cNvPicPr>
-            <a:picLocks noChangeAspect="1"/>
-          </p:cNvPicPr>
-          <p:nvPr/>
-        </p:nvPicPr>
-        <p:blipFill>
-          <a:blip r:embed="rId3">
-            <a:extLst>
-              <a:ext uri="{28A0092B-C50C-407E-A947-70E740481C1C}">
-                <a14:useLocalDpi xmlns:a14="http://schemas.microsoft.com/office/drawing/2010/main" val="0"/>
-              </a:ext>
-            </a:extLst>
-          </a:blip>
-          <a:stretch>
-            <a:fillRect/>
-          </a:stretch>
-        </p:blipFill>
-        <p:spPr>
-          <a:xfrm>
-            <a:off x="3479872" y="3383736"/>
-            <a:ext cx="5568878" cy="1666875"/>
-          </a:xfrm>
-          <a:prstGeom prst="rect">
-            <a:avLst/>
-          </a:prstGeom>
-        </p:spPr>
-      </p:pic>
-    </p:spTree>
-    <p:extLst>
-      <p:ext uri="{BB962C8B-B14F-4D97-AF65-F5344CB8AC3E}">
-        <p14:creationId xmlns:p14="http://schemas.microsoft.com/office/powerpoint/2010/main" val="3022403271"/>
       </p:ext>
     </p:extLst>
   </p:cSld>
@@ -9573,9 +10178,7 @@
               </a:xfrm>
             </p:spPr>
             <p:txBody>
-              <a:bodyPr>
-                <a:normAutofit/>
-              </a:bodyPr>
+              <a:bodyPr/>
               <a:lstStyle/>
               <a:p>
                 <a:pPr marL="0" indent="0">
@@ -9592,7 +10195,7 @@
                 <a14:m>
                   <m:oMath xmlns:m="http://schemas.openxmlformats.org/officeDocument/2006/math">
                     <m:r>
-                      <a:rPr lang="en-US" i="1" dirty="0">
+                      <a:rPr lang="en-US" i="1" dirty="0" smtClean="0">
                         <a:latin typeface="Cambria Math" panose="02040503050406030204" pitchFamily="18" charset="0"/>
                       </a:rPr>
                       <m:t>𝑀𝑎𝑥</m:t>
@@ -9725,6 +10328,378 @@
                   <a:buNone/>
                 </a:pPr>
                 <a:r>
+                  <a:rPr lang="en-US" dirty="0">
+                    <a:solidFill>
+                      <a:schemeClr val="accent1"/>
+                    </a:solidFill>
+                  </a:rPr>
+                  <a:t>But, can we do better?</a:t>
+                </a:r>
+              </a:p>
+              <a:p>
+                <a:pPr marL="0" indent="0">
+                  <a:buNone/>
+                </a:pPr>
+                <a:endParaRPr lang="en-US" dirty="0">
+                  <a:solidFill>
+                    <a:schemeClr val="accent1"/>
+                  </a:solidFill>
+                </a:endParaRPr>
+              </a:p>
+            </p:txBody>
+          </p:sp>
+        </mc:Choice>
+        <mc:Fallback xmlns="">
+          <p:sp>
+            <p:nvSpPr>
+              <p:cNvPr id="12" name="Content Placeholder 11">
+                <a:extLst>
+                  <a:ext uri="{FF2B5EF4-FFF2-40B4-BE49-F238E27FC236}">
+                    <a16:creationId xmlns:a16="http://schemas.microsoft.com/office/drawing/2014/main" id="{58600E66-5C25-4276-A710-48E0E5ACA397}"/>
+                  </a:ext>
+                </a:extLst>
+              </p:cNvPr>
+              <p:cNvSpPr>
+                <a:spLocks noGrp="1" noRot="1" noChangeAspect="1" noMove="1" noResize="1" noEditPoints="1" noAdjustHandles="1" noChangeArrowheads="1" noChangeShapeType="1" noTextEdit="1"/>
+              </p:cNvSpPr>
+              <p:nvPr>
+                <p:ph idx="1"/>
+              </p:nvPr>
+            </p:nvSpPr>
+            <p:spPr>
+              <a:xfrm>
+                <a:off x="838200" y="1797050"/>
+                <a:ext cx="10515600" cy="4351338"/>
+              </a:xfrm>
+              <a:blipFill>
+                <a:blip r:embed="rId2"/>
+                <a:stretch>
+                  <a:fillRect l="-1217" t="-2381"/>
+                </a:stretch>
+              </a:blipFill>
+            </p:spPr>
+            <p:txBody>
+              <a:bodyPr/>
+              <a:lstStyle/>
+              <a:p>
+                <a:r>
+                  <a:rPr lang="en-US">
+                    <a:noFill/>
+                  </a:rPr>
+                  <a:t> </a:t>
+                </a:r>
+              </a:p>
+            </p:txBody>
+          </p:sp>
+        </mc:Fallback>
+      </mc:AlternateContent>
+      <p:pic>
+        <p:nvPicPr>
+          <p:cNvPr id="14" name="Picture 13">
+            <a:extLst>
+              <a:ext uri="{FF2B5EF4-FFF2-40B4-BE49-F238E27FC236}">
+                <a16:creationId xmlns:a16="http://schemas.microsoft.com/office/drawing/2014/main" id="{E36257E0-3626-4161-A918-B55F80F68760}"/>
+              </a:ext>
+            </a:extLst>
+          </p:cNvPr>
+          <p:cNvPicPr>
+            <a:picLocks noChangeAspect="1"/>
+          </p:cNvPicPr>
+          <p:nvPr/>
+        </p:nvPicPr>
+        <p:blipFill>
+          <a:blip r:embed="rId3">
+            <a:extLst>
+              <a:ext uri="{28A0092B-C50C-407E-A947-70E740481C1C}">
+                <a14:useLocalDpi xmlns:a14="http://schemas.microsoft.com/office/drawing/2010/main" val="0"/>
+              </a:ext>
+            </a:extLst>
+          </a:blip>
+          <a:stretch>
+            <a:fillRect/>
+          </a:stretch>
+        </p:blipFill>
+        <p:spPr>
+          <a:xfrm>
+            <a:off x="3479872" y="3383736"/>
+            <a:ext cx="5568878" cy="1666875"/>
+          </a:xfrm>
+          <a:prstGeom prst="rect">
+            <a:avLst/>
+          </a:prstGeom>
+        </p:spPr>
+      </p:pic>
+    </p:spTree>
+    <p:extLst>
+      <p:ext uri="{BB962C8B-B14F-4D97-AF65-F5344CB8AC3E}">
+        <p14:creationId xmlns:p14="http://schemas.microsoft.com/office/powerpoint/2010/main" val="3022403271"/>
+      </p:ext>
+    </p:extLst>
+  </p:cSld>
+  <p:clrMapOvr>
+    <a:masterClrMapping/>
+  </p:clrMapOvr>
+</p:sld>
+</file>
+
+<file path=ppt/slides/slide21.xml><?xml version="1.0" encoding="utf-8"?>
+<p:sld xmlns:a="http://schemas.openxmlformats.org/drawingml/2006/main" xmlns:r="http://schemas.openxmlformats.org/officeDocument/2006/relationships" xmlns:p="http://schemas.openxmlformats.org/presentationml/2006/main">
+  <p:cSld>
+    <p:spTree>
+      <p:nvGrpSpPr>
+        <p:cNvPr id="1" name=""/>
+        <p:cNvGrpSpPr/>
+        <p:nvPr/>
+      </p:nvGrpSpPr>
+      <p:grpSpPr>
+        <a:xfrm>
+          <a:off x="0" y="0"/>
+          <a:ext cx="0" cy="0"/>
+          <a:chOff x="0" y="0"/>
+          <a:chExt cx="0" cy="0"/>
+        </a:xfrm>
+      </p:grpSpPr>
+      <p:sp>
+        <p:nvSpPr>
+          <p:cNvPr id="2" name="Title 1">
+            <a:extLst>
+              <a:ext uri="{FF2B5EF4-FFF2-40B4-BE49-F238E27FC236}">
+                <a16:creationId xmlns:a16="http://schemas.microsoft.com/office/drawing/2014/main" id="{0285018D-60B7-4D63-844A-FB79D5736D01}"/>
+              </a:ext>
+            </a:extLst>
+          </p:cNvPr>
+          <p:cNvSpPr>
+            <a:spLocks noGrp="1"/>
+          </p:cNvSpPr>
+          <p:nvPr>
+            <p:ph type="title"/>
+          </p:nvPr>
+        </p:nvSpPr>
+        <p:spPr/>
+        <p:txBody>
+          <a:bodyPr/>
+          <a:lstStyle/>
+          <a:p>
+            <a:r>
+              <a:rPr lang="en-US" dirty="0">
+                <a:solidFill>
+                  <a:schemeClr val="accent1"/>
+                </a:solidFill>
+              </a:rPr>
+              <a:t>Build-Max-Heap</a:t>
+            </a:r>
+          </a:p>
+        </p:txBody>
+      </p:sp>
+      <p:sp>
+        <p:nvSpPr>
+          <p:cNvPr id="10" name="TextBox 9">
+            <a:extLst>
+              <a:ext uri="{FF2B5EF4-FFF2-40B4-BE49-F238E27FC236}">
+                <a16:creationId xmlns:a16="http://schemas.microsoft.com/office/drawing/2014/main" id="{96E3B1C5-3AE1-4B5C-9AC6-1335A3750365}"/>
+              </a:ext>
+            </a:extLst>
+          </p:cNvPr>
+          <p:cNvSpPr txBox="1"/>
+          <p:nvPr/>
+        </p:nvSpPr>
+        <p:spPr>
+          <a:xfrm>
+            <a:off x="5638800" y="2971800"/>
+            <a:ext cx="65" cy="276999"/>
+          </a:xfrm>
+          <a:prstGeom prst="rect">
+            <a:avLst/>
+          </a:prstGeom>
+          <a:noFill/>
+        </p:spPr>
+        <p:txBody>
+          <a:bodyPr wrap="none" lIns="0" tIns="0" rIns="0" bIns="0" rtlCol="0">
+            <a:spAutoFit/>
+          </a:bodyPr>
+          <a:lstStyle/>
+          <a:p>
+            <a:endParaRPr lang="en-US" dirty="0"/>
+          </a:p>
+        </p:txBody>
+      </p:sp>
+      <mc:AlternateContent xmlns:mc="http://schemas.openxmlformats.org/markup-compatibility/2006" xmlns:a14="http://schemas.microsoft.com/office/drawing/2010/main">
+        <mc:Choice Requires="a14">
+          <p:sp>
+            <p:nvSpPr>
+              <p:cNvPr id="12" name="Content Placeholder 11">
+                <a:extLst>
+                  <a:ext uri="{FF2B5EF4-FFF2-40B4-BE49-F238E27FC236}">
+                    <a16:creationId xmlns:a16="http://schemas.microsoft.com/office/drawing/2014/main" id="{58600E66-5C25-4276-A710-48E0E5ACA397}"/>
+                  </a:ext>
+                </a:extLst>
+              </p:cNvPr>
+              <p:cNvSpPr>
+                <a:spLocks noGrp="1"/>
+              </p:cNvSpPr>
+              <p:nvPr>
+                <p:ph idx="1"/>
+              </p:nvPr>
+            </p:nvSpPr>
+            <p:spPr>
+              <a:xfrm>
+                <a:off x="838200" y="1797050"/>
+                <a:ext cx="10515600" cy="4351338"/>
+              </a:xfrm>
+            </p:spPr>
+            <p:txBody>
+              <a:bodyPr>
+                <a:normAutofit/>
+              </a:bodyPr>
+              <a:lstStyle/>
+              <a:p>
+                <a:pPr marL="0" indent="0">
+                  <a:buNone/>
+                </a:pPr>
+                <a:r>
+                  <a:rPr lang="en-US" dirty="0">
+                    <a:solidFill>
+                      <a:schemeClr val="accent1"/>
+                    </a:solidFill>
+                  </a:rPr>
+                  <a:t>We can use </a:t>
+                </a:r>
+                <a14:m>
+                  <m:oMath xmlns:m="http://schemas.openxmlformats.org/officeDocument/2006/math">
+                    <m:r>
+                      <a:rPr lang="en-US" i="1" dirty="0">
+                        <a:latin typeface="Cambria Math" panose="02040503050406030204" pitchFamily="18" charset="0"/>
+                      </a:rPr>
+                      <m:t>𝑀𝑎𝑥</m:t>
+                    </m:r>
+                    <m:r>
+                      <a:rPr lang="en-US" i="1" dirty="0" err="1">
+                        <a:latin typeface="Cambria Math" panose="02040503050406030204" pitchFamily="18" charset="0"/>
+                      </a:rPr>
+                      <m:t>𝐻𝑒𝑎𝑝𝑖𝑓𝑦</m:t>
+                    </m:r>
+                  </m:oMath>
+                </a14:m>
+                <a:r>
+                  <a:rPr lang="en-US" dirty="0">
+                    <a:solidFill>
+                      <a:schemeClr val="accent1"/>
+                    </a:solidFill>
+                  </a:rPr>
+                  <a:t> in a </a:t>
+                </a:r>
+                <a:r>
+                  <a:rPr lang="en-US" b="1" i="1" dirty="0">
+                    <a:solidFill>
+                      <a:srgbClr val="FF0000"/>
+                    </a:solidFill>
+                  </a:rPr>
+                  <a:t>bottom-up manner </a:t>
+                </a:r>
+                <a:r>
+                  <a:rPr lang="en-US" dirty="0">
+                    <a:solidFill>
+                      <a:schemeClr val="accent1"/>
+                    </a:solidFill>
+                  </a:rPr>
+                  <a:t>to convert an array </a:t>
+                </a:r>
+                <a14:m>
+                  <m:oMath xmlns:m="http://schemas.openxmlformats.org/officeDocument/2006/math">
+                    <m:r>
+                      <a:rPr lang="en-US" b="0" i="1" smtClean="0">
+                        <a:latin typeface="Cambria Math" panose="02040503050406030204" pitchFamily="18" charset="0"/>
+                      </a:rPr>
+                      <m:t>𝐴</m:t>
+                    </m:r>
+                    <m:r>
+                      <a:rPr lang="en-US" b="0" i="1" smtClean="0">
+                        <a:latin typeface="Cambria Math" panose="02040503050406030204" pitchFamily="18" charset="0"/>
+                      </a:rPr>
+                      <m:t>[1…</m:t>
+                    </m:r>
+                    <m:r>
+                      <a:rPr lang="en-US" b="0" i="1" smtClean="0">
+                        <a:latin typeface="Cambria Math" panose="02040503050406030204" pitchFamily="18" charset="0"/>
+                      </a:rPr>
+                      <m:t>𝑛</m:t>
+                    </m:r>
+                    <m:r>
+                      <a:rPr lang="en-US" b="0" i="1" smtClean="0">
+                        <a:latin typeface="Cambria Math" panose="02040503050406030204" pitchFamily="18" charset="0"/>
+                      </a:rPr>
+                      <m:t>]</m:t>
+                    </m:r>
+                  </m:oMath>
+                </a14:m>
+                <a:r>
+                  <a:rPr lang="en-US" dirty="0"/>
+                  <a:t> </a:t>
+                </a:r>
+                <a:r>
+                  <a:rPr lang="en-US" dirty="0">
+                    <a:solidFill>
+                      <a:schemeClr val="accent1"/>
+                    </a:solidFill>
+                  </a:rPr>
+                  <a:t>into a max heap as follows.</a:t>
+                </a:r>
+              </a:p>
+              <a:p>
+                <a:pPr marL="0" indent="0">
+                  <a:buNone/>
+                </a:pPr>
+                <a:endParaRPr lang="en-US" dirty="0">
+                  <a:solidFill>
+                    <a:schemeClr val="accent1"/>
+                  </a:solidFill>
+                </a:endParaRPr>
+              </a:p>
+              <a:p>
+                <a:pPr marL="0" indent="0">
+                  <a:buNone/>
+                </a:pPr>
+                <a:endParaRPr lang="en-US" dirty="0">
+                  <a:solidFill>
+                    <a:schemeClr val="accent1"/>
+                  </a:solidFill>
+                </a:endParaRPr>
+              </a:p>
+              <a:p>
+                <a:pPr marL="0" indent="0">
+                  <a:buNone/>
+                </a:pPr>
+                <a:endParaRPr lang="en-US" dirty="0">
+                  <a:solidFill>
+                    <a:schemeClr val="accent1"/>
+                  </a:solidFill>
+                </a:endParaRPr>
+              </a:p>
+              <a:p>
+                <a:pPr marL="0" indent="0">
+                  <a:buNone/>
+                </a:pPr>
+                <a:endParaRPr lang="en-US" dirty="0">
+                  <a:solidFill>
+                    <a:schemeClr val="accent1"/>
+                  </a:solidFill>
+                </a:endParaRPr>
+              </a:p>
+              <a:p>
+                <a:pPr marL="0" indent="0">
+                  <a:buNone/>
+                </a:pPr>
+                <a:endParaRPr lang="en-US" dirty="0">
+                  <a:solidFill>
+                    <a:schemeClr val="accent1"/>
+                  </a:solidFill>
+                </a:endParaRPr>
+              </a:p>
+              <a:p>
+                <a:pPr marL="0" indent="0">
+                  <a:buNone/>
+                </a:pPr>
+                <a:r>
                   <a:rPr lang="en-US" b="1" i="1" u="sng" dirty="0">
                     <a:solidFill>
                       <a:srgbClr val="FF0000"/>
@@ -9989,7 +10964,7 @@
 </p:sld>
 </file>
 
-<file path=ppt/slides/slide21.xml><?xml version="1.0" encoding="utf-8"?>
+<file path=ppt/slides/slide22.xml><?xml version="1.0" encoding="utf-8"?>
 <p:sld xmlns:a="http://schemas.openxmlformats.org/drawingml/2006/main" xmlns:r="http://schemas.openxmlformats.org/officeDocument/2006/relationships" xmlns:p="http://schemas.openxmlformats.org/presentationml/2006/main">
   <p:cSld>
     <p:spTree>
@@ -10568,7 +11543,7 @@
 </p:sld>
 </file>
 
-<file path=ppt/slides/slide22.xml><?xml version="1.0" encoding="utf-8"?>
+<file path=ppt/slides/slide23.xml><?xml version="1.0" encoding="utf-8"?>
 <p:sld xmlns:a="http://schemas.openxmlformats.org/drawingml/2006/main" xmlns:r="http://schemas.openxmlformats.org/officeDocument/2006/relationships" xmlns:p="http://schemas.openxmlformats.org/presentationml/2006/main">
   <p:cSld>
     <p:spTree>
@@ -11293,7 +12268,7 @@
 </p:sld>
 </file>
 
-<file path=ppt/slides/slide23.xml><?xml version="1.0" encoding="utf-8"?>
+<file path=ppt/slides/slide24.xml><?xml version="1.0" encoding="utf-8"?>
 <p:sld xmlns:a="http://schemas.openxmlformats.org/drawingml/2006/main" xmlns:r="http://schemas.openxmlformats.org/officeDocument/2006/relationships" xmlns:p="http://schemas.openxmlformats.org/presentationml/2006/main">
   <p:cSld>
     <p:spTree>
@@ -11342,8 +12317,8 @@
           </a:p>
         </p:txBody>
       </p:sp>
-      <mc:AlternateContent xmlns:mc="http://schemas.openxmlformats.org/markup-compatibility/2006">
-        <mc:Choice xmlns:a14="http://schemas.microsoft.com/office/drawing/2010/main" Requires="a14">
+      <mc:AlternateContent xmlns:mc="http://schemas.openxmlformats.org/markup-compatibility/2006" xmlns:a14="http://schemas.microsoft.com/office/drawing/2010/main">
+        <mc:Choice Requires="a14">
           <p:sp>
             <p:nvSpPr>
               <p:cNvPr id="3" name="Content Placeholder 2">
@@ -11689,7 +12664,7 @@
             </p:txBody>
           </p:sp>
         </mc:Choice>
-        <mc:Fallback>
+        <mc:Fallback xmlns="">
           <p:sp>
             <p:nvSpPr>
               <p:cNvPr id="3" name="Content Placeholder 2">
@@ -11742,7 +12717,7 @@
 </p:sld>
 </file>
 
-<file path=ppt/slides/slide24.xml><?xml version="1.0" encoding="utf-8"?>
+<file path=ppt/slides/slide25.xml><?xml version="1.0" encoding="utf-8"?>
 <p:sld xmlns:a="http://schemas.openxmlformats.org/drawingml/2006/main" xmlns:r="http://schemas.openxmlformats.org/officeDocument/2006/relationships" xmlns:p="http://schemas.openxmlformats.org/presentationml/2006/main">
   <p:cSld>
     <p:spTree>
@@ -12450,7 +13425,7 @@
 </p:sld>
 </file>
 
-<file path=ppt/slides/slide25.xml><?xml version="1.0" encoding="utf-8"?>
+<file path=ppt/slides/slide26.xml><?xml version="1.0" encoding="utf-8"?>
 <p:sld xmlns:a="http://schemas.openxmlformats.org/drawingml/2006/main" xmlns:r="http://schemas.openxmlformats.org/officeDocument/2006/relationships" xmlns:p="http://schemas.openxmlformats.org/presentationml/2006/main">
   <p:cSld>
     <p:spTree>
@@ -13183,7 +14158,7 @@
 </p:sld>
 </file>
 
-<file path=ppt/slides/slide26.xml><?xml version="1.0" encoding="utf-8"?>
+<file path=ppt/slides/slide27.xml><?xml version="1.0" encoding="utf-8"?>
 <p:sld xmlns:a="http://schemas.openxmlformats.org/drawingml/2006/main" xmlns:r="http://schemas.openxmlformats.org/officeDocument/2006/relationships" xmlns:p="http://schemas.openxmlformats.org/presentationml/2006/main">
   <p:cSld>
     <p:spTree>
@@ -14579,7 +15554,7 @@
 </p:sld>
 </file>
 
-<file path=ppt/slides/slide27.xml><?xml version="1.0" encoding="utf-8"?>
+<file path=ppt/slides/slide28.xml><?xml version="1.0" encoding="utf-8"?>
 <p:sld xmlns:a="http://schemas.openxmlformats.org/drawingml/2006/main" xmlns:r="http://schemas.openxmlformats.org/officeDocument/2006/relationships" xmlns:p="http://schemas.openxmlformats.org/presentationml/2006/main">
   <p:cSld>
     <p:spTree>
@@ -16084,7 +17059,7 @@
 </p:sld>
 </file>
 
-<file path=ppt/slides/slide28.xml><?xml version="1.0" encoding="utf-8"?>
+<file path=ppt/slides/slide29.xml><?xml version="1.0" encoding="utf-8"?>
 <p:sld xmlns:a="http://schemas.openxmlformats.org/drawingml/2006/main" xmlns:r="http://schemas.openxmlformats.org/officeDocument/2006/relationships" xmlns:p="http://schemas.openxmlformats.org/presentationml/2006/main">
   <p:cSld>
     <p:spTree>
@@ -17371,7 +18346,458 @@
 </p:sld>
 </file>
 
-<file path=ppt/slides/slide29.xml><?xml version="1.0" encoding="utf-8"?>
+<file path=ppt/slides/slide3.xml><?xml version="1.0" encoding="utf-8"?>
+<p:sld xmlns:a="http://schemas.openxmlformats.org/drawingml/2006/main" xmlns:r="http://schemas.openxmlformats.org/officeDocument/2006/relationships" xmlns:p="http://schemas.openxmlformats.org/presentationml/2006/main">
+  <p:cSld>
+    <p:spTree>
+      <p:nvGrpSpPr>
+        <p:cNvPr id="1" name=""/>
+        <p:cNvGrpSpPr/>
+        <p:nvPr/>
+      </p:nvGrpSpPr>
+      <p:grpSpPr>
+        <a:xfrm>
+          <a:off x="0" y="0"/>
+          <a:ext cx="0" cy="0"/>
+          <a:chOff x="0" y="0"/>
+          <a:chExt cx="0" cy="0"/>
+        </a:xfrm>
+      </p:grpSpPr>
+      <p:sp>
+        <p:nvSpPr>
+          <p:cNvPr id="2" name="Title 1"/>
+          <p:cNvSpPr>
+            <a:spLocks noGrp="1"/>
+          </p:cNvSpPr>
+          <p:nvPr>
+            <p:ph type="title"/>
+          </p:nvPr>
+        </p:nvSpPr>
+        <p:spPr/>
+        <p:txBody>
+          <a:bodyPr/>
+          <a:lstStyle/>
+          <a:p>
+            <a:r>
+              <a:rPr lang="en-US" dirty="0">
+                <a:solidFill>
+                  <a:schemeClr val="accent1"/>
+                </a:solidFill>
+              </a:rPr>
+              <a:t>Stack</a:t>
+            </a:r>
+          </a:p>
+        </p:txBody>
+      </p:sp>
+      <mc:AlternateContent xmlns:mc="http://schemas.openxmlformats.org/markup-compatibility/2006" xmlns:a14="http://schemas.microsoft.com/office/drawing/2010/main">
+        <mc:Choice Requires="a14">
+          <p:sp>
+            <p:nvSpPr>
+              <p:cNvPr id="3" name="Content Placeholder 2"/>
+              <p:cNvSpPr>
+                <a:spLocks noGrp="1"/>
+              </p:cNvSpPr>
+              <p:nvPr>
+                <p:ph idx="1"/>
+              </p:nvPr>
+            </p:nvSpPr>
+            <p:spPr/>
+            <p:txBody>
+              <a:bodyPr>
+                <a:normAutofit/>
+              </a:bodyPr>
+              <a:lstStyle/>
+              <a:p>
+                <a:pPr marL="0" indent="0">
+                  <a:buNone/>
+                </a:pPr>
+                <a:r>
+                  <a:rPr lang="en-US" dirty="0">
+                    <a:solidFill>
+                      <a:schemeClr val="accent1"/>
+                    </a:solidFill>
+                  </a:rPr>
+                  <a:t>A stack </a:t>
+                </a:r>
+                <a14:m>
+                  <m:oMath xmlns:m="http://schemas.openxmlformats.org/officeDocument/2006/math">
+                    <m:r>
+                      <a:rPr lang="en-US" b="0" i="1" smtClean="0">
+                        <a:solidFill>
+                          <a:schemeClr val="tx1"/>
+                        </a:solidFill>
+                        <a:latin typeface="Cambria Math" panose="02040503050406030204" pitchFamily="18" charset="0"/>
+                      </a:rPr>
+                      <m:t>𝑆</m:t>
+                    </m:r>
+                  </m:oMath>
+                </a14:m>
+                <a:r>
+                  <a:rPr lang="en-US" dirty="0">
+                    <a:solidFill>
+                      <a:schemeClr val="accent1"/>
+                    </a:solidFill>
+                  </a:rPr>
+                  <a:t> consists of elements </a:t>
+                </a:r>
+                <a14:m>
+                  <m:oMath xmlns:m="http://schemas.openxmlformats.org/officeDocument/2006/math">
+                    <m:r>
+                      <a:rPr lang="en-US" b="0" i="1" smtClean="0">
+                        <a:solidFill>
+                          <a:schemeClr val="tx1"/>
+                        </a:solidFill>
+                        <a:latin typeface="Cambria Math" panose="02040503050406030204" pitchFamily="18" charset="0"/>
+                      </a:rPr>
+                      <m:t>𝑆</m:t>
+                    </m:r>
+                    <m:d>
+                      <m:dPr>
+                        <m:begChr m:val="["/>
+                        <m:endChr m:val="]"/>
+                        <m:ctrlPr>
+                          <a:rPr lang="en-US" b="0" i="1" smtClean="0">
+                            <a:solidFill>
+                              <a:schemeClr val="tx1"/>
+                            </a:solidFill>
+                            <a:latin typeface="Cambria Math" panose="02040503050406030204" pitchFamily="18" charset="0"/>
+                          </a:rPr>
+                        </m:ctrlPr>
+                      </m:dPr>
+                      <m:e>
+                        <m:r>
+                          <a:rPr lang="en-US" b="0" i="1" smtClean="0">
+                            <a:solidFill>
+                              <a:schemeClr val="tx1"/>
+                            </a:solidFill>
+                            <a:latin typeface="Cambria Math" panose="02040503050406030204" pitchFamily="18" charset="0"/>
+                          </a:rPr>
+                          <m:t>1…</m:t>
+                        </m:r>
+                        <m:r>
+                          <a:rPr lang="en-US" b="0" i="1" smtClean="0">
+                            <a:solidFill>
+                              <a:schemeClr val="tx1"/>
+                            </a:solidFill>
+                            <a:latin typeface="Cambria Math" panose="02040503050406030204" pitchFamily="18" charset="0"/>
+                          </a:rPr>
+                          <m:t>𝑆</m:t>
+                        </m:r>
+                        <m:r>
+                          <a:rPr lang="en-US" b="0" i="1" smtClean="0">
+                            <a:solidFill>
+                              <a:schemeClr val="tx1"/>
+                            </a:solidFill>
+                            <a:latin typeface="Cambria Math" panose="02040503050406030204" pitchFamily="18" charset="0"/>
+                          </a:rPr>
+                          <m:t>.</m:t>
+                        </m:r>
+                        <m:r>
+                          <a:rPr lang="en-US" b="0" i="1" smtClean="0">
+                            <a:solidFill>
+                              <a:schemeClr val="tx1"/>
+                            </a:solidFill>
+                            <a:latin typeface="Cambria Math" panose="02040503050406030204" pitchFamily="18" charset="0"/>
+                          </a:rPr>
+                          <m:t>𝑡𝑜𝑝</m:t>
+                        </m:r>
+                      </m:e>
+                    </m:d>
+                  </m:oMath>
+                </a14:m>
+                <a:endParaRPr lang="en-US" dirty="0">
+                  <a:solidFill>
+                    <a:schemeClr val="accent1"/>
+                  </a:solidFill>
+                </a:endParaRPr>
+              </a:p>
+              <a:p>
+                <a14:m>
+                  <m:oMath xmlns:m="http://schemas.openxmlformats.org/officeDocument/2006/math">
+                    <m:r>
+                      <a:rPr lang="en-US" i="1">
+                        <a:latin typeface="Cambria Math" panose="02040503050406030204" pitchFamily="18" charset="0"/>
+                      </a:rPr>
+                      <m:t>𝑆</m:t>
+                    </m:r>
+                    <m:r>
+                      <a:rPr lang="en-US" i="1">
+                        <a:latin typeface="Cambria Math" panose="02040503050406030204" pitchFamily="18" charset="0"/>
+                      </a:rPr>
+                      <m:t>.</m:t>
+                    </m:r>
+                    <m:r>
+                      <a:rPr lang="en-US" i="1">
+                        <a:latin typeface="Cambria Math" panose="02040503050406030204" pitchFamily="18" charset="0"/>
+                      </a:rPr>
+                      <m:t>𝑡𝑜𝑝</m:t>
+                    </m:r>
+                  </m:oMath>
+                </a14:m>
+                <a:r>
+                  <a:rPr lang="en-US" dirty="0">
+                    <a:solidFill>
+                      <a:schemeClr val="tx1"/>
+                    </a:solidFill>
+                  </a:rPr>
+                  <a:t> </a:t>
+                </a:r>
+                <a:r>
+                  <a:rPr lang="en-US" dirty="0">
+                    <a:solidFill>
+                      <a:schemeClr val="accent1"/>
+                    </a:solidFill>
+                  </a:rPr>
+                  <a:t>points to the </a:t>
+                </a:r>
+                <a:r>
+                  <a:rPr lang="en-US" b="1" i="1" dirty="0">
+                    <a:solidFill>
+                      <a:srgbClr val="FF0000"/>
+                    </a:solidFill>
+                  </a:rPr>
+                  <a:t>most recently</a:t>
+                </a:r>
+                <a:r>
+                  <a:rPr lang="en-US" dirty="0">
+                    <a:solidFill>
+                      <a:schemeClr val="accent1"/>
+                    </a:solidFill>
+                  </a:rPr>
+                  <a:t> inserted element </a:t>
+                </a:r>
+              </a:p>
+              <a:p>
+                <a14:m>
+                  <m:oMath xmlns:m="http://schemas.openxmlformats.org/officeDocument/2006/math">
+                    <m:r>
+                      <a:rPr lang="en-US" b="0" i="1" smtClean="0">
+                        <a:solidFill>
+                          <a:schemeClr val="tx1"/>
+                        </a:solidFill>
+                        <a:latin typeface="Cambria Math" panose="02040503050406030204" pitchFamily="18" charset="0"/>
+                      </a:rPr>
+                      <m:t>𝑆</m:t>
+                    </m:r>
+                    <m:r>
+                      <a:rPr lang="en-US" b="0" i="1" smtClean="0">
+                        <a:solidFill>
+                          <a:schemeClr val="tx1"/>
+                        </a:solidFill>
+                        <a:latin typeface="Cambria Math" panose="02040503050406030204" pitchFamily="18" charset="0"/>
+                      </a:rPr>
+                      <m:t>[1]</m:t>
+                    </m:r>
+                  </m:oMath>
+                </a14:m>
+                <a:r>
+                  <a:rPr lang="en-US" dirty="0">
+                    <a:solidFill>
+                      <a:schemeClr val="accent1"/>
+                    </a:solidFill>
+                  </a:rPr>
+                  <a:t> points to the element at the bottom of the stack, i.e., the </a:t>
+                </a:r>
+                <a:r>
+                  <a:rPr lang="en-US" b="1" i="1" dirty="0">
+                    <a:solidFill>
+                      <a:srgbClr val="FF0000"/>
+                    </a:solidFill>
+                  </a:rPr>
+                  <a:t>oldest</a:t>
+                </a:r>
+                <a:r>
+                  <a:rPr lang="en-US" dirty="0">
+                    <a:solidFill>
+                      <a:schemeClr val="accent1"/>
+                    </a:solidFill>
+                  </a:rPr>
+                  <a:t> element</a:t>
+                </a:r>
+              </a:p>
+              <a:p>
+                <a:endParaRPr lang="en-US" dirty="0">
+                  <a:solidFill>
+                    <a:schemeClr val="accent1"/>
+                  </a:solidFill>
+                </a:endParaRPr>
+              </a:p>
+              <a:p>
+                <a:r>
+                  <a:rPr lang="en-US" dirty="0">
+                    <a:solidFill>
+                      <a:schemeClr val="accent1"/>
+                    </a:solidFill>
+                  </a:rPr>
+                  <a:t>A stack exhibits </a:t>
+                </a:r>
+                <a:r>
+                  <a:rPr lang="en-US" b="1" i="1" dirty="0">
+                    <a:solidFill>
+                      <a:srgbClr val="FF0000"/>
+                    </a:solidFill>
+                  </a:rPr>
+                  <a:t>LIFO </a:t>
+                </a:r>
+                <a:r>
+                  <a:rPr lang="en-US" dirty="0">
+                    <a:solidFill>
+                      <a:schemeClr val="accent1"/>
+                    </a:solidFill>
+                  </a:rPr>
+                  <a:t>behavior.</a:t>
+                </a:r>
+              </a:p>
+              <a:p>
+                <a:pPr lvl="1"/>
+                <a:r>
+                  <a:rPr lang="en-US" dirty="0">
+                    <a:solidFill>
+                      <a:schemeClr val="accent1"/>
+                    </a:solidFill>
+                  </a:rPr>
+                  <a:t>A new item is added to the top of the stack</a:t>
+                </a:r>
+              </a:p>
+              <a:p>
+                <a:pPr lvl="1"/>
+                <a:r>
+                  <a:rPr lang="en-US" dirty="0">
+                    <a:solidFill>
+                      <a:schemeClr val="accent1"/>
+                    </a:solidFill>
+                  </a:rPr>
+                  <a:t>Only the most recently item </a:t>
+                </a:r>
+                <a14:m>
+                  <m:oMath xmlns:m="http://schemas.openxmlformats.org/officeDocument/2006/math">
+                    <m:r>
+                      <m:rPr>
+                        <m:sty m:val="p"/>
+                      </m:rPr>
+                      <a:rPr lang="en-US" b="0" i="0" smtClean="0">
+                        <a:latin typeface="Cambria Math" panose="02040503050406030204" pitchFamily="18" charset="0"/>
+                      </a:rPr>
+                      <m:t>S</m:t>
+                    </m:r>
+                    <m:r>
+                      <a:rPr lang="en-US" b="0" i="0" smtClean="0">
+                        <a:latin typeface="Cambria Math" panose="02040503050406030204" pitchFamily="18" charset="0"/>
+                      </a:rPr>
+                      <m:t>[</m:t>
+                    </m:r>
+                    <m:r>
+                      <a:rPr lang="en-US" b="0" i="1" smtClean="0">
+                        <a:latin typeface="Cambria Math" panose="02040503050406030204" pitchFamily="18" charset="0"/>
+                      </a:rPr>
+                      <m:t>𝑆</m:t>
+                    </m:r>
+                    <m:r>
+                      <a:rPr lang="en-US" b="0" i="1" smtClean="0">
+                        <a:latin typeface="Cambria Math" panose="02040503050406030204" pitchFamily="18" charset="0"/>
+                      </a:rPr>
+                      <m:t>.</m:t>
+                    </m:r>
+                    <m:r>
+                      <a:rPr lang="en-US" i="1">
+                        <a:latin typeface="Cambria Math" panose="02040503050406030204" pitchFamily="18" charset="0"/>
+                      </a:rPr>
+                      <m:t>𝑡𝑜𝑝</m:t>
+                    </m:r>
+                    <m:r>
+                      <a:rPr lang="en-US" b="0" i="1" smtClean="0">
+                        <a:latin typeface="Cambria Math" panose="02040503050406030204" pitchFamily="18" charset="0"/>
+                      </a:rPr>
+                      <m:t>]</m:t>
+                    </m:r>
+                    <m:r>
+                      <a:rPr lang="en-US" i="1">
+                        <a:latin typeface="Cambria Math" panose="02040503050406030204" pitchFamily="18" charset="0"/>
+                      </a:rPr>
+                      <m:t> </m:t>
+                    </m:r>
+                  </m:oMath>
+                </a14:m>
+                <a:r>
+                  <a:rPr lang="en-US" dirty="0">
+                    <a:solidFill>
+                      <a:schemeClr val="accent1"/>
+                    </a:solidFill>
+                  </a:rPr>
+                  <a:t>can be deleted or popped off the stack</a:t>
+                </a:r>
+              </a:p>
+              <a:p>
+                <a:pPr marL="0" indent="0">
+                  <a:buNone/>
+                </a:pPr>
+                <a:endParaRPr lang="en-US" dirty="0">
+                  <a:solidFill>
+                    <a:schemeClr val="accent1"/>
+                  </a:solidFill>
+                </a:endParaRPr>
+              </a:p>
+              <a:p>
+                <a:pPr marL="457200" lvl="1" indent="0">
+                  <a:buNone/>
+                </a:pPr>
+                <a:endParaRPr lang="en-US" dirty="0">
+                  <a:solidFill>
+                    <a:schemeClr val="accent1"/>
+                  </a:solidFill>
+                </a:endParaRPr>
+              </a:p>
+            </p:txBody>
+          </p:sp>
+        </mc:Choice>
+        <mc:Fallback xmlns="">
+          <p:sp>
+            <p:nvSpPr>
+              <p:cNvPr id="3" name="Content Placeholder 2"/>
+              <p:cNvSpPr>
+                <a:spLocks noGrp="1" noRot="1" noChangeAspect="1" noMove="1" noResize="1" noEditPoints="1" noAdjustHandles="1" noChangeArrowheads="1" noChangeShapeType="1" noTextEdit="1"/>
+              </p:cNvSpPr>
+              <p:nvPr>
+                <p:ph idx="1"/>
+              </p:nvPr>
+            </p:nvSpPr>
+            <p:spPr>
+              <a:blipFill>
+                <a:blip r:embed="rId2"/>
+                <a:stretch>
+                  <a:fillRect l="-1217" t="-2241"/>
+                </a:stretch>
+              </a:blipFill>
+            </p:spPr>
+            <p:txBody>
+              <a:bodyPr/>
+              <a:lstStyle/>
+              <a:p>
+                <a:r>
+                  <a:rPr lang="en-US">
+                    <a:noFill/>
+                  </a:rPr>
+                  <a:t> </a:t>
+                </a:r>
+              </a:p>
+            </p:txBody>
+          </p:sp>
+        </mc:Fallback>
+      </mc:AlternateContent>
+    </p:spTree>
+    <p:extLst>
+      <p:ext uri="{BB962C8B-B14F-4D97-AF65-F5344CB8AC3E}">
+        <p14:creationId xmlns:p14="http://schemas.microsoft.com/office/powerpoint/2010/main" val="1066825652"/>
+      </p:ext>
+    </p:extLst>
+  </p:cSld>
+  <p:clrMapOvr>
+    <a:masterClrMapping/>
+  </p:clrMapOvr>
+</p:sld>
+</file>
+
+<file path=ppt/slides/slide30.xml><?xml version="1.0" encoding="utf-8"?>
 <p:sld xmlns:a="http://schemas.openxmlformats.org/drawingml/2006/main" xmlns:r="http://schemas.openxmlformats.org/officeDocument/2006/relationships" xmlns:p="http://schemas.openxmlformats.org/presentationml/2006/main">
   <p:cSld>
     <p:spTree>
@@ -18153,458 +19579,7 @@
 </p:sld>
 </file>
 
-<file path=ppt/slides/slide3.xml><?xml version="1.0" encoding="utf-8"?>
-<p:sld xmlns:a="http://schemas.openxmlformats.org/drawingml/2006/main" xmlns:r="http://schemas.openxmlformats.org/officeDocument/2006/relationships" xmlns:p="http://schemas.openxmlformats.org/presentationml/2006/main">
-  <p:cSld>
-    <p:spTree>
-      <p:nvGrpSpPr>
-        <p:cNvPr id="1" name=""/>
-        <p:cNvGrpSpPr/>
-        <p:nvPr/>
-      </p:nvGrpSpPr>
-      <p:grpSpPr>
-        <a:xfrm>
-          <a:off x="0" y="0"/>
-          <a:ext cx="0" cy="0"/>
-          <a:chOff x="0" y="0"/>
-          <a:chExt cx="0" cy="0"/>
-        </a:xfrm>
-      </p:grpSpPr>
-      <p:sp>
-        <p:nvSpPr>
-          <p:cNvPr id="2" name="Title 1"/>
-          <p:cNvSpPr>
-            <a:spLocks noGrp="1"/>
-          </p:cNvSpPr>
-          <p:nvPr>
-            <p:ph type="title"/>
-          </p:nvPr>
-        </p:nvSpPr>
-        <p:spPr/>
-        <p:txBody>
-          <a:bodyPr/>
-          <a:lstStyle/>
-          <a:p>
-            <a:r>
-              <a:rPr lang="en-US" dirty="0">
-                <a:solidFill>
-                  <a:schemeClr val="accent1"/>
-                </a:solidFill>
-              </a:rPr>
-              <a:t>Stack</a:t>
-            </a:r>
-          </a:p>
-        </p:txBody>
-      </p:sp>
-      <mc:AlternateContent xmlns:mc="http://schemas.openxmlformats.org/markup-compatibility/2006" xmlns:a14="http://schemas.microsoft.com/office/drawing/2010/main">
-        <mc:Choice Requires="a14">
-          <p:sp>
-            <p:nvSpPr>
-              <p:cNvPr id="3" name="Content Placeholder 2"/>
-              <p:cNvSpPr>
-                <a:spLocks noGrp="1"/>
-              </p:cNvSpPr>
-              <p:nvPr>
-                <p:ph idx="1"/>
-              </p:nvPr>
-            </p:nvSpPr>
-            <p:spPr/>
-            <p:txBody>
-              <a:bodyPr>
-                <a:normAutofit/>
-              </a:bodyPr>
-              <a:lstStyle/>
-              <a:p>
-                <a:pPr marL="0" indent="0">
-                  <a:buNone/>
-                </a:pPr>
-                <a:r>
-                  <a:rPr lang="en-US" dirty="0">
-                    <a:solidFill>
-                      <a:schemeClr val="accent1"/>
-                    </a:solidFill>
-                  </a:rPr>
-                  <a:t>A stack </a:t>
-                </a:r>
-                <a14:m>
-                  <m:oMath xmlns:m="http://schemas.openxmlformats.org/officeDocument/2006/math">
-                    <m:r>
-                      <a:rPr lang="en-US" b="0" i="1" smtClean="0">
-                        <a:solidFill>
-                          <a:schemeClr val="tx1"/>
-                        </a:solidFill>
-                        <a:latin typeface="Cambria Math" panose="02040503050406030204" pitchFamily="18" charset="0"/>
-                      </a:rPr>
-                      <m:t>𝑆</m:t>
-                    </m:r>
-                  </m:oMath>
-                </a14:m>
-                <a:r>
-                  <a:rPr lang="en-US" dirty="0">
-                    <a:solidFill>
-                      <a:schemeClr val="accent1"/>
-                    </a:solidFill>
-                  </a:rPr>
-                  <a:t> consists of elements </a:t>
-                </a:r>
-                <a14:m>
-                  <m:oMath xmlns:m="http://schemas.openxmlformats.org/officeDocument/2006/math">
-                    <m:r>
-                      <a:rPr lang="en-US" b="0" i="1" smtClean="0">
-                        <a:solidFill>
-                          <a:schemeClr val="tx1"/>
-                        </a:solidFill>
-                        <a:latin typeface="Cambria Math" panose="02040503050406030204" pitchFamily="18" charset="0"/>
-                      </a:rPr>
-                      <m:t>𝑆</m:t>
-                    </m:r>
-                    <m:d>
-                      <m:dPr>
-                        <m:begChr m:val="["/>
-                        <m:endChr m:val="]"/>
-                        <m:ctrlPr>
-                          <a:rPr lang="en-US" b="0" i="1" smtClean="0">
-                            <a:solidFill>
-                              <a:schemeClr val="tx1"/>
-                            </a:solidFill>
-                            <a:latin typeface="Cambria Math" panose="02040503050406030204" pitchFamily="18" charset="0"/>
-                          </a:rPr>
-                        </m:ctrlPr>
-                      </m:dPr>
-                      <m:e>
-                        <m:r>
-                          <a:rPr lang="en-US" b="0" i="1" smtClean="0">
-                            <a:solidFill>
-                              <a:schemeClr val="tx1"/>
-                            </a:solidFill>
-                            <a:latin typeface="Cambria Math" panose="02040503050406030204" pitchFamily="18" charset="0"/>
-                          </a:rPr>
-                          <m:t>1…</m:t>
-                        </m:r>
-                        <m:r>
-                          <a:rPr lang="en-US" b="0" i="1" smtClean="0">
-                            <a:solidFill>
-                              <a:schemeClr val="tx1"/>
-                            </a:solidFill>
-                            <a:latin typeface="Cambria Math" panose="02040503050406030204" pitchFamily="18" charset="0"/>
-                          </a:rPr>
-                          <m:t>𝑆</m:t>
-                        </m:r>
-                        <m:r>
-                          <a:rPr lang="en-US" b="0" i="1" smtClean="0">
-                            <a:solidFill>
-                              <a:schemeClr val="tx1"/>
-                            </a:solidFill>
-                            <a:latin typeface="Cambria Math" panose="02040503050406030204" pitchFamily="18" charset="0"/>
-                          </a:rPr>
-                          <m:t>.</m:t>
-                        </m:r>
-                        <m:r>
-                          <a:rPr lang="en-US" b="0" i="1" smtClean="0">
-                            <a:solidFill>
-                              <a:schemeClr val="tx1"/>
-                            </a:solidFill>
-                            <a:latin typeface="Cambria Math" panose="02040503050406030204" pitchFamily="18" charset="0"/>
-                          </a:rPr>
-                          <m:t>𝑡𝑜𝑝</m:t>
-                        </m:r>
-                      </m:e>
-                    </m:d>
-                  </m:oMath>
-                </a14:m>
-                <a:endParaRPr lang="en-US" dirty="0">
-                  <a:solidFill>
-                    <a:schemeClr val="accent1"/>
-                  </a:solidFill>
-                </a:endParaRPr>
-              </a:p>
-              <a:p>
-                <a14:m>
-                  <m:oMath xmlns:m="http://schemas.openxmlformats.org/officeDocument/2006/math">
-                    <m:r>
-                      <a:rPr lang="en-US" i="1">
-                        <a:latin typeface="Cambria Math" panose="02040503050406030204" pitchFamily="18" charset="0"/>
-                      </a:rPr>
-                      <m:t>𝑆</m:t>
-                    </m:r>
-                    <m:r>
-                      <a:rPr lang="en-US" i="1">
-                        <a:latin typeface="Cambria Math" panose="02040503050406030204" pitchFamily="18" charset="0"/>
-                      </a:rPr>
-                      <m:t>.</m:t>
-                    </m:r>
-                    <m:r>
-                      <a:rPr lang="en-US" i="1">
-                        <a:latin typeface="Cambria Math" panose="02040503050406030204" pitchFamily="18" charset="0"/>
-                      </a:rPr>
-                      <m:t>𝑡𝑜𝑝</m:t>
-                    </m:r>
-                  </m:oMath>
-                </a14:m>
-                <a:r>
-                  <a:rPr lang="en-US" dirty="0">
-                    <a:solidFill>
-                      <a:schemeClr val="tx1"/>
-                    </a:solidFill>
-                  </a:rPr>
-                  <a:t> </a:t>
-                </a:r>
-                <a:r>
-                  <a:rPr lang="en-US" dirty="0">
-                    <a:solidFill>
-                      <a:schemeClr val="accent1"/>
-                    </a:solidFill>
-                  </a:rPr>
-                  <a:t>points to the </a:t>
-                </a:r>
-                <a:r>
-                  <a:rPr lang="en-US" b="1" i="1" dirty="0">
-                    <a:solidFill>
-                      <a:srgbClr val="FF0000"/>
-                    </a:solidFill>
-                  </a:rPr>
-                  <a:t>most recently</a:t>
-                </a:r>
-                <a:r>
-                  <a:rPr lang="en-US" dirty="0">
-                    <a:solidFill>
-                      <a:schemeClr val="accent1"/>
-                    </a:solidFill>
-                  </a:rPr>
-                  <a:t> inserted element </a:t>
-                </a:r>
-              </a:p>
-              <a:p>
-                <a14:m>
-                  <m:oMath xmlns:m="http://schemas.openxmlformats.org/officeDocument/2006/math">
-                    <m:r>
-                      <a:rPr lang="en-US" b="0" i="1" smtClean="0">
-                        <a:solidFill>
-                          <a:schemeClr val="tx1"/>
-                        </a:solidFill>
-                        <a:latin typeface="Cambria Math" panose="02040503050406030204" pitchFamily="18" charset="0"/>
-                      </a:rPr>
-                      <m:t>𝑆</m:t>
-                    </m:r>
-                    <m:r>
-                      <a:rPr lang="en-US" b="0" i="1" smtClean="0">
-                        <a:solidFill>
-                          <a:schemeClr val="tx1"/>
-                        </a:solidFill>
-                        <a:latin typeface="Cambria Math" panose="02040503050406030204" pitchFamily="18" charset="0"/>
-                      </a:rPr>
-                      <m:t>[1]</m:t>
-                    </m:r>
-                  </m:oMath>
-                </a14:m>
-                <a:r>
-                  <a:rPr lang="en-US" dirty="0">
-                    <a:solidFill>
-                      <a:schemeClr val="accent1"/>
-                    </a:solidFill>
-                  </a:rPr>
-                  <a:t> points to the element at the bottom of the stack, i.e., the </a:t>
-                </a:r>
-                <a:r>
-                  <a:rPr lang="en-US" b="1" i="1" dirty="0">
-                    <a:solidFill>
-                      <a:srgbClr val="FF0000"/>
-                    </a:solidFill>
-                  </a:rPr>
-                  <a:t>oldest</a:t>
-                </a:r>
-                <a:r>
-                  <a:rPr lang="en-US" dirty="0">
-                    <a:solidFill>
-                      <a:schemeClr val="accent1"/>
-                    </a:solidFill>
-                  </a:rPr>
-                  <a:t> element</a:t>
-                </a:r>
-              </a:p>
-              <a:p>
-                <a:endParaRPr lang="en-US" dirty="0">
-                  <a:solidFill>
-                    <a:schemeClr val="accent1"/>
-                  </a:solidFill>
-                </a:endParaRPr>
-              </a:p>
-              <a:p>
-                <a:r>
-                  <a:rPr lang="en-US" dirty="0">
-                    <a:solidFill>
-                      <a:schemeClr val="accent1"/>
-                    </a:solidFill>
-                  </a:rPr>
-                  <a:t>A stack exhibits </a:t>
-                </a:r>
-                <a:r>
-                  <a:rPr lang="en-US" b="1" i="1" dirty="0">
-                    <a:solidFill>
-                      <a:srgbClr val="FF0000"/>
-                    </a:solidFill>
-                  </a:rPr>
-                  <a:t>LIFO </a:t>
-                </a:r>
-                <a:r>
-                  <a:rPr lang="en-US" dirty="0">
-                    <a:solidFill>
-                      <a:schemeClr val="accent1"/>
-                    </a:solidFill>
-                  </a:rPr>
-                  <a:t>behavior.</a:t>
-                </a:r>
-              </a:p>
-              <a:p>
-                <a:pPr lvl="1"/>
-                <a:r>
-                  <a:rPr lang="en-US" dirty="0">
-                    <a:solidFill>
-                      <a:schemeClr val="accent1"/>
-                    </a:solidFill>
-                  </a:rPr>
-                  <a:t>A new item is added to the top of the stack</a:t>
-                </a:r>
-              </a:p>
-              <a:p>
-                <a:pPr lvl="1"/>
-                <a:r>
-                  <a:rPr lang="en-US" dirty="0">
-                    <a:solidFill>
-                      <a:schemeClr val="accent1"/>
-                    </a:solidFill>
-                  </a:rPr>
-                  <a:t>Only the most recently item </a:t>
-                </a:r>
-                <a14:m>
-                  <m:oMath xmlns:m="http://schemas.openxmlformats.org/officeDocument/2006/math">
-                    <m:r>
-                      <m:rPr>
-                        <m:sty m:val="p"/>
-                      </m:rPr>
-                      <a:rPr lang="en-US" b="0" i="0" smtClean="0">
-                        <a:latin typeface="Cambria Math" panose="02040503050406030204" pitchFamily="18" charset="0"/>
-                      </a:rPr>
-                      <m:t>S</m:t>
-                    </m:r>
-                    <m:r>
-                      <a:rPr lang="en-US" b="0" i="0" smtClean="0">
-                        <a:latin typeface="Cambria Math" panose="02040503050406030204" pitchFamily="18" charset="0"/>
-                      </a:rPr>
-                      <m:t>[</m:t>
-                    </m:r>
-                    <m:r>
-                      <a:rPr lang="en-US" b="0" i="1" smtClean="0">
-                        <a:latin typeface="Cambria Math" panose="02040503050406030204" pitchFamily="18" charset="0"/>
-                      </a:rPr>
-                      <m:t>𝑆</m:t>
-                    </m:r>
-                    <m:r>
-                      <a:rPr lang="en-US" b="0" i="1" smtClean="0">
-                        <a:latin typeface="Cambria Math" panose="02040503050406030204" pitchFamily="18" charset="0"/>
-                      </a:rPr>
-                      <m:t>.</m:t>
-                    </m:r>
-                    <m:r>
-                      <a:rPr lang="en-US" i="1">
-                        <a:latin typeface="Cambria Math" panose="02040503050406030204" pitchFamily="18" charset="0"/>
-                      </a:rPr>
-                      <m:t>𝑡𝑜𝑝</m:t>
-                    </m:r>
-                    <m:r>
-                      <a:rPr lang="en-US" b="0" i="1" smtClean="0">
-                        <a:latin typeface="Cambria Math" panose="02040503050406030204" pitchFamily="18" charset="0"/>
-                      </a:rPr>
-                      <m:t>]</m:t>
-                    </m:r>
-                    <m:r>
-                      <a:rPr lang="en-US" i="1">
-                        <a:latin typeface="Cambria Math" panose="02040503050406030204" pitchFamily="18" charset="0"/>
-                      </a:rPr>
-                      <m:t> </m:t>
-                    </m:r>
-                  </m:oMath>
-                </a14:m>
-                <a:r>
-                  <a:rPr lang="en-US" dirty="0">
-                    <a:solidFill>
-                      <a:schemeClr val="accent1"/>
-                    </a:solidFill>
-                  </a:rPr>
-                  <a:t>can be deleted or popped off the stack</a:t>
-                </a:r>
-              </a:p>
-              <a:p>
-                <a:pPr marL="0" indent="0">
-                  <a:buNone/>
-                </a:pPr>
-                <a:endParaRPr lang="en-US" dirty="0">
-                  <a:solidFill>
-                    <a:schemeClr val="accent1"/>
-                  </a:solidFill>
-                </a:endParaRPr>
-              </a:p>
-              <a:p>
-                <a:pPr marL="457200" lvl="1" indent="0">
-                  <a:buNone/>
-                </a:pPr>
-                <a:endParaRPr lang="en-US" dirty="0">
-                  <a:solidFill>
-                    <a:schemeClr val="accent1"/>
-                  </a:solidFill>
-                </a:endParaRPr>
-              </a:p>
-            </p:txBody>
-          </p:sp>
-        </mc:Choice>
-        <mc:Fallback xmlns="">
-          <p:sp>
-            <p:nvSpPr>
-              <p:cNvPr id="3" name="Content Placeholder 2"/>
-              <p:cNvSpPr>
-                <a:spLocks noGrp="1" noRot="1" noChangeAspect="1" noMove="1" noResize="1" noEditPoints="1" noAdjustHandles="1" noChangeArrowheads="1" noChangeShapeType="1" noTextEdit="1"/>
-              </p:cNvSpPr>
-              <p:nvPr>
-                <p:ph idx="1"/>
-              </p:nvPr>
-            </p:nvSpPr>
-            <p:spPr>
-              <a:blipFill>
-                <a:blip r:embed="rId2"/>
-                <a:stretch>
-                  <a:fillRect l="-1217" t="-2241"/>
-                </a:stretch>
-              </a:blipFill>
-            </p:spPr>
-            <p:txBody>
-              <a:bodyPr/>
-              <a:lstStyle/>
-              <a:p>
-                <a:r>
-                  <a:rPr lang="en-US">
-                    <a:noFill/>
-                  </a:rPr>
-                  <a:t> </a:t>
-                </a:r>
-              </a:p>
-            </p:txBody>
-          </p:sp>
-        </mc:Fallback>
-      </mc:AlternateContent>
-    </p:spTree>
-    <p:extLst>
-      <p:ext uri="{BB962C8B-B14F-4D97-AF65-F5344CB8AC3E}">
-        <p14:creationId xmlns:p14="http://schemas.microsoft.com/office/powerpoint/2010/main" val="1066825652"/>
-      </p:ext>
-    </p:extLst>
-  </p:cSld>
-  <p:clrMapOvr>
-    <a:masterClrMapping/>
-  </p:clrMapOvr>
-</p:sld>
-</file>
-
-<file path=ppt/slides/slide30.xml><?xml version="1.0" encoding="utf-8"?>
+<file path=ppt/slides/slide31.xml><?xml version="1.0" encoding="utf-8"?>
 <p:sld xmlns:a="http://schemas.openxmlformats.org/drawingml/2006/main" xmlns:r="http://schemas.openxmlformats.org/officeDocument/2006/relationships" xmlns:p="http://schemas.openxmlformats.org/presentationml/2006/main">
   <p:cSld>
     <p:spTree>
@@ -19135,7 +20110,7 @@
 </p:sld>
 </file>
 
-<file path=ppt/slides/slide31.xml><?xml version="1.0" encoding="utf-8"?>
+<file path=ppt/slides/slide32.xml><?xml version="1.0" encoding="utf-8"?>
 <p:sld xmlns:a="http://schemas.openxmlformats.org/drawingml/2006/main" xmlns:r="http://schemas.openxmlformats.org/officeDocument/2006/relationships" xmlns:p="http://schemas.openxmlformats.org/presentationml/2006/main">
   <p:cSld>
     <p:spTree>
@@ -20983,7 +21958,7 @@
 </p:sld>
 </file>
 
-<file path=ppt/slides/slide32.xml><?xml version="1.0" encoding="utf-8"?>
+<file path=ppt/slides/slide33.xml><?xml version="1.0" encoding="utf-8"?>
 <p:sld xmlns:a="http://schemas.openxmlformats.org/drawingml/2006/main" xmlns:r="http://schemas.openxmlformats.org/officeDocument/2006/relationships" xmlns:p="http://schemas.openxmlformats.org/presentationml/2006/main">
   <p:cSld>
     <p:spTree>
@@ -21317,7 +22292,7 @@
 </p:sld>
 </file>
 
-<file path=ppt/slides/slide33.xml><?xml version="1.0" encoding="utf-8"?>
+<file path=ppt/slides/slide34.xml><?xml version="1.0" encoding="utf-8"?>
 <p:sld xmlns:a="http://schemas.openxmlformats.org/drawingml/2006/main" xmlns:r="http://schemas.openxmlformats.org/officeDocument/2006/relationships" xmlns:p="http://schemas.openxmlformats.org/presentationml/2006/main">
   <p:cSld>
     <p:spTree>
@@ -21849,7 +22824,7 @@
 </p:sld>
 </file>
 
-<file path=ppt/slides/slide34.xml><?xml version="1.0" encoding="utf-8"?>
+<file path=ppt/slides/slide35.xml><?xml version="1.0" encoding="utf-8"?>
 <p:sld xmlns:a="http://schemas.openxmlformats.org/drawingml/2006/main" xmlns:r="http://schemas.openxmlformats.org/officeDocument/2006/relationships" xmlns:p="http://schemas.openxmlformats.org/presentationml/2006/main">
   <p:cSld>
     <p:spTree>
@@ -22154,7 +23129,7 @@
 </p:sld>
 </file>
 
-<file path=ppt/slides/slide35.xml><?xml version="1.0" encoding="utf-8"?>
+<file path=ppt/slides/slide36.xml><?xml version="1.0" encoding="utf-8"?>
 <p:sld xmlns:a="http://schemas.openxmlformats.org/drawingml/2006/main" xmlns:r="http://schemas.openxmlformats.org/officeDocument/2006/relationships" xmlns:p="http://schemas.openxmlformats.org/presentationml/2006/main">
   <p:cSld>
     <p:spTree>
@@ -22561,8 +23536,8 @@
           </a:prstGeom>
         </p:spPr>
       </p:pic>
-      <mc:AlternateContent xmlns:mc="http://schemas.openxmlformats.org/markup-compatibility/2006">
-        <mc:Choice xmlns:a14="http://schemas.microsoft.com/office/drawing/2010/main" Requires="a14">
+      <mc:AlternateContent xmlns:mc="http://schemas.openxmlformats.org/markup-compatibility/2006" xmlns:a14="http://schemas.microsoft.com/office/drawing/2010/main">
+        <mc:Choice Requires="a14">
           <p:sp>
             <p:nvSpPr>
               <p:cNvPr id="8" name="TextBox 7">
@@ -22723,7 +23698,7 @@
             </p:txBody>
           </p:sp>
         </mc:Choice>
-        <mc:Fallback>
+        <mc:Fallback xmlns="">
           <p:sp>
             <p:nvSpPr>
               <p:cNvPr id="8" name="TextBox 7">
@@ -22781,7 +23756,7 @@
 </p:sld>
 </file>
 
-<file path=ppt/slides/slide36.xml><?xml version="1.0" encoding="utf-8"?>
+<file path=ppt/slides/slide37.xml><?xml version="1.0" encoding="utf-8"?>
 <p:sld xmlns:a="http://schemas.openxmlformats.org/drawingml/2006/main" xmlns:r="http://schemas.openxmlformats.org/officeDocument/2006/relationships" xmlns:p="http://schemas.openxmlformats.org/presentationml/2006/main">
   <p:cSld>
     <p:spTree>
@@ -23557,7 +24532,7 @@
 </p:sld>
 </file>
 
-<file path=ppt/slides/slide37.xml><?xml version="1.0" encoding="utf-8"?>
+<file path=ppt/slides/slide38.xml><?xml version="1.0" encoding="utf-8"?>
 <p:sld xmlns:a="http://schemas.openxmlformats.org/drawingml/2006/main" xmlns:r="http://schemas.openxmlformats.org/officeDocument/2006/relationships" xmlns:p="http://schemas.openxmlformats.org/presentationml/2006/main">
   <p:cSld>
     <p:spTree>
@@ -24280,7 +25255,7 @@
 </p:sld>
 </file>
 
-<file path=ppt/slides/slide38.xml><?xml version="1.0" encoding="utf-8"?>
+<file path=ppt/slides/slide39.xml><?xml version="1.0" encoding="utf-8"?>
 <p:sld xmlns:a="http://schemas.openxmlformats.org/drawingml/2006/main" xmlns:r="http://schemas.openxmlformats.org/officeDocument/2006/relationships" xmlns:p="http://schemas.openxmlformats.org/presentationml/2006/main">
   <p:cSld>
     <p:spTree>

--- a/Lectures/Lecture 3.pptx
+++ b/Lectures/Lecture 3.pptx
@@ -247,7 +247,7 @@
           <a:p>
             <a:fld id="{1CB48AD5-CDAE-4B7B-B49D-6DB81FF5A179}" type="datetimeFigureOut">
               <a:rPr lang="en-US" smtClean="0"/>
-              <a:t>8/20/2020</a:t>
+              <a:t>8/21/2020</a:t>
             </a:fld>
             <a:endParaRPr lang="en-US"/>
           </a:p>
@@ -661,7 +661,7 @@
           <a:p>
             <a:fld id="{C4959B56-7D6D-462F-B061-93C9E323EE8A}" type="datetimeFigureOut">
               <a:rPr lang="en-US" smtClean="0"/>
-              <a:t>8/20/2020</a:t>
+              <a:t>8/21/2020</a:t>
             </a:fld>
             <a:endParaRPr lang="en-US"/>
           </a:p>
@@ -859,7 +859,7 @@
           <a:p>
             <a:fld id="{C4959B56-7D6D-462F-B061-93C9E323EE8A}" type="datetimeFigureOut">
               <a:rPr lang="en-US" smtClean="0"/>
-              <a:t>8/20/2020</a:t>
+              <a:t>8/21/2020</a:t>
             </a:fld>
             <a:endParaRPr lang="en-US"/>
           </a:p>
@@ -1067,7 +1067,7 @@
           <a:p>
             <a:fld id="{C4959B56-7D6D-462F-B061-93C9E323EE8A}" type="datetimeFigureOut">
               <a:rPr lang="en-US" smtClean="0"/>
-              <a:t>8/20/2020</a:t>
+              <a:t>8/21/2020</a:t>
             </a:fld>
             <a:endParaRPr lang="en-US"/>
           </a:p>
@@ -1265,7 +1265,7 @@
           <a:p>
             <a:fld id="{C4959B56-7D6D-462F-B061-93C9E323EE8A}" type="datetimeFigureOut">
               <a:rPr lang="en-US" smtClean="0"/>
-              <a:t>8/20/2020</a:t>
+              <a:t>8/21/2020</a:t>
             </a:fld>
             <a:endParaRPr lang="en-US"/>
           </a:p>
@@ -1540,7 +1540,7 @@
           <a:p>
             <a:fld id="{C4959B56-7D6D-462F-B061-93C9E323EE8A}" type="datetimeFigureOut">
               <a:rPr lang="en-US" smtClean="0"/>
-              <a:t>8/20/2020</a:t>
+              <a:t>8/21/2020</a:t>
             </a:fld>
             <a:endParaRPr lang="en-US"/>
           </a:p>
@@ -1805,7 +1805,7 @@
           <a:p>
             <a:fld id="{C4959B56-7D6D-462F-B061-93C9E323EE8A}" type="datetimeFigureOut">
               <a:rPr lang="en-US" smtClean="0"/>
-              <a:t>8/20/2020</a:t>
+              <a:t>8/21/2020</a:t>
             </a:fld>
             <a:endParaRPr lang="en-US"/>
           </a:p>
@@ -2217,7 +2217,7 @@
           <a:p>
             <a:fld id="{C4959B56-7D6D-462F-B061-93C9E323EE8A}" type="datetimeFigureOut">
               <a:rPr lang="en-US" smtClean="0"/>
-              <a:t>8/20/2020</a:t>
+              <a:t>8/21/2020</a:t>
             </a:fld>
             <a:endParaRPr lang="en-US"/>
           </a:p>
@@ -2358,7 +2358,7 @@
           <a:p>
             <a:fld id="{C4959B56-7D6D-462F-B061-93C9E323EE8A}" type="datetimeFigureOut">
               <a:rPr lang="en-US" smtClean="0"/>
-              <a:t>8/20/2020</a:t>
+              <a:t>8/21/2020</a:t>
             </a:fld>
             <a:endParaRPr lang="en-US"/>
           </a:p>
@@ -2471,7 +2471,7 @@
           <a:p>
             <a:fld id="{C4959B56-7D6D-462F-B061-93C9E323EE8A}" type="datetimeFigureOut">
               <a:rPr lang="en-US" smtClean="0"/>
-              <a:t>8/20/2020</a:t>
+              <a:t>8/21/2020</a:t>
             </a:fld>
             <a:endParaRPr lang="en-US"/>
           </a:p>
@@ -2782,7 +2782,7 @@
           <a:p>
             <a:fld id="{C4959B56-7D6D-462F-B061-93C9E323EE8A}" type="datetimeFigureOut">
               <a:rPr lang="en-US" smtClean="0"/>
-              <a:t>8/20/2020</a:t>
+              <a:t>8/21/2020</a:t>
             </a:fld>
             <a:endParaRPr lang="en-US"/>
           </a:p>
@@ -3070,7 +3070,7 @@
           <a:p>
             <a:fld id="{C4959B56-7D6D-462F-B061-93C9E323EE8A}" type="datetimeFigureOut">
               <a:rPr lang="en-US" smtClean="0"/>
-              <a:t>8/20/2020</a:t>
+              <a:t>8/21/2020</a:t>
             </a:fld>
             <a:endParaRPr lang="en-US"/>
           </a:p>
@@ -3311,7 +3311,7 @@
           <a:p>
             <a:fld id="{C4959B56-7D6D-462F-B061-93C9E323EE8A}" type="datetimeFigureOut">
               <a:rPr lang="en-US" smtClean="0"/>
-              <a:t>8/20/2020</a:t>
+              <a:t>8/21/2020</a:t>
             </a:fld>
             <a:endParaRPr lang="en-US"/>
           </a:p>
@@ -13469,7 +13469,7 @@
                   <a:schemeClr val="accent1"/>
                 </a:solidFill>
               </a:rPr>
-              <a:t>Structural Induction on the Binary Heap</a:t>
+              <a:t>Mathematical Induction on the Height</a:t>
             </a:r>
           </a:p>
         </p:txBody>
@@ -25323,7 +25323,7 @@
         <p:spPr/>
         <p:txBody>
           <a:bodyPr>
-            <a:normAutofit fontScale="85000" lnSpcReduction="20000"/>
+            <a:normAutofit fontScale="92500" lnSpcReduction="20000"/>
           </a:bodyPr>
           <a:lstStyle/>
           <a:p>
@@ -25399,23 +25399,7 @@
                   <a:schemeClr val="accent1"/>
                 </a:solidFill>
               </a:rPr>
-              <a:t>We have also illustrated a new variant of mathematical induction known as </a:t>
-            </a:r>
-            <a:r>
-              <a:rPr lang="en-US" b="1" i="1" dirty="0">
-                <a:solidFill>
-                  <a:srgbClr val="FF0000"/>
-                </a:solidFill>
-              </a:rPr>
-              <a:t>structural induction</a:t>
-            </a:r>
-            <a:r>
-              <a:rPr lang="en-US" dirty="0">
-                <a:solidFill>
-                  <a:schemeClr val="accent1"/>
-                </a:solidFill>
-              </a:rPr>
-              <a:t>. </a:t>
+              <a:t>We have also illustrated an application of mathematical induction on discrete structures.</a:t>
             </a:r>
             <a:br>
               <a:rPr lang="en-US" dirty="0">
@@ -25425,7 +25409,7 @@
               </a:rPr>
             </a:br>
             <a:br>
-              <a:rPr lang="en-US">
+              <a:rPr lang="en-US" dirty="0">
                 <a:solidFill>
                   <a:schemeClr val="accent1"/>
                 </a:solidFill>

--- a/Lectures/Lecture 3.pptx
+++ b/Lectures/Lecture 3.pptx
@@ -247,7 +247,7 @@
           <a:p>
             <a:fld id="{1CB48AD5-CDAE-4B7B-B49D-6DB81FF5A179}" type="datetimeFigureOut">
               <a:rPr lang="en-US" smtClean="0"/>
-              <a:t>8/21/2020</a:t>
+              <a:t>8/22/2020</a:t>
             </a:fld>
             <a:endParaRPr lang="en-US"/>
           </a:p>
@@ -661,7 +661,7 @@
           <a:p>
             <a:fld id="{C4959B56-7D6D-462F-B061-93C9E323EE8A}" type="datetimeFigureOut">
               <a:rPr lang="en-US" smtClean="0"/>
-              <a:t>8/21/2020</a:t>
+              <a:t>8/22/2020</a:t>
             </a:fld>
             <a:endParaRPr lang="en-US"/>
           </a:p>
@@ -859,7 +859,7 @@
           <a:p>
             <a:fld id="{C4959B56-7D6D-462F-B061-93C9E323EE8A}" type="datetimeFigureOut">
               <a:rPr lang="en-US" smtClean="0"/>
-              <a:t>8/21/2020</a:t>
+              <a:t>8/22/2020</a:t>
             </a:fld>
             <a:endParaRPr lang="en-US"/>
           </a:p>
@@ -1067,7 +1067,7 @@
           <a:p>
             <a:fld id="{C4959B56-7D6D-462F-B061-93C9E323EE8A}" type="datetimeFigureOut">
               <a:rPr lang="en-US" smtClean="0"/>
-              <a:t>8/21/2020</a:t>
+              <a:t>8/22/2020</a:t>
             </a:fld>
             <a:endParaRPr lang="en-US"/>
           </a:p>
@@ -1265,7 +1265,7 @@
           <a:p>
             <a:fld id="{C4959B56-7D6D-462F-B061-93C9E323EE8A}" type="datetimeFigureOut">
               <a:rPr lang="en-US" smtClean="0"/>
-              <a:t>8/21/2020</a:t>
+              <a:t>8/22/2020</a:t>
             </a:fld>
             <a:endParaRPr lang="en-US"/>
           </a:p>
@@ -1540,7 +1540,7 @@
           <a:p>
             <a:fld id="{C4959B56-7D6D-462F-B061-93C9E323EE8A}" type="datetimeFigureOut">
               <a:rPr lang="en-US" smtClean="0"/>
-              <a:t>8/21/2020</a:t>
+              <a:t>8/22/2020</a:t>
             </a:fld>
             <a:endParaRPr lang="en-US"/>
           </a:p>
@@ -1805,7 +1805,7 @@
           <a:p>
             <a:fld id="{C4959B56-7D6D-462F-B061-93C9E323EE8A}" type="datetimeFigureOut">
               <a:rPr lang="en-US" smtClean="0"/>
-              <a:t>8/21/2020</a:t>
+              <a:t>8/22/2020</a:t>
             </a:fld>
             <a:endParaRPr lang="en-US"/>
           </a:p>
@@ -2217,7 +2217,7 @@
           <a:p>
             <a:fld id="{C4959B56-7D6D-462F-B061-93C9E323EE8A}" type="datetimeFigureOut">
               <a:rPr lang="en-US" smtClean="0"/>
-              <a:t>8/21/2020</a:t>
+              <a:t>8/22/2020</a:t>
             </a:fld>
             <a:endParaRPr lang="en-US"/>
           </a:p>
@@ -2358,7 +2358,7 @@
           <a:p>
             <a:fld id="{C4959B56-7D6D-462F-B061-93C9E323EE8A}" type="datetimeFigureOut">
               <a:rPr lang="en-US" smtClean="0"/>
-              <a:t>8/21/2020</a:t>
+              <a:t>8/22/2020</a:t>
             </a:fld>
             <a:endParaRPr lang="en-US"/>
           </a:p>
@@ -2471,7 +2471,7 @@
           <a:p>
             <a:fld id="{C4959B56-7D6D-462F-B061-93C9E323EE8A}" type="datetimeFigureOut">
               <a:rPr lang="en-US" smtClean="0"/>
-              <a:t>8/21/2020</a:t>
+              <a:t>8/22/2020</a:t>
             </a:fld>
             <a:endParaRPr lang="en-US"/>
           </a:p>
@@ -2782,7 +2782,7 @@
           <a:p>
             <a:fld id="{C4959B56-7D6D-462F-B061-93C9E323EE8A}" type="datetimeFigureOut">
               <a:rPr lang="en-US" smtClean="0"/>
-              <a:t>8/21/2020</a:t>
+              <a:t>8/22/2020</a:t>
             </a:fld>
             <a:endParaRPr lang="en-US"/>
           </a:p>
@@ -3070,7 +3070,7 @@
           <a:p>
             <a:fld id="{C4959B56-7D6D-462F-B061-93C9E323EE8A}" type="datetimeFigureOut">
               <a:rPr lang="en-US" smtClean="0"/>
-              <a:t>8/21/2020</a:t>
+              <a:t>8/22/2020</a:t>
             </a:fld>
             <a:endParaRPr lang="en-US"/>
           </a:p>
@@ -3311,7 +3311,7 @@
           <a:p>
             <a:fld id="{C4959B56-7D6D-462F-B061-93C9E323EE8A}" type="datetimeFigureOut">
               <a:rPr lang="en-US" smtClean="0"/>
-              <a:t>8/21/2020</a:t>
+              <a:t>8/22/2020</a:t>
             </a:fld>
             <a:endParaRPr lang="en-US"/>
           </a:p>
@@ -23536,8 +23536,8 @@
           </a:prstGeom>
         </p:spPr>
       </p:pic>
-      <mc:AlternateContent xmlns:mc="http://schemas.openxmlformats.org/markup-compatibility/2006" xmlns:a14="http://schemas.microsoft.com/office/drawing/2010/main">
-        <mc:Choice Requires="a14">
+      <mc:AlternateContent xmlns:mc="http://schemas.openxmlformats.org/markup-compatibility/2006">
+        <mc:Choice xmlns:a14="http://schemas.microsoft.com/office/drawing/2010/main" Requires="a14">
           <p:sp>
             <p:nvSpPr>
               <p:cNvPr id="8" name="TextBox 7">
@@ -23553,7 +23553,7 @@
             <p:spPr>
               <a:xfrm>
                 <a:off x="679450" y="3265626"/>
-                <a:ext cx="5911850" cy="3477875"/>
+                <a:ext cx="5911850" cy="3170099"/>
               </a:xfrm>
               <a:prstGeom prst="rect">
                 <a:avLst/>
@@ -23684,7 +23684,23 @@
                       <a:schemeClr val="accent1"/>
                     </a:solidFill>
                   </a:rPr>
-                  <a:t>5) Return the extracted element with the largest value </a:t>
+                  <a:t>5) Return the extracted </a:t>
+                </a:r>
+                <a:r>
+                  <a:rPr lang="en-US" sz="2000">
+                    <a:solidFill>
+                      <a:schemeClr val="accent1"/>
+                    </a:solidFill>
+                  </a:rPr>
+                  <a:t>element </a:t>
+                </a:r>
+                <a:r>
+                  <a:rPr lang="en-US" sz="2000" b="1" i="1">
+                    <a:solidFill>
+                      <a:srgbClr val="FF0000"/>
+                    </a:solidFill>
+                  </a:rPr>
+                  <a:t>(</a:t>
                 </a:r>
                 <a:r>
                   <a:rPr lang="en-US" sz="2000" b="1" i="1" dirty="0">
@@ -23692,13 +23708,13 @@
                       <a:srgbClr val="FF0000"/>
                     </a:solidFill>
                   </a:rPr>
-                  <a:t>(Line 8)</a:t>
+                  <a:t>Line 8)</a:t>
                 </a:r>
               </a:p>
             </p:txBody>
           </p:sp>
         </mc:Choice>
-        <mc:Fallback xmlns="">
+        <mc:Fallback>
           <p:sp>
             <p:nvSpPr>
               <p:cNvPr id="8" name="TextBox 7">
@@ -23716,7 +23732,7 @@
             <p:spPr>
               <a:xfrm>
                 <a:off x="679450" y="3265626"/>
-                <a:ext cx="5911850" cy="3477875"/>
+                <a:ext cx="5911850" cy="3170099"/>
               </a:xfrm>
               <a:prstGeom prst="rect">
                 <a:avLst/>
@@ -23724,7 +23740,7 @@
               <a:blipFill>
                 <a:blip r:embed="rId4"/>
                 <a:stretch>
-                  <a:fillRect l="-1031" t="-1053" b="-2281"/>
+                  <a:fillRect l="-1031" t="-1154" b="-2500"/>
                 </a:stretch>
               </a:blipFill>
             </p:spPr>
